--- a/TestDrivingDotNet_Notes.pptx
+++ b/TestDrivingDotNet_Notes.pptx
@@ -5,63 +5,64 @@
     <p:sldMasterId id="2147483649" r:id="rId5"/>
   </p:sldMasterIdLst>
   <p:notesMasterIdLst>
-    <p:notesMasterId r:id="rId57"/>
+    <p:notesMasterId r:id="rId58"/>
   </p:notesMasterIdLst>
   <p:handoutMasterIdLst>
-    <p:handoutMasterId r:id="rId58"/>
+    <p:handoutMasterId r:id="rId59"/>
   </p:handoutMasterIdLst>
   <p:sldIdLst>
     <p:sldId id="259" r:id="rId6"/>
     <p:sldId id="261" r:id="rId7"/>
-    <p:sldId id="262" r:id="rId8"/>
+    <p:sldId id="354" r:id="rId8"/>
     <p:sldId id="312" r:id="rId9"/>
-    <p:sldId id="313" r:id="rId10"/>
-    <p:sldId id="314" r:id="rId11"/>
-    <p:sldId id="315" r:id="rId12"/>
-    <p:sldId id="316" r:id="rId13"/>
-    <p:sldId id="317" r:id="rId14"/>
-    <p:sldId id="304" r:id="rId15"/>
-    <p:sldId id="318" r:id="rId16"/>
-    <p:sldId id="305" r:id="rId17"/>
-    <p:sldId id="306" r:id="rId18"/>
-    <p:sldId id="307" r:id="rId19"/>
-    <p:sldId id="308" r:id="rId20"/>
-    <p:sldId id="309" r:id="rId21"/>
-    <p:sldId id="294" r:id="rId22"/>
-    <p:sldId id="311" r:id="rId23"/>
-    <p:sldId id="319" r:id="rId24"/>
-    <p:sldId id="321" r:id="rId25"/>
-    <p:sldId id="322" r:id="rId26"/>
-    <p:sldId id="323" r:id="rId27"/>
-    <p:sldId id="324" r:id="rId28"/>
-    <p:sldId id="325" r:id="rId29"/>
-    <p:sldId id="326" r:id="rId30"/>
-    <p:sldId id="327" r:id="rId31"/>
-    <p:sldId id="328" r:id="rId32"/>
-    <p:sldId id="335" r:id="rId33"/>
-    <p:sldId id="336" r:id="rId34"/>
-    <p:sldId id="337" r:id="rId35"/>
-    <p:sldId id="338" r:id="rId36"/>
-    <p:sldId id="339" r:id="rId37"/>
-    <p:sldId id="340" r:id="rId38"/>
-    <p:sldId id="332" r:id="rId39"/>
-    <p:sldId id="333" r:id="rId40"/>
-    <p:sldId id="329" r:id="rId41"/>
-    <p:sldId id="330" r:id="rId42"/>
-    <p:sldId id="331" r:id="rId43"/>
-    <p:sldId id="334" r:id="rId44"/>
-    <p:sldId id="342" r:id="rId45"/>
-    <p:sldId id="343" r:id="rId46"/>
-    <p:sldId id="344" r:id="rId47"/>
-    <p:sldId id="345" r:id="rId48"/>
-    <p:sldId id="346" r:id="rId49"/>
-    <p:sldId id="347" r:id="rId50"/>
-    <p:sldId id="348" r:id="rId51"/>
-    <p:sldId id="349" r:id="rId52"/>
-    <p:sldId id="350" r:id="rId53"/>
-    <p:sldId id="351" r:id="rId54"/>
-    <p:sldId id="352" r:id="rId55"/>
-    <p:sldId id="353" r:id="rId56"/>
+    <p:sldId id="262" r:id="rId10"/>
+    <p:sldId id="313" r:id="rId11"/>
+    <p:sldId id="314" r:id="rId12"/>
+    <p:sldId id="315" r:id="rId13"/>
+    <p:sldId id="316" r:id="rId14"/>
+    <p:sldId id="317" r:id="rId15"/>
+    <p:sldId id="304" r:id="rId16"/>
+    <p:sldId id="318" r:id="rId17"/>
+    <p:sldId id="305" r:id="rId18"/>
+    <p:sldId id="306" r:id="rId19"/>
+    <p:sldId id="307" r:id="rId20"/>
+    <p:sldId id="308" r:id="rId21"/>
+    <p:sldId id="309" r:id="rId22"/>
+    <p:sldId id="294" r:id="rId23"/>
+    <p:sldId id="311" r:id="rId24"/>
+    <p:sldId id="319" r:id="rId25"/>
+    <p:sldId id="321" r:id="rId26"/>
+    <p:sldId id="322" r:id="rId27"/>
+    <p:sldId id="323" r:id="rId28"/>
+    <p:sldId id="324" r:id="rId29"/>
+    <p:sldId id="325" r:id="rId30"/>
+    <p:sldId id="326" r:id="rId31"/>
+    <p:sldId id="327" r:id="rId32"/>
+    <p:sldId id="328" r:id="rId33"/>
+    <p:sldId id="335" r:id="rId34"/>
+    <p:sldId id="336" r:id="rId35"/>
+    <p:sldId id="337" r:id="rId36"/>
+    <p:sldId id="338" r:id="rId37"/>
+    <p:sldId id="339" r:id="rId38"/>
+    <p:sldId id="340" r:id="rId39"/>
+    <p:sldId id="332" r:id="rId40"/>
+    <p:sldId id="333" r:id="rId41"/>
+    <p:sldId id="329" r:id="rId42"/>
+    <p:sldId id="330" r:id="rId43"/>
+    <p:sldId id="331" r:id="rId44"/>
+    <p:sldId id="334" r:id="rId45"/>
+    <p:sldId id="342" r:id="rId46"/>
+    <p:sldId id="343" r:id="rId47"/>
+    <p:sldId id="344" r:id="rId48"/>
+    <p:sldId id="345" r:id="rId49"/>
+    <p:sldId id="346" r:id="rId50"/>
+    <p:sldId id="347" r:id="rId51"/>
+    <p:sldId id="348" r:id="rId52"/>
+    <p:sldId id="349" r:id="rId53"/>
+    <p:sldId id="350" r:id="rId54"/>
+    <p:sldId id="351" r:id="rId55"/>
+    <p:sldId id="352" r:id="rId56"/>
+    <p:sldId id="353" r:id="rId57"/>
   </p:sldIdLst>
   <p:sldSz cx="9601200" cy="7315200"/>
   <p:notesSz cx="7010400" cy="9296400"/>
@@ -511,7 +512,7 @@
               <a:pPr>
                 <a:defRPr/>
               </a:pPr>
-              <a:t>4/15/2012</a:t>
+              <a:t>4/17/2012</a:t>
             </a:fld>
             <a:endParaRPr lang="en-US"/>
           </a:p>
@@ -6187,6 +6188,121 @@
               <a:rPr lang="en-US" smtClean="0"/>
               <a:pPr/>
               <a:t>51</a:t>
+            </a:fld>
+            <a:endParaRPr lang="en-US" smtClean="0"/>
+          </a:p>
+        </p:txBody>
+      </p:sp>
+    </p:spTree>
+  </p:cSld>
+  <p:clrMapOvr>
+    <a:masterClrMapping/>
+  </p:clrMapOvr>
+</p:notes>
+</file>
+
+<file path=ppt/notesSlides/notesSlide52.xml><?xml version="1.0" encoding="utf-8"?>
+<p:notes xmlns:a="http://schemas.openxmlformats.org/drawingml/2006/main" xmlns:r="http://schemas.openxmlformats.org/officeDocument/2006/relationships" xmlns:p="http://schemas.openxmlformats.org/presentationml/2006/main">
+  <p:cSld>
+    <p:spTree>
+      <p:nvGrpSpPr>
+        <p:cNvPr id="1" name=""/>
+        <p:cNvGrpSpPr/>
+        <p:nvPr/>
+      </p:nvGrpSpPr>
+      <p:grpSpPr>
+        <a:xfrm>
+          <a:off x="0" y="0"/>
+          <a:ext cx="0" cy="0"/>
+          <a:chOff x="0" y="0"/>
+          <a:chExt cx="0" cy="0"/>
+        </a:xfrm>
+      </p:grpSpPr>
+      <p:sp>
+        <p:nvSpPr>
+          <p:cNvPr id="5122" name="Slide Image Placeholder 1"/>
+          <p:cNvSpPr>
+            <a:spLocks noGrp="1" noRot="1" noChangeAspect="1" noTextEdit="1"/>
+          </p:cNvSpPr>
+          <p:nvPr>
+            <p:ph type="sldImg"/>
+          </p:nvPr>
+        </p:nvSpPr>
+        <p:spPr bwMode="auto">
+          <a:noFill/>
+          <a:ln>
+            <a:solidFill>
+              <a:srgbClr val="000000"/>
+            </a:solidFill>
+            <a:miter lim="800000"/>
+            <a:headEnd/>
+            <a:tailEnd/>
+          </a:ln>
+        </p:spPr>
+      </p:sp>
+      <p:sp>
+        <p:nvSpPr>
+          <p:cNvPr id="5123" name="Notes Placeholder 2"/>
+          <p:cNvSpPr>
+            <a:spLocks noGrp="1"/>
+          </p:cNvSpPr>
+          <p:nvPr>
+            <p:ph type="body" idx="1"/>
+          </p:nvPr>
+        </p:nvSpPr>
+        <p:spPr bwMode="auto">
+          <a:noFill/>
+        </p:spPr>
+        <p:txBody>
+          <a:bodyPr wrap="square" numCol="1" anchor="t" anchorCtr="0" compatLnSpc="1">
+            <a:prstTxWarp prst="textNoShape">
+              <a:avLst/>
+            </a:prstTxWarp>
+          </a:bodyPr>
+          <a:lstStyle/>
+          <a:p>
+            <a:pPr eaLnBrk="1" hangingPunct="1">
+              <a:spcBef>
+                <a:spcPct val="0"/>
+              </a:spcBef>
+            </a:pPr>
+            <a:r>
+              <a:rPr lang="en-US" smtClean="0"/>
+              <a:t>Scrum most popular.  </a:t>
+            </a:r>
+          </a:p>
+        </p:txBody>
+      </p:sp>
+      <p:sp>
+        <p:nvSpPr>
+          <p:cNvPr id="5124" name="Slide Number Placeholder 3"/>
+          <p:cNvSpPr>
+            <a:spLocks noGrp="1"/>
+          </p:cNvSpPr>
+          <p:nvPr>
+            <p:ph type="sldNum" sz="quarter" idx="5"/>
+          </p:nvPr>
+        </p:nvSpPr>
+        <p:spPr bwMode="auto">
+          <a:noFill/>
+          <a:ln>
+            <a:miter lim="800000"/>
+            <a:headEnd/>
+            <a:tailEnd/>
+          </a:ln>
+        </p:spPr>
+        <p:txBody>
+          <a:bodyPr wrap="square" numCol="1" anchorCtr="0" compatLnSpc="1">
+            <a:prstTxWarp prst="textNoShape">
+              <a:avLst/>
+            </a:prstTxWarp>
+          </a:bodyPr>
+          <a:lstStyle/>
+          <a:p>
+            <a:fld id="{8613F8E0-6A7A-4971-8A19-8FA42BA75AEC}" type="slidenum">
+              <a:rPr lang="en-US" smtClean="0"/>
+              <a:pPr/>
+              <a:t>52</a:t>
             </a:fld>
             <a:endParaRPr lang="en-US" smtClean="0"/>
           </a:p>
@@ -9346,44 +9462,6 @@
       </p:grpSpPr>
       <p:sp>
         <p:nvSpPr>
-          <p:cNvPr id="6" name="Rectangle 2"/>
-          <p:cNvSpPr>
-            <a:spLocks noGrp="1" noChangeArrowheads="1"/>
-          </p:cNvSpPr>
-          <p:nvPr>
-            <p:ph type="title"/>
-          </p:nvPr>
-        </p:nvSpPr>
-        <p:spPr>
-          <a:xfrm>
-            <a:off x="954616" y="466725"/>
-            <a:ext cx="7369175" cy="941388"/>
-          </a:xfrm>
-        </p:spPr>
-        <p:txBody>
-          <a:bodyPr/>
-          <a:lstStyle/>
-          <a:p>
-            <a:pPr algn="ctr">
-              <a:defRPr/>
-            </a:pPr>
-            <a:r>
-              <a:rPr lang="en-US" dirty="0" smtClean="0"/>
-              <a:t>Types of testing that </a:t>
-            </a:r>
-            <a:r>
-              <a:rPr lang="en-US" b="1" dirty="0" smtClean="0"/>
-              <a:t>are</a:t>
-            </a:r>
-            <a:r>
-              <a:rPr lang="en-US" dirty="0" smtClean="0"/>
-              <a:t> not keys to test-driven development</a:t>
-            </a:r>
-          </a:p>
-        </p:txBody>
-      </p:sp>
-      <p:sp>
-        <p:nvSpPr>
           <p:cNvPr id="9" name="TextBox 8"/>
           <p:cNvSpPr txBox="1"/>
           <p:nvPr/>
@@ -9447,6 +9525,41 @@
       </p:sp>
       <p:sp>
         <p:nvSpPr>
+          <p:cNvPr id="4" name="Rectangle 2"/>
+          <p:cNvSpPr>
+            <a:spLocks noGrp="1" noChangeArrowheads="1"/>
+          </p:cNvSpPr>
+          <p:nvPr>
+            <p:ph type="title"/>
+          </p:nvPr>
+        </p:nvSpPr>
+        <p:spPr>
+          <a:xfrm>
+            <a:off x="377370" y="466725"/>
+            <a:ext cx="9463314" cy="941388"/>
+          </a:xfrm>
+        </p:spPr>
+        <p:txBody>
+          <a:bodyPr/>
+          <a:lstStyle/>
+          <a:p>
+            <a:pPr>
+              <a:defRPr/>
+            </a:pPr>
+            <a:r>
+              <a:rPr lang="en-US" dirty="0" smtClean="0"/>
+              <a:t>You needs some tests </a:t>
+            </a:r>
+            <a:r>
+              <a:rPr lang="en-US" dirty="0" err="1" smtClean="0"/>
+              <a:t>yo</a:t>
+            </a:r>
+            <a:endParaRPr lang="en-US" dirty="0" smtClean="0"/>
+          </a:p>
+        </p:txBody>
+      </p:sp>
+      <p:sp>
+        <p:nvSpPr>
           <p:cNvPr id="5" name="Content Placeholder 4"/>
           <p:cNvSpPr>
             <a:spLocks noGrp="1"/>
@@ -9467,33 +9580,13 @@
           <a:p>
             <a:r>
               <a:rPr lang="en-US" sz="2400" dirty="0" smtClean="0"/>
-              <a:t>These types of testing are all VERY important</a:t>
+              <a:t>You need a way to alleviate the pain and hassle that comes with unmanageable overly complex poorly architected code</a:t>
             </a:r>
           </a:p>
           <a:p>
             <a:r>
               <a:rPr lang="en-US" sz="2400" dirty="0" smtClean="0"/>
-              <a:t>And implementing TDD does not reduce or remove the need for these types of testing</a:t>
-            </a:r>
-          </a:p>
-          <a:p>
-            <a:r>
-              <a:rPr lang="en-US" sz="2400" dirty="0" smtClean="0"/>
-              <a:t>What it does is significantly reduce the time spent in these testing cycles by </a:t>
-            </a:r>
-          </a:p>
-          <a:p>
-            <a:pPr lvl="1"/>
-            <a:r>
-              <a:rPr lang="en-US" sz="2100" dirty="0" smtClean="0"/>
-              <a:t>Reducing the number of bugs</a:t>
-            </a:r>
-          </a:p>
-          <a:p>
-            <a:pPr lvl="1"/>
-            <a:r>
-              <a:rPr lang="en-US" sz="2100" dirty="0" smtClean="0"/>
-              <a:t>Reducing the time needed to resolve bugs</a:t>
+              <a:t>More importantly you need a methodology or set of practices that encourages writing better, cleaner, and more concise code</a:t>
             </a:r>
           </a:p>
         </p:txBody>
@@ -9501,7 +9594,7 @@
     </p:spTree>
     <p:extLst>
       <p:ext uri="{BB962C8B-B14F-4D97-AF65-F5344CB8AC3E}">
-        <p14:creationId xmlns:p14="http://schemas.microsoft.com/office/powerpoint/2010/main" val="90329102"/>
+        <p14:creationId xmlns:p14="http://schemas.microsoft.com/office/powerpoint/2010/main" val="1857054465"/>
       </p:ext>
     </p:extLst>
   </p:cSld>
@@ -9547,7 +9640,7 @@
         </p:nvSpPr>
         <p:spPr>
           <a:xfrm>
-            <a:off x="893763" y="381000"/>
+            <a:off x="954616" y="466725"/>
             <a:ext cx="7369175" cy="941388"/>
           </a:xfrm>
         </p:spPr>
@@ -9555,232 +9648,20 @@
           <a:bodyPr/>
           <a:lstStyle/>
           <a:p>
-            <a:pPr>
+            <a:pPr algn="ctr">
               <a:defRPr/>
             </a:pPr>
             <a:r>
               <a:rPr lang="en-US" dirty="0" smtClean="0"/>
-              <a:t>Integration Testing</a:t>
-            </a:r>
-          </a:p>
-        </p:txBody>
-      </p:sp>
-      <p:sp>
-        <p:nvSpPr>
-          <p:cNvPr id="8" name="Rectangle 3"/>
-          <p:cNvSpPr txBox="1">
-            <a:spLocks noChangeArrowheads="1"/>
-          </p:cNvSpPr>
-          <p:nvPr/>
-        </p:nvSpPr>
-        <p:spPr bwMode="auto">
-          <a:xfrm>
-            <a:off x="900113" y="1484313"/>
-            <a:ext cx="8043862" cy="4770437"/>
-          </a:xfrm>
-          <a:prstGeom prst="rect">
-            <a:avLst/>
-          </a:prstGeom>
-          <a:noFill/>
-          <a:ln w="9525">
-            <a:noFill/>
-            <a:miter lim="800000"/>
-            <a:headEnd/>
-            <a:tailEnd/>
-          </a:ln>
-        </p:spPr>
-        <p:txBody>
-          <a:bodyPr vert="horz" wrap="square" lIns="96646" tIns="48323" rIns="96646" bIns="48323" numCol="1" anchor="t" anchorCtr="0" compatLnSpc="1">
-            <a:prstTxWarp prst="textNoShape">
-              <a:avLst/>
-            </a:prstTxWarp>
-          </a:bodyPr>
-          <a:lstStyle>
-            <a:lvl1pPr marL="363538" indent="-363538" algn="l" defTabSz="966788" rtl="0" eaLnBrk="1" fontAlgn="base" hangingPunct="1">
-              <a:spcBef>
-                <a:spcPct val="20000"/>
-              </a:spcBef>
-              <a:spcAft>
-                <a:spcPct val="0"/>
-              </a:spcAft>
-              <a:buChar char="•"/>
-              <a:defRPr sz="2900">
-                <a:solidFill>
-                  <a:schemeClr val="tx1"/>
-                </a:solidFill>
-                <a:latin typeface="+mn-lt"/>
-                <a:ea typeface="+mn-ea"/>
-                <a:cs typeface="+mn-cs"/>
-              </a:defRPr>
-            </a:lvl1pPr>
-            <a:lvl2pPr marL="784225" indent="-301625" algn="l" defTabSz="966788" rtl="0" eaLnBrk="1" fontAlgn="base" hangingPunct="1">
-              <a:spcBef>
-                <a:spcPct val="20000"/>
-              </a:spcBef>
-              <a:spcAft>
-                <a:spcPct val="0"/>
-              </a:spcAft>
-              <a:buChar char="–"/>
-              <a:defRPr sz="2600">
-                <a:solidFill>
-                  <a:schemeClr val="tx1"/>
-                </a:solidFill>
-                <a:latin typeface="+mn-lt"/>
-              </a:defRPr>
-            </a:lvl2pPr>
-            <a:lvl3pPr marL="1208088" indent="-241300" algn="l" defTabSz="966788" rtl="0" eaLnBrk="1" fontAlgn="base" hangingPunct="1">
-              <a:spcBef>
-                <a:spcPct val="20000"/>
-              </a:spcBef>
-              <a:spcAft>
-                <a:spcPct val="0"/>
-              </a:spcAft>
-              <a:buChar char="•"/>
-              <a:defRPr sz="2100">
-                <a:solidFill>
-                  <a:schemeClr val="tx1"/>
-                </a:solidFill>
-                <a:latin typeface="+mn-lt"/>
-              </a:defRPr>
-            </a:lvl3pPr>
-            <a:lvl4pPr marL="1689100" indent="-238125" algn="l" defTabSz="966788" rtl="0" eaLnBrk="1" fontAlgn="base" hangingPunct="1">
-              <a:spcBef>
-                <a:spcPct val="20000"/>
-              </a:spcBef>
-              <a:spcAft>
-                <a:spcPct val="0"/>
-              </a:spcAft>
-              <a:buChar char="–"/>
-              <a:defRPr sz="2100">
-                <a:solidFill>
-                  <a:schemeClr val="tx1"/>
-                </a:solidFill>
-                <a:latin typeface="+mn-lt"/>
-              </a:defRPr>
-            </a:lvl4pPr>
-            <a:lvl5pPr marL="2174875" indent="-241300" algn="l" defTabSz="966788" rtl="0" eaLnBrk="1" fontAlgn="base" hangingPunct="1">
-              <a:spcBef>
-                <a:spcPct val="20000"/>
-              </a:spcBef>
-              <a:spcAft>
-                <a:spcPct val="0"/>
-              </a:spcAft>
-              <a:buChar char="»"/>
-              <a:defRPr sz="2100">
-                <a:solidFill>
-                  <a:schemeClr val="tx1"/>
-                </a:solidFill>
-                <a:latin typeface="+mn-lt"/>
-              </a:defRPr>
-            </a:lvl5pPr>
-            <a:lvl6pPr marL="2632075" indent="-241300" algn="l" defTabSz="966788" rtl="0" eaLnBrk="1" fontAlgn="base" hangingPunct="1">
-              <a:spcBef>
-                <a:spcPct val="20000"/>
-              </a:spcBef>
-              <a:spcAft>
-                <a:spcPct val="0"/>
-              </a:spcAft>
-              <a:buChar char="»"/>
-              <a:defRPr sz="2100">
-                <a:solidFill>
-                  <a:schemeClr val="tx1"/>
-                </a:solidFill>
-                <a:latin typeface="+mn-lt"/>
-              </a:defRPr>
-            </a:lvl6pPr>
-            <a:lvl7pPr marL="3089275" indent="-241300" algn="l" defTabSz="966788" rtl="0" eaLnBrk="1" fontAlgn="base" hangingPunct="1">
-              <a:spcBef>
-                <a:spcPct val="20000"/>
-              </a:spcBef>
-              <a:spcAft>
-                <a:spcPct val="0"/>
-              </a:spcAft>
-              <a:buChar char="»"/>
-              <a:defRPr sz="2100">
-                <a:solidFill>
-                  <a:schemeClr val="tx1"/>
-                </a:solidFill>
-                <a:latin typeface="+mn-lt"/>
-              </a:defRPr>
-            </a:lvl7pPr>
-            <a:lvl8pPr marL="3546475" indent="-241300" algn="l" defTabSz="966788" rtl="0" eaLnBrk="1" fontAlgn="base" hangingPunct="1">
-              <a:spcBef>
-                <a:spcPct val="20000"/>
-              </a:spcBef>
-              <a:spcAft>
-                <a:spcPct val="0"/>
-              </a:spcAft>
-              <a:buChar char="»"/>
-              <a:defRPr sz="2100">
-                <a:solidFill>
-                  <a:schemeClr val="tx1"/>
-                </a:solidFill>
-                <a:latin typeface="+mn-lt"/>
-              </a:defRPr>
-            </a:lvl8pPr>
-            <a:lvl9pPr marL="4003675" indent="-241300" algn="l" defTabSz="966788" rtl="0" eaLnBrk="1" fontAlgn="base" hangingPunct="1">
-              <a:spcBef>
-                <a:spcPct val="20000"/>
-              </a:spcBef>
-              <a:spcAft>
-                <a:spcPct val="0"/>
-              </a:spcAft>
-              <a:buChar char="»"/>
-              <a:defRPr sz="2100">
-                <a:solidFill>
-                  <a:schemeClr val="tx1"/>
-                </a:solidFill>
-                <a:latin typeface="+mn-lt"/>
-              </a:defRPr>
-            </a:lvl9pPr>
-          </a:lstStyle>
-          <a:p>
-            <a:pPr lvl="1"/>
-            <a:r>
-              <a:rPr lang="en-US" sz="2000" dirty="0"/>
-              <a:t>The act of testing 2 or more interconnected pieces of a software system</a:t>
-            </a:r>
-          </a:p>
-          <a:p>
-            <a:pPr lvl="1"/>
-            <a:r>
-              <a:rPr lang="en-US" sz="2000" dirty="0"/>
-              <a:t>Necessary evil…but once everything has been unit tested</a:t>
-            </a:r>
-          </a:p>
-          <a:p>
-            <a:pPr lvl="1"/>
-            <a:r>
-              <a:rPr lang="en-US" sz="2000" dirty="0"/>
-              <a:t>Can have external dependencies (DB, Services, File System, Hardware, etc.)</a:t>
-            </a:r>
-          </a:p>
-          <a:p>
-            <a:pPr lvl="1"/>
-            <a:r>
-              <a:rPr lang="en-US" sz="2000" dirty="0"/>
-              <a:t>Typically run longer than unit tests</a:t>
-            </a:r>
-          </a:p>
-          <a:p>
-            <a:pPr lvl="1"/>
-            <a:r>
-              <a:rPr lang="en-US" sz="2000" dirty="0"/>
-              <a:t>Often require setup of resources</a:t>
-            </a:r>
-          </a:p>
-          <a:p>
-            <a:pPr lvl="1"/>
-            <a:r>
-              <a:rPr lang="en-US" sz="2000" dirty="0"/>
-              <a:t>Harder to automate</a:t>
-            </a:r>
-          </a:p>
-          <a:p>
-            <a:pPr lvl="1"/>
-            <a:r>
-              <a:rPr lang="en-US" sz="2000" dirty="0"/>
-              <a:t>For all those reasons they are run less often</a:t>
+              <a:t>Types of testing that </a:t>
+            </a:r>
+            <a:r>
+              <a:rPr lang="en-US" b="1" dirty="0" smtClean="0"/>
+              <a:t>are</a:t>
+            </a:r>
+            <a:r>
+              <a:rPr lang="en-US" dirty="0" smtClean="0"/>
+              <a:t> not keys to test-driven development</a:t>
             </a:r>
           </a:p>
         </p:txBody>
@@ -9848,10 +9729,63 @@
           </a:p>
         </p:txBody>
       </p:sp>
+      <p:sp>
+        <p:nvSpPr>
+          <p:cNvPr id="5" name="Content Placeholder 4"/>
+          <p:cNvSpPr>
+            <a:spLocks noGrp="1"/>
+          </p:cNvSpPr>
+          <p:nvPr>
+            <p:ph idx="1"/>
+          </p:nvPr>
+        </p:nvSpPr>
+        <p:spPr>
+          <a:xfrm>
+            <a:off x="481013" y="1433515"/>
+            <a:ext cx="8761413" cy="4067399"/>
+          </a:xfrm>
+        </p:spPr>
+        <p:txBody>
+          <a:bodyPr/>
+          <a:lstStyle/>
+          <a:p>
+            <a:r>
+              <a:rPr lang="en-US" sz="2400" dirty="0" smtClean="0"/>
+              <a:t>These types of testing are all VERY important</a:t>
+            </a:r>
+          </a:p>
+          <a:p>
+            <a:r>
+              <a:rPr lang="en-US" sz="2400" dirty="0" smtClean="0"/>
+              <a:t>And implementing TDD does not reduce or remove the need for these types of testing</a:t>
+            </a:r>
+          </a:p>
+          <a:p>
+            <a:r>
+              <a:rPr lang="en-US" sz="2400" dirty="0" smtClean="0"/>
+              <a:t>What it does is significantly reduce the time spent in these testing cycles by </a:t>
+            </a:r>
+          </a:p>
+          <a:p>
+            <a:pPr lvl="1"/>
+            <a:r>
+              <a:rPr lang="en-US" sz="2100" dirty="0" smtClean="0"/>
+              <a:t>Reducing the number of bugs</a:t>
+            </a:r>
+          </a:p>
+          <a:p>
+            <a:pPr lvl="1"/>
+            <a:r>
+              <a:rPr lang="en-US" sz="2100" dirty="0" smtClean="0"/>
+              <a:t>Reducing the time needed to resolve bugs</a:t>
+            </a:r>
+          </a:p>
+        </p:txBody>
+      </p:sp>
     </p:spTree>
     <p:extLst>
       <p:ext uri="{BB962C8B-B14F-4D97-AF65-F5344CB8AC3E}">
-        <p14:creationId xmlns:p14="http://schemas.microsoft.com/office/powerpoint/2010/main" val="3062868027"/>
+        <p14:creationId xmlns:p14="http://schemas.microsoft.com/office/powerpoint/2010/main" val="90329102"/>
       </p:ext>
     </p:extLst>
   </p:cSld>
@@ -9910,7 +9844,7 @@
             </a:pPr>
             <a:r>
               <a:rPr lang="en-US" dirty="0" smtClean="0"/>
-              <a:t>Regression Testing</a:t>
+              <a:t>Integration Testing</a:t>
             </a:r>
           </a:p>
         </p:txBody>
@@ -10088,21 +10022,49 @@
             <a:pPr lvl="1"/>
             <a:r>
               <a:rPr lang="en-US" sz="2000" dirty="0"/>
-              <a:t>The act of testing the entire software system after applying changes to ensure they did not affect other parts of the system</a:t>
+              <a:t>The act of testing 2 or more interconnected pieces of a software system</a:t>
             </a:r>
           </a:p>
           <a:p>
             <a:pPr lvl="1"/>
             <a:r>
               <a:rPr lang="en-US" sz="2000" dirty="0"/>
-              <a:t>Complete end – to – end system test</a:t>
+              <a:t>Necessary evil…but once everything has been unit tested</a:t>
             </a:r>
           </a:p>
           <a:p>
             <a:pPr lvl="1"/>
             <a:r>
               <a:rPr lang="en-US" sz="2000" dirty="0"/>
-              <a:t>Usually manual</a:t>
+              <a:t>Can have external dependencies (DB, Services, File System, Hardware, etc.)</a:t>
+            </a:r>
+          </a:p>
+          <a:p>
+            <a:pPr lvl="1"/>
+            <a:r>
+              <a:rPr lang="en-US" sz="2000" dirty="0"/>
+              <a:t>Typically run longer than unit tests</a:t>
+            </a:r>
+          </a:p>
+          <a:p>
+            <a:pPr lvl="1"/>
+            <a:r>
+              <a:rPr lang="en-US" sz="2000" dirty="0"/>
+              <a:t>Often require setup of resources</a:t>
+            </a:r>
+          </a:p>
+          <a:p>
+            <a:pPr lvl="1"/>
+            <a:r>
+              <a:rPr lang="en-US" sz="2000" dirty="0"/>
+              <a:t>Harder to automate</a:t>
+            </a:r>
+          </a:p>
+          <a:p>
+            <a:pPr lvl="1"/>
+            <a:r>
+              <a:rPr lang="en-US" sz="2000" dirty="0"/>
+              <a:t>For all those reasons they are run less often</a:t>
             </a:r>
           </a:p>
         </p:txBody>
@@ -10173,7 +10135,7 @@
     </p:spTree>
     <p:extLst>
       <p:ext uri="{BB962C8B-B14F-4D97-AF65-F5344CB8AC3E}">
-        <p14:creationId xmlns:p14="http://schemas.microsoft.com/office/powerpoint/2010/main" val="552163393"/>
+        <p14:creationId xmlns:p14="http://schemas.microsoft.com/office/powerpoint/2010/main" val="3062868027"/>
       </p:ext>
     </p:extLst>
   </p:cSld>
@@ -10232,7 +10194,7 @@
             </a:pPr>
             <a:r>
               <a:rPr lang="en-US" dirty="0" smtClean="0"/>
-              <a:t>User Acceptance Testing (UAT)</a:t>
+              <a:t>Regression Testing</a:t>
             </a:r>
           </a:p>
         </p:txBody>
@@ -10410,35 +10372,21 @@
             <a:pPr lvl="1"/>
             <a:r>
               <a:rPr lang="en-US" sz="2000" dirty="0"/>
-              <a:t>The act of testing to make sure system does what the users expect it to do</a:t>
+              <a:t>The act of testing the entire software system after applying changes to ensure they did not affect other parts of the system</a:t>
             </a:r>
           </a:p>
           <a:p>
             <a:pPr lvl="1"/>
             <a:r>
               <a:rPr lang="en-US" sz="2000" dirty="0"/>
-              <a:t>Lots of users in a room doing whatever it is they do</a:t>
+              <a:t>Complete end – to – end system test</a:t>
             </a:r>
           </a:p>
           <a:p>
             <a:pPr lvl="1"/>
             <a:r>
               <a:rPr lang="en-US" sz="2000" dirty="0"/>
-              <a:t>Manual</a:t>
-            </a:r>
-          </a:p>
-          <a:p>
-            <a:pPr lvl="1"/>
-            <a:r>
-              <a:rPr lang="en-US" sz="2000" dirty="0"/>
-              <a:t>Time consuming</a:t>
-            </a:r>
-          </a:p>
-          <a:p>
-            <a:pPr lvl="1"/>
-            <a:r>
-              <a:rPr lang="en-US" sz="2000" dirty="0"/>
-              <a:t>Stressful for you and the users</a:t>
+              <a:t>Usually manual</a:t>
             </a:r>
           </a:p>
         </p:txBody>
@@ -10509,7 +10457,7 @@
     </p:spTree>
     <p:extLst>
       <p:ext uri="{BB962C8B-B14F-4D97-AF65-F5344CB8AC3E}">
-        <p14:creationId xmlns:p14="http://schemas.microsoft.com/office/powerpoint/2010/main" val="4015579031"/>
+        <p14:creationId xmlns:p14="http://schemas.microsoft.com/office/powerpoint/2010/main" val="552163393"/>
       </p:ext>
     </p:extLst>
   </p:cSld>
@@ -10568,7 +10516,7 @@
             </a:pPr>
             <a:r>
               <a:rPr lang="en-US" dirty="0" smtClean="0"/>
-              <a:t>Performance Testing</a:t>
+              <a:t>User Acceptance Testing (UAT)</a:t>
             </a:r>
           </a:p>
         </p:txBody>
@@ -10746,36 +10694,35 @@
             <a:pPr lvl="1"/>
             <a:r>
               <a:rPr lang="en-US" sz="2000" dirty="0"/>
-              <a:t>The act of testing to ensure the system meets the performance requirements defined in the SLA.</a:t>
+              <a:t>The act of testing to make sure system does what the users expect it to do</a:t>
             </a:r>
           </a:p>
           <a:p>
             <a:pPr lvl="1"/>
             <a:r>
               <a:rPr lang="en-US" sz="2000" dirty="0"/>
-              <a:t>Test runs are automated but script creation is manual and time consuming</a:t>
+              <a:t>Lots of users in a room doing whatever it is they do</a:t>
             </a:r>
           </a:p>
           <a:p>
             <a:pPr lvl="1"/>
             <a:r>
               <a:rPr lang="en-US" sz="2000" dirty="0"/>
-              <a:t>Requires separate data for performing tests</a:t>
+              <a:t>Manual</a:t>
             </a:r>
           </a:p>
           <a:p>
             <a:pPr lvl="1"/>
             <a:r>
-              <a:rPr lang="en-US" sz="2000" dirty="0" smtClean="0"/>
-              <a:t>Tooling </a:t>
-            </a:r>
-            <a:r>
               <a:rPr lang="en-US" sz="2000" dirty="0"/>
-              <a:t>is </a:t>
-            </a:r>
-            <a:r>
-              <a:rPr lang="en-US" sz="2000" dirty="0" smtClean="0"/>
-              <a:t>expensive</a:t>
+              <a:t>Time consuming</a:t>
+            </a:r>
+          </a:p>
+          <a:p>
+            <a:pPr lvl="1"/>
+            <a:r>
+              <a:rPr lang="en-US" sz="2000" dirty="0"/>
+              <a:t>Stressful for you and the users</a:t>
             </a:r>
           </a:p>
         </p:txBody>
@@ -10846,7 +10793,7 @@
     </p:spTree>
     <p:extLst>
       <p:ext uri="{BB962C8B-B14F-4D97-AF65-F5344CB8AC3E}">
-        <p14:creationId xmlns:p14="http://schemas.microsoft.com/office/powerpoint/2010/main" val="3816399459"/>
+        <p14:creationId xmlns:p14="http://schemas.microsoft.com/office/powerpoint/2010/main" val="4015579031"/>
       </p:ext>
     </p:extLst>
   </p:cSld>
@@ -10905,7 +10852,7 @@
             </a:pPr>
             <a:r>
               <a:rPr lang="en-US" dirty="0" smtClean="0"/>
-              <a:t>Load Testing</a:t>
+              <a:t>Performance Testing</a:t>
             </a:r>
           </a:p>
         </p:txBody>
@@ -11083,28 +11030,36 @@
             <a:pPr lvl="1"/>
             <a:r>
               <a:rPr lang="en-US" sz="2000" dirty="0"/>
-              <a:t>The act of testing how the system behaves under load</a:t>
+              <a:t>The act of testing to ensure the system meets the performance requirements defined in the SLA.</a:t>
             </a:r>
           </a:p>
           <a:p>
             <a:pPr lvl="1"/>
             <a:r>
               <a:rPr lang="en-US" sz="2000" dirty="0"/>
-              <a:t>Automated</a:t>
+              <a:t>Test runs are automated but script creation is manual and time consuming</a:t>
             </a:r>
           </a:p>
           <a:p>
             <a:pPr lvl="1"/>
             <a:r>
               <a:rPr lang="en-US" sz="2000" dirty="0"/>
-              <a:t>Tooling is expensive</a:t>
+              <a:t>Requires separate data for performing tests</a:t>
             </a:r>
           </a:p>
           <a:p>
             <a:pPr lvl="1"/>
             <a:r>
+              <a:rPr lang="en-US" sz="2000" dirty="0" smtClean="0"/>
+              <a:t>Tooling </a:t>
+            </a:r>
+            <a:r>
               <a:rPr lang="en-US" sz="2000" dirty="0"/>
-              <a:t>Setup is time consuming</a:t>
+              <a:t>is </a:t>
+            </a:r>
+            <a:r>
+              <a:rPr lang="en-US" sz="2000" dirty="0" smtClean="0"/>
+              <a:t>expensive</a:t>
             </a:r>
           </a:p>
         </p:txBody>
@@ -11175,7 +11130,7 @@
     </p:spTree>
     <p:extLst>
       <p:ext uri="{BB962C8B-B14F-4D97-AF65-F5344CB8AC3E}">
-        <p14:creationId xmlns:p14="http://schemas.microsoft.com/office/powerpoint/2010/main" val="3929617122"/>
+        <p14:creationId xmlns:p14="http://schemas.microsoft.com/office/powerpoint/2010/main" val="3816399459"/>
       </p:ext>
     </p:extLst>
   </p:cSld>
@@ -11234,7 +11189,7 @@
             </a:pPr>
             <a:r>
               <a:rPr lang="en-US" dirty="0" smtClean="0"/>
-              <a:t>Stress Testing</a:t>
+              <a:t>Load Testing</a:t>
             </a:r>
           </a:p>
         </p:txBody>
@@ -11412,36 +11367,28 @@
             <a:pPr lvl="1"/>
             <a:r>
               <a:rPr lang="en-US" sz="2000" dirty="0"/>
-              <a:t>The act of testing the system </a:t>
-            </a:r>
-            <a:r>
-              <a:rPr lang="en-US" sz="2000" dirty="0" smtClean="0"/>
-              <a:t>fails </a:t>
-            </a:r>
+              <a:t>The act of testing how the system behaves under load</a:t>
+            </a:r>
+          </a:p>
+          <a:p>
+            <a:pPr lvl="1"/>
             <a:r>
               <a:rPr lang="en-US" sz="2000" dirty="0"/>
-              <a:t>and verifying how the system responds is acceptable</a:t>
+              <a:t>Automated</a:t>
             </a:r>
           </a:p>
           <a:p>
             <a:pPr lvl="1"/>
             <a:r>
               <a:rPr lang="en-US" sz="2000" dirty="0"/>
-              <a:t>Requires effort to get the system to fail</a:t>
+              <a:t>Tooling is expensive</a:t>
             </a:r>
           </a:p>
           <a:p>
             <a:pPr lvl="1"/>
             <a:r>
               <a:rPr lang="en-US" sz="2000" dirty="0"/>
-              <a:t>Typically for verifying error messages and data state are valid during failures</a:t>
-            </a:r>
-          </a:p>
-          <a:p>
-            <a:pPr lvl="1"/>
-            <a:r>
-              <a:rPr lang="en-US" sz="2000" dirty="0"/>
-              <a:t>Automated to make system fail, but requires manual verification</a:t>
+              <a:t>Setup is time consuming</a:t>
             </a:r>
           </a:p>
         </p:txBody>
@@ -11512,7 +11459,7 @@
     </p:spTree>
     <p:extLst>
       <p:ext uri="{BB962C8B-B14F-4D97-AF65-F5344CB8AC3E}">
-        <p14:creationId xmlns:p14="http://schemas.microsoft.com/office/powerpoint/2010/main" val="894439846"/>
+        <p14:creationId xmlns:p14="http://schemas.microsoft.com/office/powerpoint/2010/main" val="3929617122"/>
       </p:ext>
     </p:extLst>
   </p:cSld>
@@ -11548,70 +11495,7 @@
       </p:grpSpPr>
       <p:sp>
         <p:nvSpPr>
-          <p:cNvPr id="7" name="TextBox 6"/>
-          <p:cNvSpPr txBox="1"/>
-          <p:nvPr/>
-        </p:nvSpPr>
-        <p:spPr>
-          <a:xfrm>
-            <a:off x="2434859" y="6570921"/>
-            <a:ext cx="4550735" cy="369332"/>
-          </a:xfrm>
-          <a:prstGeom prst="rect">
-            <a:avLst/>
-          </a:prstGeom>
-          <a:noFill/>
-        </p:spPr>
-        <p:txBody>
-          <a:bodyPr wrap="square" rtlCol="0">
-            <a:spAutoFit/>
-          </a:bodyPr>
-          <a:lstStyle/>
-          <a:p>
-            <a:pPr algn="ctr"/>
-            <a:r>
-              <a:rPr lang="en-US" dirty="0" smtClean="0">
-                <a:solidFill>
-                  <a:schemeClr val="bg1">
-                    <a:lumMod val="50000"/>
-                  </a:schemeClr>
-                </a:solidFill>
-              </a:rPr>
-              <a:t>@</a:t>
-            </a:r>
-            <a:r>
-              <a:rPr lang="en-US" dirty="0" err="1" smtClean="0">
-                <a:solidFill>
-                  <a:schemeClr val="bg1">
-                    <a:lumMod val="50000"/>
-                  </a:schemeClr>
-                </a:solidFill>
-              </a:rPr>
-              <a:t>keburnell</a:t>
-            </a:r>
-            <a:r>
-              <a:rPr lang="en-US" dirty="0" smtClean="0">
-                <a:solidFill>
-                  <a:schemeClr val="bg1">
-                    <a:lumMod val="50000"/>
-                  </a:schemeClr>
-                </a:solidFill>
-              </a:rPr>
-              <a:t>  ∙  DotNetDevDude.com</a:t>
-            </a:r>
-            <a:endParaRPr lang="en-US" dirty="0">
-              <a:solidFill>
-                <a:schemeClr val="bg1">
-                  <a:lumMod val="50000"/>
-                </a:schemeClr>
-              </a:solidFill>
-            </a:endParaRPr>
-          </a:p>
-        </p:txBody>
-      </p:sp>
-      <p:sp>
-        <p:nvSpPr>
-          <p:cNvPr id="3" name="Rectangle 2"/>
+          <p:cNvPr id="6" name="Rectangle 2"/>
           <p:cNvSpPr>
             <a:spLocks noGrp="1" noChangeArrowheads="1"/>
           </p:cNvSpPr>
@@ -11634,14 +11518,14 @@
             </a:pPr>
             <a:r>
               <a:rPr lang="en-US" dirty="0" smtClean="0"/>
-              <a:t>What is Test-driven Development?</a:t>
-            </a:r>
-          </a:p>
-        </p:txBody>
-      </p:sp>
-      <p:sp>
-        <p:nvSpPr>
-          <p:cNvPr id="4" name="Rectangle 3"/>
+              <a:t>Stress Testing</a:t>
+            </a:r>
+          </a:p>
+        </p:txBody>
+      </p:sp>
+      <p:sp>
+        <p:nvSpPr>
+          <p:cNvPr id="8" name="Rectangle 3"/>
           <p:cNvSpPr txBox="1">
             <a:spLocks noChangeArrowheads="1"/>
           </p:cNvSpPr>
@@ -11650,7 +11534,7 @@
         <p:spPr bwMode="auto">
           <a:xfrm>
             <a:off x="900113" y="1484313"/>
-            <a:ext cx="7999412" cy="4770437"/>
+            <a:ext cx="8043862" cy="4770437"/>
           </a:xfrm>
           <a:prstGeom prst="rect">
             <a:avLst/>
@@ -11809,62 +11693,102 @@
             </a:lvl9pPr>
           </a:lstStyle>
           <a:p>
-            <a:r>
-              <a:rPr lang="en-US" sz="2300" b="1" dirty="0" smtClean="0"/>
-              <a:t>Test-driven </a:t>
-            </a:r>
-            <a:r>
-              <a:rPr lang="en-US" sz="2300" b="1" dirty="0"/>
-              <a:t>development</a:t>
-            </a:r>
-            <a:r>
-              <a:rPr lang="en-US" sz="2300" dirty="0"/>
-              <a:t> (</a:t>
-            </a:r>
-            <a:r>
-              <a:rPr lang="en-US" sz="2300" b="1" dirty="0"/>
-              <a:t>TDD</a:t>
-            </a:r>
-            <a:r>
-              <a:rPr lang="en-US" sz="2300" dirty="0"/>
-              <a:t>) is a software development process that relies on the repetition of a very short development cycle: first the developer writes a failing automated test case that defines a desired improvement or new function, then produces code to pass that test and finally refactors the new code to acceptable standards.</a:t>
-            </a:r>
-          </a:p>
-          <a:p>
             <a:pPr lvl="1"/>
             <a:r>
               <a:rPr lang="en-US" sz="2000" dirty="0"/>
-              <a:t>Often referred to Test-First Development</a:t>
+              <a:t>The act of testing the system </a:t>
+            </a:r>
+            <a:r>
+              <a:rPr lang="en-US" sz="2000" dirty="0" smtClean="0"/>
+              <a:t>fails </a:t>
+            </a:r>
+            <a:r>
+              <a:rPr lang="en-US" sz="2000" dirty="0"/>
+              <a:t>and verifying how the system responds is acceptable</a:t>
             </a:r>
           </a:p>
           <a:p>
             <a:pPr lvl="1"/>
             <a:r>
               <a:rPr lang="en-US" sz="2000" dirty="0"/>
-              <a:t>Process of writing tests before writing </a:t>
-            </a:r>
-            <a:r>
-              <a:rPr lang="en-US" sz="2000" dirty="0" smtClean="0"/>
-              <a:t>code</a:t>
-            </a:r>
-          </a:p>
-          <a:p>
-            <a:pPr marL="482600" lvl="1" indent="0">
-              <a:buNone/>
-            </a:pPr>
-            <a:endParaRPr lang="en-US" sz="2000" dirty="0"/>
-          </a:p>
-          <a:p>
-            <a:r>
-              <a:rPr lang="en-US" sz="2000" b="1" dirty="0"/>
-              <a:t>Kent Beck</a:t>
-            </a:r>
+              <a:t>Requires effort to get the system to fail</a:t>
+            </a:r>
+          </a:p>
+          <a:p>
+            <a:pPr lvl="1"/>
             <a:r>
               <a:rPr lang="en-US" sz="2000" dirty="0"/>
-              <a:t>, is credited with having developed or 'rediscovered' the technique</a:t>
-            </a:r>
-            <a:endParaRPr lang="en-US" sz="2000" dirty="0" smtClean="0">
-              <a:sym typeface="Wingdings" pitchFamily="2" charset="2"/>
+              <a:t>Typically for verifying error messages and data state are valid during failures</a:t>
+            </a:r>
+          </a:p>
+          <a:p>
+            <a:pPr lvl="1"/>
+            <a:r>
+              <a:rPr lang="en-US" sz="2000" dirty="0"/>
+              <a:t>Automated to make system fail, but requires manual verification</a:t>
+            </a:r>
+          </a:p>
+        </p:txBody>
+      </p:sp>
+      <p:sp>
+        <p:nvSpPr>
+          <p:cNvPr id="9" name="TextBox 8"/>
+          <p:cNvSpPr txBox="1"/>
+          <p:nvPr/>
+        </p:nvSpPr>
+        <p:spPr>
+          <a:xfrm>
+            <a:off x="2434859" y="6570921"/>
+            <a:ext cx="4550735" cy="369332"/>
+          </a:xfrm>
+          <a:prstGeom prst="rect">
+            <a:avLst/>
+          </a:prstGeom>
+          <a:noFill/>
+        </p:spPr>
+        <p:txBody>
+          <a:bodyPr wrap="square" rtlCol="0">
+            <a:spAutoFit/>
+          </a:bodyPr>
+          <a:lstStyle/>
+          <a:p>
+            <a:pPr algn="ctr"/>
+            <a:r>
+              <a:rPr lang="en-US" dirty="0" smtClean="0">
+                <a:solidFill>
+                  <a:schemeClr val="bg1">
+                    <a:lumMod val="50000"/>
+                  </a:schemeClr>
+                </a:solidFill>
+              </a:rPr>
+              <a:t>@</a:t>
+            </a:r>
+            <a:r>
+              <a:rPr lang="en-US" dirty="0" err="1" smtClean="0">
+                <a:solidFill>
+                  <a:schemeClr val="bg1">
+                    <a:lumMod val="50000"/>
+                  </a:schemeClr>
+                </a:solidFill>
+              </a:rPr>
+              <a:t>keburnell</a:t>
+            </a:r>
+            <a:r>
+              <a:rPr lang="en-US" dirty="0" smtClean="0">
+                <a:solidFill>
+                  <a:schemeClr val="bg1">
+                    <a:lumMod val="50000"/>
+                  </a:schemeClr>
+                </a:solidFill>
+              </a:rPr>
+              <a:t>  ∙  DotNetDevDude.com</a:t>
+            </a:r>
+            <a:endParaRPr lang="en-US" dirty="0">
+              <a:solidFill>
+                <a:schemeClr val="bg1">
+                  <a:lumMod val="50000"/>
+                </a:schemeClr>
+              </a:solidFill>
             </a:endParaRPr>
           </a:p>
         </p:txBody>
@@ -11872,7 +11796,7 @@
     </p:spTree>
     <p:extLst>
       <p:ext uri="{BB962C8B-B14F-4D97-AF65-F5344CB8AC3E}">
-        <p14:creationId xmlns:p14="http://schemas.microsoft.com/office/powerpoint/2010/main" val="2475950566"/>
+        <p14:creationId xmlns:p14="http://schemas.microsoft.com/office/powerpoint/2010/main" val="894439846"/>
       </p:ext>
     </p:extLst>
   </p:cSld>
@@ -11908,7 +11832,70 @@
       </p:grpSpPr>
       <p:sp>
         <p:nvSpPr>
-          <p:cNvPr id="6" name="Rectangle 2"/>
+          <p:cNvPr id="7" name="TextBox 6"/>
+          <p:cNvSpPr txBox="1"/>
+          <p:nvPr/>
+        </p:nvSpPr>
+        <p:spPr>
+          <a:xfrm>
+            <a:off x="2434859" y="6570921"/>
+            <a:ext cx="4550735" cy="369332"/>
+          </a:xfrm>
+          <a:prstGeom prst="rect">
+            <a:avLst/>
+          </a:prstGeom>
+          <a:noFill/>
+        </p:spPr>
+        <p:txBody>
+          <a:bodyPr wrap="square" rtlCol="0">
+            <a:spAutoFit/>
+          </a:bodyPr>
+          <a:lstStyle/>
+          <a:p>
+            <a:pPr algn="ctr"/>
+            <a:r>
+              <a:rPr lang="en-US" dirty="0" smtClean="0">
+                <a:solidFill>
+                  <a:schemeClr val="bg1">
+                    <a:lumMod val="50000"/>
+                  </a:schemeClr>
+                </a:solidFill>
+              </a:rPr>
+              <a:t>@</a:t>
+            </a:r>
+            <a:r>
+              <a:rPr lang="en-US" dirty="0" err="1" smtClean="0">
+                <a:solidFill>
+                  <a:schemeClr val="bg1">
+                    <a:lumMod val="50000"/>
+                  </a:schemeClr>
+                </a:solidFill>
+              </a:rPr>
+              <a:t>keburnell</a:t>
+            </a:r>
+            <a:r>
+              <a:rPr lang="en-US" dirty="0" smtClean="0">
+                <a:solidFill>
+                  <a:schemeClr val="bg1">
+                    <a:lumMod val="50000"/>
+                  </a:schemeClr>
+                </a:solidFill>
+              </a:rPr>
+              <a:t>  ∙  DotNetDevDude.com</a:t>
+            </a:r>
+            <a:endParaRPr lang="en-US" dirty="0">
+              <a:solidFill>
+                <a:schemeClr val="bg1">
+                  <a:lumMod val="50000"/>
+                </a:schemeClr>
+              </a:solidFill>
+            </a:endParaRPr>
+          </a:p>
+        </p:txBody>
+      </p:sp>
+      <p:sp>
+        <p:nvSpPr>
+          <p:cNvPr id="3" name="Rectangle 2"/>
           <p:cNvSpPr>
             <a:spLocks noGrp="1" noChangeArrowheads="1"/>
           </p:cNvSpPr>
@@ -11931,14 +11918,14 @@
             </a:pPr>
             <a:r>
               <a:rPr lang="en-US" dirty="0" smtClean="0"/>
-              <a:t>Unit Testing: Key to TDD</a:t>
-            </a:r>
-          </a:p>
-        </p:txBody>
-      </p:sp>
-      <p:sp>
-        <p:nvSpPr>
-          <p:cNvPr id="8" name="Rectangle 3"/>
+              <a:t>What is Test-driven Development?</a:t>
+            </a:r>
+          </a:p>
+        </p:txBody>
+      </p:sp>
+      <p:sp>
+        <p:nvSpPr>
+          <p:cNvPr id="4" name="Rectangle 3"/>
           <p:cNvSpPr txBox="1">
             <a:spLocks noChangeArrowheads="1"/>
           </p:cNvSpPr>
@@ -11947,7 +11934,7 @@
         <p:spPr bwMode="auto">
           <a:xfrm>
             <a:off x="900113" y="1484313"/>
-            <a:ext cx="8043862" cy="4770437"/>
+            <a:ext cx="7999412" cy="4770437"/>
           </a:xfrm>
           <a:prstGeom prst="rect">
             <a:avLst/>
@@ -12106,80 +12093,62 @@
             </a:lvl9pPr>
           </a:lstStyle>
           <a:p>
-            <a:pPr marL="0" indent="0">
+            <a:r>
+              <a:rPr lang="en-US" sz="2300" b="1" dirty="0" smtClean="0"/>
+              <a:t>Test-driven </a:t>
+            </a:r>
+            <a:r>
+              <a:rPr lang="en-US" sz="2300" b="1" dirty="0"/>
+              <a:t>development</a:t>
+            </a:r>
+            <a:r>
+              <a:rPr lang="en-US" sz="2300" dirty="0"/>
+              <a:t> (</a:t>
+            </a:r>
+            <a:r>
+              <a:rPr lang="en-US" sz="2300" b="1" dirty="0"/>
+              <a:t>TDD</a:t>
+            </a:r>
+            <a:r>
+              <a:rPr lang="en-US" sz="2300" dirty="0"/>
+              <a:t>) is a software development process that relies on the repetition of a very short development cycle: first the developer writes a failing automated test case that defines a desired improvement or new function, then produces code to pass that test and finally refactors the new code to acceptable standards.</a:t>
+            </a:r>
+          </a:p>
+          <a:p>
+            <a:pPr lvl="1"/>
+            <a:r>
+              <a:rPr lang="en-US" sz="2000" dirty="0"/>
+              <a:t>Often referred to Test-First Development</a:t>
+            </a:r>
+          </a:p>
+          <a:p>
+            <a:pPr lvl="1"/>
+            <a:r>
+              <a:rPr lang="en-US" sz="2000" dirty="0"/>
+              <a:t>Process of writing tests before writing </a:t>
+            </a:r>
+            <a:r>
+              <a:rPr lang="en-US" sz="2000" dirty="0" smtClean="0"/>
+              <a:t>code</a:t>
+            </a:r>
+          </a:p>
+          <a:p>
+            <a:pPr marL="482600" lvl="1" indent="0">
               <a:buNone/>
             </a:pPr>
+            <a:endParaRPr lang="en-US" sz="2000" dirty="0"/>
+          </a:p>
+          <a:p>
+            <a:r>
+              <a:rPr lang="en-US" sz="2000" b="1" dirty="0"/>
+              <a:t>Kent Beck</a:t>
+            </a:r>
             <a:r>
               <a:rPr lang="en-US" sz="2000" dirty="0"/>
-              <a:t>The act of testing piece of code, usually a method, that tests a very small piece of functionality by invoking it and verifying assumptions.</a:t>
-            </a:r>
-            <a:endParaRPr lang="en-US" sz="2000" kern="0" dirty="0" smtClean="0">
-              <a:solidFill>
-                <a:srgbClr val="000000"/>
-              </a:solidFill>
-            </a:endParaRPr>
-          </a:p>
-        </p:txBody>
-      </p:sp>
-      <p:sp>
-        <p:nvSpPr>
-          <p:cNvPr id="9" name="TextBox 8"/>
-          <p:cNvSpPr txBox="1"/>
-          <p:nvPr/>
-        </p:nvSpPr>
-        <p:spPr>
-          <a:xfrm>
-            <a:off x="2434859" y="6570921"/>
-            <a:ext cx="4550735" cy="369332"/>
-          </a:xfrm>
-          <a:prstGeom prst="rect">
-            <a:avLst/>
-          </a:prstGeom>
-          <a:noFill/>
-        </p:spPr>
-        <p:txBody>
-          <a:bodyPr wrap="square" rtlCol="0">
-            <a:spAutoFit/>
-          </a:bodyPr>
-          <a:lstStyle/>
-          <a:p>
-            <a:pPr algn="ctr"/>
-            <a:r>
-              <a:rPr lang="en-US" dirty="0" smtClean="0">
-                <a:solidFill>
-                  <a:schemeClr val="bg1">
-                    <a:lumMod val="50000"/>
-                  </a:schemeClr>
-                </a:solidFill>
-              </a:rPr>
-              <a:t>@</a:t>
-            </a:r>
-            <a:r>
-              <a:rPr lang="en-US" dirty="0" err="1" smtClean="0">
-                <a:solidFill>
-                  <a:schemeClr val="bg1">
-                    <a:lumMod val="50000"/>
-                  </a:schemeClr>
-                </a:solidFill>
-              </a:rPr>
-              <a:t>keburnell</a:t>
-            </a:r>
-            <a:r>
-              <a:rPr lang="en-US" dirty="0" smtClean="0">
-                <a:solidFill>
-                  <a:schemeClr val="bg1">
-                    <a:lumMod val="50000"/>
-                  </a:schemeClr>
-                </a:solidFill>
-              </a:rPr>
-              <a:t>  ∙  DotNetDevDude.com</a:t>
-            </a:r>
-            <a:endParaRPr lang="en-US" dirty="0">
-              <a:solidFill>
-                <a:schemeClr val="bg1">
-                  <a:lumMod val="50000"/>
-                </a:schemeClr>
-              </a:solidFill>
+              <a:t>, is credited with having developed or 'rediscovered' the technique</a:t>
+            </a:r>
+            <a:endParaRPr lang="en-US" sz="2000" dirty="0" smtClean="0">
+              <a:sym typeface="Wingdings" pitchFamily="2" charset="2"/>
             </a:endParaRPr>
           </a:p>
         </p:txBody>
@@ -12187,7 +12156,7 @@
     </p:spTree>
     <p:extLst>
       <p:ext uri="{BB962C8B-B14F-4D97-AF65-F5344CB8AC3E}">
-        <p14:creationId xmlns:p14="http://schemas.microsoft.com/office/powerpoint/2010/main" val="3124764130"/>
+        <p14:creationId xmlns:p14="http://schemas.microsoft.com/office/powerpoint/2010/main" val="2475950566"/>
       </p:ext>
     </p:extLst>
   </p:cSld>
@@ -12246,77 +12215,14 @@
             </a:pPr>
             <a:r>
               <a:rPr lang="en-US" dirty="0" smtClean="0"/>
-              <a:t>What makes a good Unit Test?</a:t>
-            </a:r>
-          </a:p>
-        </p:txBody>
-      </p:sp>
-      <p:sp>
-        <p:nvSpPr>
-          <p:cNvPr id="9" name="TextBox 8"/>
-          <p:cNvSpPr txBox="1"/>
-          <p:nvPr/>
-        </p:nvSpPr>
-        <p:spPr>
-          <a:xfrm>
-            <a:off x="2434859" y="6570921"/>
-            <a:ext cx="4550735" cy="369332"/>
-          </a:xfrm>
-          <a:prstGeom prst="rect">
-            <a:avLst/>
-          </a:prstGeom>
-          <a:noFill/>
-        </p:spPr>
-        <p:txBody>
-          <a:bodyPr wrap="square" rtlCol="0">
-            <a:spAutoFit/>
-          </a:bodyPr>
-          <a:lstStyle/>
-          <a:p>
-            <a:pPr algn="ctr"/>
-            <a:r>
-              <a:rPr lang="en-US" dirty="0" smtClean="0">
-                <a:solidFill>
-                  <a:schemeClr val="bg1">
-                    <a:lumMod val="50000"/>
-                  </a:schemeClr>
-                </a:solidFill>
-              </a:rPr>
-              <a:t>@</a:t>
-            </a:r>
-            <a:r>
-              <a:rPr lang="en-US" dirty="0" err="1" smtClean="0">
-                <a:solidFill>
-                  <a:schemeClr val="bg1">
-                    <a:lumMod val="50000"/>
-                  </a:schemeClr>
-                </a:solidFill>
-              </a:rPr>
-              <a:t>keburnell</a:t>
-            </a:r>
-            <a:r>
-              <a:rPr lang="en-US" dirty="0" smtClean="0">
-                <a:solidFill>
-                  <a:schemeClr val="bg1">
-                    <a:lumMod val="50000"/>
-                  </a:schemeClr>
-                </a:solidFill>
-              </a:rPr>
-              <a:t>  ∙  DotNetDevDude.com</a:t>
-            </a:r>
-            <a:endParaRPr lang="en-US" dirty="0">
-              <a:solidFill>
-                <a:schemeClr val="bg1">
-                  <a:lumMod val="50000"/>
-                </a:schemeClr>
-              </a:solidFill>
-            </a:endParaRPr>
-          </a:p>
-        </p:txBody>
-      </p:sp>
-      <p:sp>
-        <p:nvSpPr>
-          <p:cNvPr id="7" name="Rectangle 3"/>
+              <a:t>Unit Testing: Key to TDD</a:t>
+            </a:r>
+          </a:p>
+        </p:txBody>
+      </p:sp>
+      <p:sp>
+        <p:nvSpPr>
+          <p:cNvPr id="8" name="Rectangle 3"/>
           <p:cNvSpPr txBox="1">
             <a:spLocks noChangeArrowheads="1"/>
           </p:cNvSpPr>
@@ -12484,63 +12390,88 @@
             </a:lvl9pPr>
           </a:lstStyle>
           <a:p>
-            <a:pPr>
-              <a:buFontTx/>
-              <a:buChar char="-"/>
-            </a:pPr>
-            <a:r>
-              <a:rPr lang="en-US" sz="2000" dirty="0" smtClean="0"/>
-              <a:t>So what are the characteristics of a good unit test</a:t>
-            </a:r>
-          </a:p>
-          <a:p>
-            <a:pPr>
-              <a:buFontTx/>
-              <a:buChar char="-"/>
-            </a:pPr>
-            <a:r>
-              <a:rPr lang="en-US" sz="2000" dirty="0" smtClean="0"/>
-              <a:t>It is very easy to write bad unit tests</a:t>
-            </a:r>
-            <a:endParaRPr lang="en-US" sz="2000" dirty="0"/>
-          </a:p>
-          <a:p>
-            <a:pPr>
-              <a:buFontTx/>
-              <a:buChar char="-"/>
-            </a:pPr>
-            <a:r>
-              <a:rPr lang="en-US" sz="2000" dirty="0" smtClean="0"/>
-              <a:t>Bad unit tests are worse than no unit tests</a:t>
-            </a:r>
-          </a:p>
-          <a:p>
-            <a:pPr lvl="1">
-              <a:buFontTx/>
-              <a:buChar char="-"/>
-            </a:pPr>
-            <a:r>
-              <a:rPr lang="en-US" sz="2000" dirty="0" smtClean="0"/>
-              <a:t>They provide a false sense of security</a:t>
-            </a:r>
-          </a:p>
-          <a:p>
-            <a:pPr lvl="1">
-              <a:buFontTx/>
-              <a:buChar char="-"/>
-            </a:pPr>
-            <a:r>
-              <a:rPr lang="en-US" sz="2000" dirty="0" smtClean="0"/>
-              <a:t>They provide false system documentation</a:t>
-            </a:r>
-            <a:endParaRPr lang="en-US" sz="2000" dirty="0"/>
+            <a:pPr marL="0" indent="0">
+              <a:buNone/>
+            </a:pPr>
+            <a:r>
+              <a:rPr lang="en-US" sz="2000" dirty="0"/>
+              <a:t>The act of testing piece of code, usually a method, that tests a very small piece of functionality by invoking it and verifying assumptions.</a:t>
+            </a:r>
+            <a:endParaRPr lang="en-US" sz="2000" kern="0" dirty="0" smtClean="0">
+              <a:solidFill>
+                <a:srgbClr val="000000"/>
+              </a:solidFill>
+            </a:endParaRPr>
+          </a:p>
+        </p:txBody>
+      </p:sp>
+      <p:sp>
+        <p:nvSpPr>
+          <p:cNvPr id="9" name="TextBox 8"/>
+          <p:cNvSpPr txBox="1"/>
+          <p:nvPr/>
+        </p:nvSpPr>
+        <p:spPr>
+          <a:xfrm>
+            <a:off x="2434859" y="6570921"/>
+            <a:ext cx="4550735" cy="369332"/>
+          </a:xfrm>
+          <a:prstGeom prst="rect">
+            <a:avLst/>
+          </a:prstGeom>
+          <a:noFill/>
+        </p:spPr>
+        <p:txBody>
+          <a:bodyPr wrap="square" rtlCol="0">
+            <a:spAutoFit/>
+          </a:bodyPr>
+          <a:lstStyle/>
+          <a:p>
+            <a:pPr algn="ctr"/>
+            <a:r>
+              <a:rPr lang="en-US" dirty="0" smtClean="0">
+                <a:solidFill>
+                  <a:schemeClr val="bg1">
+                    <a:lumMod val="50000"/>
+                  </a:schemeClr>
+                </a:solidFill>
+              </a:rPr>
+              <a:t>@</a:t>
+            </a:r>
+            <a:r>
+              <a:rPr lang="en-US" dirty="0" err="1" smtClean="0">
+                <a:solidFill>
+                  <a:schemeClr val="bg1">
+                    <a:lumMod val="50000"/>
+                  </a:schemeClr>
+                </a:solidFill>
+              </a:rPr>
+              <a:t>keburnell</a:t>
+            </a:r>
+            <a:r>
+              <a:rPr lang="en-US" dirty="0" smtClean="0">
+                <a:solidFill>
+                  <a:schemeClr val="bg1">
+                    <a:lumMod val="50000"/>
+                  </a:schemeClr>
+                </a:solidFill>
+              </a:rPr>
+              <a:t>  ∙  DotNetDevDude.com</a:t>
+            </a:r>
+            <a:endParaRPr lang="en-US" dirty="0">
+              <a:solidFill>
+                <a:schemeClr val="bg1">
+                  <a:lumMod val="50000"/>
+                </a:schemeClr>
+              </a:solidFill>
+            </a:endParaRPr>
           </a:p>
         </p:txBody>
       </p:sp>
     </p:spTree>
     <p:extLst>
       <p:ext uri="{BB962C8B-B14F-4D97-AF65-F5344CB8AC3E}">
-        <p14:creationId xmlns:p14="http://schemas.microsoft.com/office/powerpoint/2010/main" val="1547812812"/>
+        <p14:creationId xmlns:p14="http://schemas.microsoft.com/office/powerpoint/2010/main" val="3124764130"/>
       </p:ext>
     </p:extLst>
   </p:cSld>
@@ -12724,7 +12655,7 @@
             </a:pPr>
             <a:r>
               <a:rPr lang="en-US" dirty="0" smtClean="0"/>
-              <a:t>Automated and Repeatable</a:t>
+              <a:t>What makes a good Unit Test?</a:t>
             </a:r>
           </a:p>
         </p:txBody>
@@ -12794,7 +12725,7 @@
       </p:sp>
       <p:sp>
         <p:nvSpPr>
-          <p:cNvPr id="5" name="Rectangle 3"/>
+          <p:cNvPr id="7" name="Rectangle 3"/>
           <p:cNvSpPr txBox="1">
             <a:spLocks noChangeArrowheads="1"/>
           </p:cNvSpPr>
@@ -12968,13 +12899,8 @@
             </a:pPr>
             <a:r>
               <a:rPr lang="en-US" sz="2000" dirty="0" smtClean="0"/>
-              <a:t>No manual setup or </a:t>
-            </a:r>
-            <a:r>
-              <a:rPr lang="en-US" sz="2000" dirty="0" smtClean="0"/>
-              <a:t>running should be required</a:t>
-            </a:r>
-            <a:endParaRPr lang="en-US" sz="2000" dirty="0" smtClean="0"/>
+              <a:t>So what are the characteristics of a good unit test</a:t>
+            </a:r>
           </a:p>
           <a:p>
             <a:pPr>
@@ -12982,20 +12908,48 @@
               <a:buChar char="-"/>
             </a:pPr>
             <a:r>
-              <a:rPr lang="en-US" sz="2000" kern="0" dirty="0" smtClean="0">
-                <a:solidFill>
-                  <a:srgbClr val="000000"/>
-                </a:solidFill>
-              </a:rPr>
-              <a:t>Should be able run the same tests over and over again and get the same results every time</a:t>
-            </a:r>
+              <a:rPr lang="en-US" sz="2000" dirty="0" smtClean="0"/>
+              <a:t>It is very easy to write bad unit tests</a:t>
+            </a:r>
+            <a:endParaRPr lang="en-US" sz="2000" dirty="0"/>
+          </a:p>
+          <a:p>
+            <a:pPr>
+              <a:buFontTx/>
+              <a:buChar char="-"/>
+            </a:pPr>
+            <a:r>
+              <a:rPr lang="en-US" sz="2000" dirty="0" smtClean="0"/>
+              <a:t>Bad unit tests are worse than no unit tests</a:t>
+            </a:r>
+          </a:p>
+          <a:p>
+            <a:pPr lvl="1">
+              <a:buFontTx/>
+              <a:buChar char="-"/>
+            </a:pPr>
+            <a:r>
+              <a:rPr lang="en-US" sz="2000" dirty="0" smtClean="0"/>
+              <a:t>They provide a false sense of security</a:t>
+            </a:r>
+          </a:p>
+          <a:p>
+            <a:pPr lvl="1">
+              <a:buFontTx/>
+              <a:buChar char="-"/>
+            </a:pPr>
+            <a:r>
+              <a:rPr lang="en-US" sz="2000" dirty="0" smtClean="0"/>
+              <a:t>They provide false system documentation</a:t>
+            </a:r>
+            <a:endParaRPr lang="en-US" sz="2000" dirty="0"/>
           </a:p>
         </p:txBody>
       </p:sp>
     </p:spTree>
     <p:extLst>
       <p:ext uri="{BB962C8B-B14F-4D97-AF65-F5344CB8AC3E}">
-        <p14:creationId xmlns:p14="http://schemas.microsoft.com/office/powerpoint/2010/main" val="1210595723"/>
+        <p14:creationId xmlns:p14="http://schemas.microsoft.com/office/powerpoint/2010/main" val="1547812812"/>
       </p:ext>
     </p:extLst>
   </p:cSld>
@@ -13054,7 +13008,7 @@
             </a:pPr>
             <a:r>
               <a:rPr lang="en-US" dirty="0" smtClean="0"/>
-              <a:t>Easy to implement</a:t>
+              <a:t>Automated and Repeatable</a:t>
             </a:r>
           </a:p>
         </p:txBody>
@@ -13298,7 +13252,7 @@
             </a:pPr>
             <a:r>
               <a:rPr lang="en-US" sz="2000" dirty="0" smtClean="0"/>
-              <a:t>Easy to write</a:t>
+              <a:t>No manual setup or running should be required</a:t>
             </a:r>
           </a:p>
           <a:p>
@@ -13312,49 +13266,7 @@
                   <a:srgbClr val="000000"/>
                 </a:solidFill>
               </a:rPr>
-              <a:t>If you find a unit test difficult to write chances are</a:t>
-            </a:r>
-          </a:p>
-          <a:p>
-            <a:pPr lvl="1">
-              <a:buFontTx/>
-              <a:buChar char="-"/>
-            </a:pPr>
-            <a:r>
-              <a:rPr lang="en-US" sz="1700" kern="0" dirty="0" smtClean="0">
-                <a:solidFill>
-                  <a:srgbClr val="000000"/>
-                </a:solidFill>
-              </a:rPr>
-              <a:t>You are trying to test too much</a:t>
-            </a:r>
-          </a:p>
-          <a:p>
-            <a:pPr lvl="1">
-              <a:buFontTx/>
-              <a:buChar char="-"/>
-            </a:pPr>
-            <a:r>
-              <a:rPr lang="en-US" sz="1700" kern="0" dirty="0" smtClean="0">
-                <a:solidFill>
-                  <a:srgbClr val="000000"/>
-                </a:solidFill>
-              </a:rPr>
-              <a:t>Your method under test is too complex and should be refactored</a:t>
-            </a:r>
-          </a:p>
-          <a:p>
-            <a:pPr lvl="1">
-              <a:buFontTx/>
-              <a:buChar char="-"/>
-            </a:pPr>
-            <a:r>
-              <a:rPr lang="en-US" sz="1700" kern="0" dirty="0" smtClean="0">
-                <a:solidFill>
-                  <a:srgbClr val="000000"/>
-                </a:solidFill>
-              </a:rPr>
-              <a:t>Your dependency’s are not isolated</a:t>
+              <a:t>Should be able run the same tests over and over again and get the same results every time</a:t>
             </a:r>
           </a:p>
         </p:txBody>
@@ -13362,7 +13274,7 @@
     </p:spTree>
     <p:extLst>
       <p:ext uri="{BB962C8B-B14F-4D97-AF65-F5344CB8AC3E}">
-        <p14:creationId xmlns:p14="http://schemas.microsoft.com/office/powerpoint/2010/main" val="293282378"/>
+        <p14:creationId xmlns:p14="http://schemas.microsoft.com/office/powerpoint/2010/main" val="1210595723"/>
       </p:ext>
     </p:extLst>
   </p:cSld>
@@ -13409,7 +13321,7 @@
         <p:spPr>
           <a:xfrm>
             <a:off x="893763" y="381000"/>
-            <a:ext cx="8192180" cy="941388"/>
+            <a:ext cx="7369175" cy="941388"/>
           </a:xfrm>
         </p:spPr>
         <p:txBody>
@@ -13421,7 +13333,7 @@
             </a:pPr>
             <a:r>
               <a:rPr lang="en-US" dirty="0" smtClean="0"/>
-              <a:t>Run on Demand at the Push of a Button</a:t>
+              <a:t>Easy to implement</a:t>
             </a:r>
           </a:p>
         </p:txBody>
@@ -13665,7 +13577,7 @@
             </a:pPr>
             <a:r>
               <a:rPr lang="en-US" sz="2000" dirty="0" smtClean="0"/>
-              <a:t>Coded using an automated unit testing framework that runs tests at the push of a button</a:t>
+              <a:t>Easy to write</a:t>
             </a:r>
           </a:p>
           <a:p>
@@ -13674,82 +13586,62 @@
               <a:buChar char="-"/>
             </a:pPr>
             <a:r>
-              <a:rPr lang="en-US" sz="2000" kern="0" dirty="0" err="1" smtClean="0">
+              <a:rPr lang="en-US" sz="2000" kern="0" dirty="0" smtClean="0">
                 <a:solidFill>
                   <a:srgbClr val="000000"/>
                 </a:solidFill>
               </a:rPr>
-              <a:t>MSTest</a:t>
-            </a:r>
-            <a:endParaRPr lang="en-US" sz="2000" kern="0" dirty="0" smtClean="0">
-              <a:solidFill>
-                <a:srgbClr val="000000"/>
-              </a:solidFill>
-            </a:endParaRPr>
-          </a:p>
-          <a:p>
-            <a:pPr>
+              <a:t>If you find a unit test difficult to write chances are</a:t>
+            </a:r>
+          </a:p>
+          <a:p>
+            <a:pPr lvl="1">
               <a:buFontTx/>
               <a:buChar char="-"/>
             </a:pPr>
             <a:r>
-              <a:rPr lang="en-US" sz="2000" kern="0" dirty="0" err="1" smtClean="0">
+              <a:rPr lang="en-US" sz="1700" kern="0" dirty="0" smtClean="0">
                 <a:solidFill>
                   <a:srgbClr val="000000"/>
                 </a:solidFill>
               </a:rPr>
-              <a:t>nUnit</a:t>
-            </a:r>
-            <a:endParaRPr lang="en-US" sz="2000" kern="0" dirty="0" smtClean="0">
-              <a:solidFill>
-                <a:srgbClr val="000000"/>
-              </a:solidFill>
-            </a:endParaRPr>
-          </a:p>
-          <a:p>
-            <a:pPr>
+              <a:t>You are trying to test too much</a:t>
+            </a:r>
+          </a:p>
+          <a:p>
+            <a:pPr lvl="1">
               <a:buFontTx/>
               <a:buChar char="-"/>
             </a:pPr>
             <a:r>
-              <a:rPr lang="en-US" sz="2000" kern="0" dirty="0" err="1" smtClean="0">
+              <a:rPr lang="en-US" sz="1700" kern="0" dirty="0" smtClean="0">
                 <a:solidFill>
                   <a:srgbClr val="000000"/>
                 </a:solidFill>
               </a:rPr>
-              <a:t>xUnit</a:t>
-            </a:r>
-            <a:endParaRPr lang="en-US" sz="2000" kern="0" dirty="0" smtClean="0">
-              <a:solidFill>
-                <a:srgbClr val="000000"/>
-              </a:solidFill>
-            </a:endParaRPr>
-          </a:p>
-          <a:p>
-            <a:pPr>
+              <a:t>Your method under test is too complex and should be refactored</a:t>
+            </a:r>
+          </a:p>
+          <a:p>
+            <a:pPr lvl="1">
               <a:buFontTx/>
               <a:buChar char="-"/>
             </a:pPr>
             <a:r>
-              <a:rPr lang="en-US" sz="2000" kern="0" dirty="0" err="1" smtClean="0">
+              <a:rPr lang="en-US" sz="1700" kern="0" dirty="0" smtClean="0">
                 <a:solidFill>
                   <a:srgbClr val="000000"/>
                 </a:solidFill>
               </a:rPr>
-              <a:t>MbUnit</a:t>
-            </a:r>
-            <a:endParaRPr lang="en-US" sz="2000" kern="0" dirty="0" smtClean="0">
-              <a:solidFill>
-                <a:srgbClr val="000000"/>
-              </a:solidFill>
-            </a:endParaRPr>
+              <a:t>Your dependency’s are not isolated</a:t>
+            </a:r>
           </a:p>
         </p:txBody>
       </p:sp>
     </p:spTree>
     <p:extLst>
       <p:ext uri="{BB962C8B-B14F-4D97-AF65-F5344CB8AC3E}">
-        <p14:creationId xmlns:p14="http://schemas.microsoft.com/office/powerpoint/2010/main" val="1808875282"/>
+        <p14:creationId xmlns:p14="http://schemas.microsoft.com/office/powerpoint/2010/main" val="293282378"/>
       </p:ext>
     </p:extLst>
   </p:cSld>
@@ -13808,7 +13700,7 @@
             </a:pPr>
             <a:r>
               <a:rPr lang="en-US" dirty="0" smtClean="0"/>
-              <a:t>Fast</a:t>
+              <a:t>Run on Demand at the Push of a Button</a:t>
             </a:r>
           </a:p>
         </p:txBody>
@@ -14052,7 +13944,7 @@
             </a:pPr>
             <a:r>
               <a:rPr lang="en-US" sz="2000" dirty="0" smtClean="0"/>
-              <a:t>Your unit test suite should run in under 30 seconds in the worse case</a:t>
+              <a:t>Coded using an automated unit testing framework that runs tests at the push of a button</a:t>
             </a:r>
           </a:p>
           <a:p>
@@ -14061,48 +13953,82 @@
               <a:buChar char="-"/>
             </a:pPr>
             <a:r>
-              <a:rPr lang="en-US" sz="2000" kern="0" dirty="0" smtClean="0">
+              <a:rPr lang="en-US" sz="2000" kern="0" dirty="0" err="1" smtClean="0">
                 <a:solidFill>
                   <a:srgbClr val="000000"/>
                 </a:solidFill>
               </a:rPr>
-              <a:t>If it takes longer they</a:t>
-            </a:r>
-          </a:p>
-          <a:p>
-            <a:pPr lvl="1">
+              <a:t>MSTest</a:t>
+            </a:r>
+            <a:endParaRPr lang="en-US" sz="2000" kern="0" dirty="0" smtClean="0">
+              <a:solidFill>
+                <a:srgbClr val="000000"/>
+              </a:solidFill>
+            </a:endParaRPr>
+          </a:p>
+          <a:p>
+            <a:pPr>
               <a:buFontTx/>
               <a:buChar char="-"/>
             </a:pPr>
             <a:r>
-              <a:rPr lang="en-US" sz="1700" kern="0" dirty="0" smtClean="0">
+              <a:rPr lang="en-US" sz="2000" kern="0" dirty="0" err="1" smtClean="0">
                 <a:solidFill>
                   <a:srgbClr val="000000"/>
                 </a:solidFill>
               </a:rPr>
-              <a:t>Developers won’t run the test suite</a:t>
-            </a:r>
-          </a:p>
-          <a:p>
-            <a:pPr lvl="1">
+              <a:t>nUnit</a:t>
+            </a:r>
+            <a:endParaRPr lang="en-US" sz="2000" kern="0" dirty="0" smtClean="0">
+              <a:solidFill>
+                <a:srgbClr val="000000"/>
+              </a:solidFill>
+            </a:endParaRPr>
+          </a:p>
+          <a:p>
+            <a:pPr>
               <a:buFontTx/>
               <a:buChar char="-"/>
             </a:pPr>
             <a:r>
-              <a:rPr lang="en-US" sz="1700" kern="0" dirty="0" smtClean="0">
+              <a:rPr lang="en-US" sz="2000" kern="0" dirty="0" err="1" smtClean="0">
                 <a:solidFill>
                   <a:srgbClr val="000000"/>
                 </a:solidFill>
               </a:rPr>
-              <a:t>You tests are using external dependencies</a:t>
-            </a:r>
+              <a:t>xUnit</a:t>
+            </a:r>
+            <a:endParaRPr lang="en-US" sz="2000" kern="0" dirty="0" smtClean="0">
+              <a:solidFill>
+                <a:srgbClr val="000000"/>
+              </a:solidFill>
+            </a:endParaRPr>
+          </a:p>
+          <a:p>
+            <a:pPr>
+              <a:buFontTx/>
+              <a:buChar char="-"/>
+            </a:pPr>
+            <a:r>
+              <a:rPr lang="en-US" sz="2000" kern="0" dirty="0" err="1" smtClean="0">
+                <a:solidFill>
+                  <a:srgbClr val="000000"/>
+                </a:solidFill>
+              </a:rPr>
+              <a:t>MbUnit</a:t>
+            </a:r>
+            <a:endParaRPr lang="en-US" sz="2000" kern="0" dirty="0" smtClean="0">
+              <a:solidFill>
+                <a:srgbClr val="000000"/>
+              </a:solidFill>
+            </a:endParaRPr>
           </a:p>
         </p:txBody>
       </p:sp>
     </p:spTree>
     <p:extLst>
       <p:ext uri="{BB962C8B-B14F-4D97-AF65-F5344CB8AC3E}">
-        <p14:creationId xmlns:p14="http://schemas.microsoft.com/office/powerpoint/2010/main" val="333104298"/>
+        <p14:creationId xmlns:p14="http://schemas.microsoft.com/office/powerpoint/2010/main" val="1808875282"/>
       </p:ext>
     </p:extLst>
   </p:cSld>
@@ -14161,7 +14087,7 @@
             </a:pPr>
             <a:r>
               <a:rPr lang="en-US" dirty="0" smtClean="0"/>
-              <a:t>Isolated</a:t>
+              <a:t>Fast</a:t>
             </a:r>
           </a:p>
         </p:txBody>
@@ -14404,26 +14330,9 @@
               <a:buChar char="-"/>
             </a:pPr>
             <a:r>
-              <a:rPr lang="en-US" sz="2000" kern="0" dirty="0" smtClean="0">
-                <a:solidFill>
-                  <a:srgbClr val="000000"/>
-                </a:solidFill>
-              </a:rPr>
-              <a:t>No external </a:t>
-            </a:r>
-            <a:r>
-              <a:rPr lang="en-US" sz="2000" kern="0" dirty="0" smtClean="0">
-                <a:solidFill>
-                  <a:srgbClr val="000000"/>
-                </a:solidFill>
-              </a:rPr>
-              <a:t>dependency’s</a:t>
-            </a:r>
-            <a:endParaRPr lang="en-US" sz="2000" kern="0" dirty="0" smtClean="0">
-              <a:solidFill>
-                <a:srgbClr val="000000"/>
-              </a:solidFill>
-            </a:endParaRPr>
+              <a:rPr lang="en-US" sz="2000" dirty="0" smtClean="0"/>
+              <a:t>Your unit test suite should run in under 30 seconds in the worse case</a:t>
+            </a:r>
           </a:p>
           <a:p>
             <a:pPr>
@@ -14436,7 +14345,7 @@
                   <a:srgbClr val="000000"/>
                 </a:solidFill>
               </a:rPr>
-              <a:t>Test this by</a:t>
+              <a:t>If it takes longer they</a:t>
             </a:r>
           </a:p>
           <a:p>
@@ -14450,7 +14359,7 @@
                   <a:srgbClr val="000000"/>
                 </a:solidFill>
               </a:rPr>
-              <a:t>Unplugging your network cable</a:t>
+              <a:t>Developers won’t run the test suite</a:t>
             </a:r>
           </a:p>
           <a:p>
@@ -14464,48 +14373,7 @@
                   <a:srgbClr val="000000"/>
                 </a:solidFill>
               </a:rPr>
-              <a:t>Turning off your </a:t>
-            </a:r>
-            <a:r>
-              <a:rPr lang="en-US" sz="1700" kern="0" dirty="0" smtClean="0">
-                <a:solidFill>
-                  <a:srgbClr val="000000"/>
-                </a:solidFill>
-              </a:rPr>
-              <a:t>Wi-Fi</a:t>
-            </a:r>
-            <a:endParaRPr lang="en-US" sz="1700" kern="0" dirty="0" smtClean="0">
-              <a:solidFill>
-                <a:srgbClr val="000000"/>
-              </a:solidFill>
-            </a:endParaRPr>
-          </a:p>
-          <a:p>
-            <a:pPr lvl="1">
-              <a:buFontTx/>
-              <a:buChar char="-"/>
-            </a:pPr>
-            <a:r>
-              <a:rPr lang="en-US" sz="1700" kern="0" dirty="0" smtClean="0">
-                <a:solidFill>
-                  <a:srgbClr val="000000"/>
-                </a:solidFill>
-              </a:rPr>
-              <a:t>Shutting down your local DB services</a:t>
-            </a:r>
-          </a:p>
-          <a:p>
-            <a:pPr lvl="1">
-              <a:buFontTx/>
-              <a:buChar char="-"/>
-            </a:pPr>
-            <a:r>
-              <a:rPr lang="en-US" sz="1700" kern="0" dirty="0" smtClean="0">
-                <a:solidFill>
-                  <a:srgbClr val="000000"/>
-                </a:solidFill>
-              </a:rPr>
-              <a:t>And run your unit test suite – they should all still pass!</a:t>
+              <a:t>You tests are using external dependencies</a:t>
             </a:r>
           </a:p>
         </p:txBody>
@@ -14513,7 +14381,7 @@
     </p:spTree>
     <p:extLst>
       <p:ext uri="{BB962C8B-B14F-4D97-AF65-F5344CB8AC3E}">
-        <p14:creationId xmlns:p14="http://schemas.microsoft.com/office/powerpoint/2010/main" val="902868980"/>
+        <p14:creationId xmlns:p14="http://schemas.microsoft.com/office/powerpoint/2010/main" val="333104298"/>
       </p:ext>
     </p:extLst>
   </p:cSld>
@@ -14559,7 +14427,7 @@
         </p:nvSpPr>
         <p:spPr>
           <a:xfrm>
-            <a:off x="614136" y="2427514"/>
+            <a:off x="893763" y="381000"/>
             <a:ext cx="8192180" cy="941388"/>
           </a:xfrm>
         </p:spPr>
@@ -14567,12 +14435,12 @@
           <a:bodyPr/>
           <a:lstStyle/>
           <a:p>
-            <a:pPr algn="ctr">
+            <a:pPr>
               <a:defRPr/>
             </a:pPr>
             <a:r>
               <a:rPr lang="en-US" dirty="0" smtClean="0"/>
-              <a:t>Important Concepts &amp; Strategies</a:t>
+              <a:t>Isolated</a:t>
             </a:r>
           </a:p>
         </p:txBody>
@@ -14640,10 +14508,265 @@
           </a:p>
         </p:txBody>
       </p:sp>
+      <p:sp>
+        <p:nvSpPr>
+          <p:cNvPr id="5" name="Rectangle 3"/>
+          <p:cNvSpPr txBox="1">
+            <a:spLocks noChangeArrowheads="1"/>
+          </p:cNvSpPr>
+          <p:nvPr/>
+        </p:nvSpPr>
+        <p:spPr bwMode="auto">
+          <a:xfrm>
+            <a:off x="900113" y="1484313"/>
+            <a:ext cx="8043862" cy="4770437"/>
+          </a:xfrm>
+          <a:prstGeom prst="rect">
+            <a:avLst/>
+          </a:prstGeom>
+          <a:noFill/>
+          <a:ln w="9525">
+            <a:noFill/>
+            <a:miter lim="800000"/>
+            <a:headEnd/>
+            <a:tailEnd/>
+          </a:ln>
+        </p:spPr>
+        <p:txBody>
+          <a:bodyPr vert="horz" wrap="square" lIns="96646" tIns="48323" rIns="96646" bIns="48323" numCol="1" anchor="t" anchorCtr="0" compatLnSpc="1">
+            <a:prstTxWarp prst="textNoShape">
+              <a:avLst/>
+            </a:prstTxWarp>
+          </a:bodyPr>
+          <a:lstStyle>
+            <a:lvl1pPr marL="363538" indent="-363538" algn="l" defTabSz="966788" rtl="0" eaLnBrk="1" fontAlgn="base" hangingPunct="1">
+              <a:spcBef>
+                <a:spcPct val="20000"/>
+              </a:spcBef>
+              <a:spcAft>
+                <a:spcPct val="0"/>
+              </a:spcAft>
+              <a:buChar char="•"/>
+              <a:defRPr sz="2900">
+                <a:solidFill>
+                  <a:schemeClr val="tx1"/>
+                </a:solidFill>
+                <a:latin typeface="+mn-lt"/>
+                <a:ea typeface="+mn-ea"/>
+                <a:cs typeface="+mn-cs"/>
+              </a:defRPr>
+            </a:lvl1pPr>
+            <a:lvl2pPr marL="784225" indent="-301625" algn="l" defTabSz="966788" rtl="0" eaLnBrk="1" fontAlgn="base" hangingPunct="1">
+              <a:spcBef>
+                <a:spcPct val="20000"/>
+              </a:spcBef>
+              <a:spcAft>
+                <a:spcPct val="0"/>
+              </a:spcAft>
+              <a:buChar char="–"/>
+              <a:defRPr sz="2600">
+                <a:solidFill>
+                  <a:schemeClr val="tx1"/>
+                </a:solidFill>
+                <a:latin typeface="+mn-lt"/>
+              </a:defRPr>
+            </a:lvl2pPr>
+            <a:lvl3pPr marL="1208088" indent="-241300" algn="l" defTabSz="966788" rtl="0" eaLnBrk="1" fontAlgn="base" hangingPunct="1">
+              <a:spcBef>
+                <a:spcPct val="20000"/>
+              </a:spcBef>
+              <a:spcAft>
+                <a:spcPct val="0"/>
+              </a:spcAft>
+              <a:buChar char="•"/>
+              <a:defRPr sz="2100">
+                <a:solidFill>
+                  <a:schemeClr val="tx1"/>
+                </a:solidFill>
+                <a:latin typeface="+mn-lt"/>
+              </a:defRPr>
+            </a:lvl3pPr>
+            <a:lvl4pPr marL="1689100" indent="-238125" algn="l" defTabSz="966788" rtl="0" eaLnBrk="1" fontAlgn="base" hangingPunct="1">
+              <a:spcBef>
+                <a:spcPct val="20000"/>
+              </a:spcBef>
+              <a:spcAft>
+                <a:spcPct val="0"/>
+              </a:spcAft>
+              <a:buChar char="–"/>
+              <a:defRPr sz="2100">
+                <a:solidFill>
+                  <a:schemeClr val="tx1"/>
+                </a:solidFill>
+                <a:latin typeface="+mn-lt"/>
+              </a:defRPr>
+            </a:lvl4pPr>
+            <a:lvl5pPr marL="2174875" indent="-241300" algn="l" defTabSz="966788" rtl="0" eaLnBrk="1" fontAlgn="base" hangingPunct="1">
+              <a:spcBef>
+                <a:spcPct val="20000"/>
+              </a:spcBef>
+              <a:spcAft>
+                <a:spcPct val="0"/>
+              </a:spcAft>
+              <a:buChar char="»"/>
+              <a:defRPr sz="2100">
+                <a:solidFill>
+                  <a:schemeClr val="tx1"/>
+                </a:solidFill>
+                <a:latin typeface="+mn-lt"/>
+              </a:defRPr>
+            </a:lvl5pPr>
+            <a:lvl6pPr marL="2632075" indent="-241300" algn="l" defTabSz="966788" rtl="0" eaLnBrk="1" fontAlgn="base" hangingPunct="1">
+              <a:spcBef>
+                <a:spcPct val="20000"/>
+              </a:spcBef>
+              <a:spcAft>
+                <a:spcPct val="0"/>
+              </a:spcAft>
+              <a:buChar char="»"/>
+              <a:defRPr sz="2100">
+                <a:solidFill>
+                  <a:schemeClr val="tx1"/>
+                </a:solidFill>
+                <a:latin typeface="+mn-lt"/>
+              </a:defRPr>
+            </a:lvl6pPr>
+            <a:lvl7pPr marL="3089275" indent="-241300" algn="l" defTabSz="966788" rtl="0" eaLnBrk="1" fontAlgn="base" hangingPunct="1">
+              <a:spcBef>
+                <a:spcPct val="20000"/>
+              </a:spcBef>
+              <a:spcAft>
+                <a:spcPct val="0"/>
+              </a:spcAft>
+              <a:buChar char="»"/>
+              <a:defRPr sz="2100">
+                <a:solidFill>
+                  <a:schemeClr val="tx1"/>
+                </a:solidFill>
+                <a:latin typeface="+mn-lt"/>
+              </a:defRPr>
+            </a:lvl7pPr>
+            <a:lvl8pPr marL="3546475" indent="-241300" algn="l" defTabSz="966788" rtl="0" eaLnBrk="1" fontAlgn="base" hangingPunct="1">
+              <a:spcBef>
+                <a:spcPct val="20000"/>
+              </a:spcBef>
+              <a:spcAft>
+                <a:spcPct val="0"/>
+              </a:spcAft>
+              <a:buChar char="»"/>
+              <a:defRPr sz="2100">
+                <a:solidFill>
+                  <a:schemeClr val="tx1"/>
+                </a:solidFill>
+                <a:latin typeface="+mn-lt"/>
+              </a:defRPr>
+            </a:lvl8pPr>
+            <a:lvl9pPr marL="4003675" indent="-241300" algn="l" defTabSz="966788" rtl="0" eaLnBrk="1" fontAlgn="base" hangingPunct="1">
+              <a:spcBef>
+                <a:spcPct val="20000"/>
+              </a:spcBef>
+              <a:spcAft>
+                <a:spcPct val="0"/>
+              </a:spcAft>
+              <a:buChar char="»"/>
+              <a:defRPr sz="2100">
+                <a:solidFill>
+                  <a:schemeClr val="tx1"/>
+                </a:solidFill>
+                <a:latin typeface="+mn-lt"/>
+              </a:defRPr>
+            </a:lvl9pPr>
+          </a:lstStyle>
+          <a:p>
+            <a:pPr>
+              <a:buFontTx/>
+              <a:buChar char="-"/>
+            </a:pPr>
+            <a:r>
+              <a:rPr lang="en-US" sz="2000" kern="0" dirty="0" smtClean="0">
+                <a:solidFill>
+                  <a:srgbClr val="000000"/>
+                </a:solidFill>
+              </a:rPr>
+              <a:t>No external dependency’s</a:t>
+            </a:r>
+          </a:p>
+          <a:p>
+            <a:pPr>
+              <a:buFontTx/>
+              <a:buChar char="-"/>
+            </a:pPr>
+            <a:r>
+              <a:rPr lang="en-US" sz="2000" kern="0" dirty="0" smtClean="0">
+                <a:solidFill>
+                  <a:srgbClr val="000000"/>
+                </a:solidFill>
+              </a:rPr>
+              <a:t>Test this by</a:t>
+            </a:r>
+          </a:p>
+          <a:p>
+            <a:pPr lvl="1">
+              <a:buFontTx/>
+              <a:buChar char="-"/>
+            </a:pPr>
+            <a:r>
+              <a:rPr lang="en-US" sz="1700" kern="0" dirty="0" smtClean="0">
+                <a:solidFill>
+                  <a:srgbClr val="000000"/>
+                </a:solidFill>
+              </a:rPr>
+              <a:t>Unplugging your network cable</a:t>
+            </a:r>
+          </a:p>
+          <a:p>
+            <a:pPr lvl="1">
+              <a:buFontTx/>
+              <a:buChar char="-"/>
+            </a:pPr>
+            <a:r>
+              <a:rPr lang="en-US" sz="1700" kern="0" dirty="0" smtClean="0">
+                <a:solidFill>
+                  <a:srgbClr val="000000"/>
+                </a:solidFill>
+              </a:rPr>
+              <a:t>Turning off your Wi-Fi</a:t>
+            </a:r>
+          </a:p>
+          <a:p>
+            <a:pPr lvl="1">
+              <a:buFontTx/>
+              <a:buChar char="-"/>
+            </a:pPr>
+            <a:r>
+              <a:rPr lang="en-US" sz="1700" kern="0" dirty="0" smtClean="0">
+                <a:solidFill>
+                  <a:srgbClr val="000000"/>
+                </a:solidFill>
+              </a:rPr>
+              <a:t>Shutting down your local DB services</a:t>
+            </a:r>
+          </a:p>
+          <a:p>
+            <a:pPr lvl="1">
+              <a:buFontTx/>
+              <a:buChar char="-"/>
+            </a:pPr>
+            <a:r>
+              <a:rPr lang="en-US" sz="1700" kern="0" dirty="0" smtClean="0">
+                <a:solidFill>
+                  <a:srgbClr val="000000"/>
+                </a:solidFill>
+              </a:rPr>
+              <a:t>And run your unit test suite – they should all still pass!</a:t>
+            </a:r>
+          </a:p>
+        </p:txBody>
+      </p:sp>
     </p:spTree>
     <p:extLst>
       <p:ext uri="{BB962C8B-B14F-4D97-AF65-F5344CB8AC3E}">
-        <p14:creationId xmlns:p14="http://schemas.microsoft.com/office/powerpoint/2010/main" val="2358862088"/>
+        <p14:creationId xmlns:p14="http://schemas.microsoft.com/office/powerpoint/2010/main" val="902868980"/>
       </p:ext>
     </p:extLst>
   </p:cSld>
@@ -14679,6 +14802,36 @@
       </p:grpSpPr>
       <p:sp>
         <p:nvSpPr>
+          <p:cNvPr id="6" name="Rectangle 2"/>
+          <p:cNvSpPr>
+            <a:spLocks noGrp="1" noChangeArrowheads="1"/>
+          </p:cNvSpPr>
+          <p:nvPr>
+            <p:ph type="title"/>
+          </p:nvPr>
+        </p:nvSpPr>
+        <p:spPr>
+          <a:xfrm>
+            <a:off x="614136" y="2427514"/>
+            <a:ext cx="8192180" cy="941388"/>
+          </a:xfrm>
+        </p:spPr>
+        <p:txBody>
+          <a:bodyPr/>
+          <a:lstStyle/>
+          <a:p>
+            <a:pPr algn="ctr">
+              <a:defRPr/>
+            </a:pPr>
+            <a:r>
+              <a:rPr lang="en-US" dirty="0" smtClean="0"/>
+              <a:t>Important Concepts &amp; Strategies</a:t>
+            </a:r>
+          </a:p>
+        </p:txBody>
+      </p:sp>
+      <p:sp>
+        <p:nvSpPr>
           <p:cNvPr id="9" name="TextBox 8"/>
           <p:cNvSpPr txBox="1"/>
           <p:nvPr/>
@@ -14740,131 +14893,10 @@
           </a:p>
         </p:txBody>
       </p:sp>
-      <p:sp>
-        <p:nvSpPr>
-          <p:cNvPr id="7" name="Title 5"/>
-          <p:cNvSpPr>
-            <a:spLocks noGrp="1"/>
-          </p:cNvSpPr>
-          <p:nvPr>
-            <p:ph type="title"/>
-          </p:nvPr>
-        </p:nvSpPr>
-        <p:spPr>
-          <a:xfrm>
-            <a:off x="481013" y="595313"/>
-            <a:ext cx="8761413" cy="838200"/>
-          </a:xfrm>
-        </p:spPr>
-        <p:txBody>
-          <a:bodyPr/>
-          <a:lstStyle/>
-          <a:p>
-            <a:r>
-              <a:rPr lang="en-US" dirty="0" smtClean="0">
-                <a:solidFill>
-                  <a:srgbClr val="FF0000"/>
-                </a:solidFill>
-              </a:rPr>
-              <a:t>Red</a:t>
-            </a:r>
-            <a:r>
-              <a:rPr lang="en-US" dirty="0" smtClean="0"/>
-              <a:t> – </a:t>
-            </a:r>
-            <a:r>
-              <a:rPr lang="en-US" dirty="0" smtClean="0">
-                <a:solidFill>
-                  <a:srgbClr val="33CC33"/>
-                </a:solidFill>
-              </a:rPr>
-              <a:t>Green</a:t>
-            </a:r>
-            <a:r>
-              <a:rPr lang="en-US" dirty="0" smtClean="0"/>
-              <a:t> - </a:t>
-            </a:r>
-            <a:r>
-              <a:rPr lang="en-US" dirty="0" err="1" smtClean="0">
-                <a:solidFill>
-                  <a:schemeClr val="tx1"/>
-                </a:solidFill>
-              </a:rPr>
-              <a:t>Refactor</a:t>
-            </a:r>
-            <a:endParaRPr lang="en-US" dirty="0">
-              <a:solidFill>
-                <a:schemeClr val="tx1"/>
-              </a:solidFill>
-            </a:endParaRPr>
-          </a:p>
-        </p:txBody>
-      </p:sp>
-      <p:sp>
-        <p:nvSpPr>
-          <p:cNvPr id="8" name="Content Placeholder 4"/>
-          <p:cNvSpPr>
-            <a:spLocks noGrp="1"/>
-          </p:cNvSpPr>
-          <p:nvPr>
-            <p:ph idx="1"/>
-          </p:nvPr>
-        </p:nvSpPr>
-        <p:spPr>
-          <a:xfrm>
-            <a:off x="481013" y="1433514"/>
-            <a:ext cx="8761413" cy="4903787"/>
-          </a:xfrm>
-        </p:spPr>
-        <p:txBody>
-          <a:bodyPr/>
-          <a:lstStyle/>
-          <a:p>
-            <a:r>
-              <a:rPr lang="en-US" sz="2800" dirty="0" smtClean="0"/>
-              <a:t>Red</a:t>
-            </a:r>
-          </a:p>
-          <a:p>
-            <a:pPr lvl="1"/>
-            <a:r>
-              <a:rPr lang="en-US" sz="2500" dirty="0" smtClean="0"/>
-              <a:t>Write a failing test</a:t>
-            </a:r>
-          </a:p>
-          <a:p>
-            <a:r>
-              <a:rPr lang="en-US" sz="2800" dirty="0" smtClean="0"/>
-              <a:t>Green </a:t>
-            </a:r>
-          </a:p>
-          <a:p>
-            <a:pPr lvl="1"/>
-            <a:r>
-              <a:rPr lang="en-US" sz="2500" dirty="0" smtClean="0"/>
-              <a:t>Write just enough code to get the test to pass</a:t>
-            </a:r>
-          </a:p>
-          <a:p>
-            <a:r>
-              <a:rPr lang="en-US" sz="2800" dirty="0" err="1" smtClean="0"/>
-              <a:t>Refactor</a:t>
-            </a:r>
-            <a:endParaRPr lang="en-US" sz="2800" dirty="0" smtClean="0"/>
-          </a:p>
-          <a:p>
-            <a:pPr lvl="1"/>
-            <a:r>
-              <a:rPr lang="en-US" sz="2500" dirty="0" smtClean="0"/>
-              <a:t>Clean up the code</a:t>
-            </a:r>
-          </a:p>
-        </p:txBody>
-      </p:sp>
     </p:spTree>
     <p:extLst>
       <p:ext uri="{BB962C8B-B14F-4D97-AF65-F5344CB8AC3E}">
-        <p14:creationId xmlns:p14="http://schemas.microsoft.com/office/powerpoint/2010/main" val="1090105715"/>
+        <p14:creationId xmlns:p14="http://schemas.microsoft.com/office/powerpoint/2010/main" val="2358862088"/>
       </p:ext>
     </p:extLst>
   </p:cSld>
@@ -14963,7 +14995,7 @@
       </p:sp>
       <p:sp>
         <p:nvSpPr>
-          <p:cNvPr id="11" name="Title 5"/>
+          <p:cNvPr id="7" name="Title 5"/>
           <p:cNvSpPr>
             <a:spLocks noGrp="1"/>
           </p:cNvSpPr>
@@ -14982,12 +15014,40 @@
           <a:lstStyle/>
           <a:p>
             <a:r>
+              <a:rPr lang="en-US" dirty="0" smtClean="0">
+                <a:solidFill>
+                  <a:srgbClr val="FF0000"/>
+                </a:solidFill>
+              </a:rPr>
+              <a:t>Red</a:t>
+            </a:r>
+            <a:r>
               <a:rPr lang="en-US" dirty="0" smtClean="0"/>
-              <a:t>Arrange – Act - Assert</a:t>
+              <a:t> – </a:t>
+            </a:r>
+            <a:r>
+              <a:rPr lang="en-US" dirty="0" smtClean="0">
+                <a:solidFill>
+                  <a:srgbClr val="33CC33"/>
+                </a:solidFill>
+              </a:rPr>
+              <a:t>Green</a:t>
+            </a:r>
+            <a:r>
+              <a:rPr lang="en-US" dirty="0" smtClean="0"/>
+              <a:t> - </a:t>
+            </a:r>
+            <a:r>
+              <a:rPr lang="en-US" dirty="0" err="1" smtClean="0">
+                <a:solidFill>
+                  <a:schemeClr val="tx1"/>
+                </a:solidFill>
+              </a:rPr>
+              <a:t>Refactor</a:t>
             </a:r>
             <a:endParaRPr lang="en-US" dirty="0">
               <a:solidFill>
-                <a:schemeClr val="accent2"/>
+                <a:schemeClr val="tx1"/>
               </a:solidFill>
             </a:endParaRPr>
           </a:p>
@@ -14995,7 +15055,7 @@
       </p:sp>
       <p:sp>
         <p:nvSpPr>
-          <p:cNvPr id="12" name="Content Placeholder 4"/>
+          <p:cNvPr id="8" name="Content Placeholder 4"/>
           <p:cNvSpPr>
             <a:spLocks noGrp="1"/>
           </p:cNvSpPr>
@@ -15015,59 +15075,41 @@
           <a:p>
             <a:r>
               <a:rPr lang="en-US" sz="2800" dirty="0" smtClean="0"/>
-              <a:t>Arrange</a:t>
+              <a:t>Red</a:t>
             </a:r>
           </a:p>
           <a:p>
             <a:pPr lvl="1"/>
             <a:r>
-              <a:rPr lang="en-US" sz="2400" dirty="0" smtClean="0"/>
-              <a:t>Set up mocks/stubs/fakes</a:t>
+              <a:rPr lang="en-US" sz="2500" dirty="0" smtClean="0"/>
+              <a:t>Write a failing test</a:t>
+            </a:r>
+          </a:p>
+          <a:p>
+            <a:r>
+              <a:rPr lang="en-US" sz="2800" dirty="0" smtClean="0"/>
+              <a:t>Green </a:t>
             </a:r>
           </a:p>
           <a:p>
             <a:pPr lvl="1"/>
             <a:r>
-              <a:rPr lang="en-US" sz="2400" dirty="0" smtClean="0"/>
-              <a:t>Instantiate class under test</a:t>
-            </a:r>
-          </a:p>
-          <a:p>
-            <a:pPr marL="482600" lvl="1" indent="0">
-              <a:buNone/>
-            </a:pPr>
-            <a:endParaRPr lang="en-US" sz="2400" dirty="0" smtClean="0"/>
-          </a:p>
-          <a:p>
-            <a:r>
-              <a:rPr lang="en-US" sz="2800" dirty="0" smtClean="0"/>
-              <a:t>Act</a:t>
-            </a:r>
+              <a:rPr lang="en-US" sz="2500" dirty="0" smtClean="0"/>
+              <a:t>Write just enough code to get the test to pass</a:t>
+            </a:r>
+          </a:p>
+          <a:p>
+            <a:r>
+              <a:rPr lang="en-US" sz="2800" dirty="0" err="1" smtClean="0"/>
+              <a:t>Refactor</a:t>
+            </a:r>
+            <a:endParaRPr lang="en-US" sz="2800" dirty="0" smtClean="0"/>
           </a:p>
           <a:p>
             <a:pPr lvl="1"/>
             <a:r>
-              <a:rPr lang="en-US" sz="2400" dirty="0" smtClean="0"/>
-              <a:t>Call the method being tested</a:t>
-            </a:r>
-          </a:p>
-          <a:p>
-            <a:pPr marL="482600" lvl="1" indent="0">
-              <a:buNone/>
-            </a:pPr>
-            <a:endParaRPr lang="en-US" sz="2400" dirty="0" smtClean="0"/>
-          </a:p>
-          <a:p>
-            <a:r>
-              <a:rPr lang="en-US" sz="2800" dirty="0" smtClean="0"/>
-              <a:t>Assert</a:t>
-            </a:r>
-          </a:p>
-          <a:p>
-            <a:pPr lvl="1"/>
-            <a:r>
-              <a:rPr lang="en-US" sz="2400" dirty="0" smtClean="0"/>
-              <a:t>Validate expected outcomes</a:t>
+              <a:rPr lang="en-US" sz="2500" dirty="0" smtClean="0"/>
+              <a:t>Clean up the code</a:t>
             </a:r>
           </a:p>
         </p:txBody>
@@ -15075,7 +15117,7 @@
     </p:spTree>
     <p:extLst>
       <p:ext uri="{BB962C8B-B14F-4D97-AF65-F5344CB8AC3E}">
-        <p14:creationId xmlns:p14="http://schemas.microsoft.com/office/powerpoint/2010/main" val="3370514230"/>
+        <p14:creationId xmlns:p14="http://schemas.microsoft.com/office/powerpoint/2010/main" val="1090105715"/>
       </p:ext>
     </p:extLst>
   </p:cSld>
@@ -15193,24 +15235,8 @@
           <a:lstStyle/>
           <a:p>
             <a:r>
-              <a:rPr lang="en-US" b="1" dirty="0" smtClean="0">
-                <a:solidFill>
-                  <a:srgbClr val="92D050"/>
-                </a:solidFill>
-              </a:rPr>
-              <a:t>SOLID</a:t>
-            </a:r>
-            <a:r>
-              <a:rPr lang="en-US" dirty="0" smtClean="0">
-                <a:solidFill>
-                  <a:srgbClr val="92D050"/>
-                </a:solidFill>
-              </a:rPr>
-              <a:t> </a:t>
-            </a:r>
-            <a:r>
               <a:rPr lang="en-US" dirty="0" smtClean="0"/>
-              <a:t>Principles of Software Development</a:t>
+              <a:t>Arrange – Act - Assert</a:t>
             </a:r>
             <a:endParaRPr lang="en-US" dirty="0">
               <a:solidFill>
@@ -15222,7 +15248,7 @@
       </p:sp>
       <p:sp>
         <p:nvSpPr>
-          <p:cNvPr id="6" name="Content Placeholder 4"/>
+          <p:cNvPr id="12" name="Content Placeholder 4"/>
           <p:cNvSpPr>
             <a:spLocks noGrp="1"/>
           </p:cNvSpPr>
@@ -15240,31 +15266,69 @@
           <a:bodyPr/>
           <a:lstStyle/>
           <a:p>
+            <a:r>
+              <a:rPr lang="en-US" sz="2800" dirty="0" smtClean="0"/>
+              <a:t>Arrange</a:t>
+            </a:r>
+          </a:p>
+          <a:p>
             <a:pPr lvl="1"/>
             <a:r>
-              <a:rPr lang="en-US" sz="2800" dirty="0"/>
-              <a:t>Collection of best-practice object-oriented design principles</a:t>
+              <a:rPr lang="en-US" sz="2400" dirty="0" smtClean="0"/>
+              <a:t>Set up mocks/stubs/fakes</a:t>
             </a:r>
           </a:p>
           <a:p>
             <a:pPr lvl="1"/>
             <a:r>
-              <a:rPr lang="en-US" sz="2800" dirty="0"/>
-              <a:t>Uncle Bob</a:t>
-            </a:r>
-          </a:p>
-          <a:p>
-            <a:pPr marL="0" indent="0">
+              <a:rPr lang="en-US" sz="2400" dirty="0" smtClean="0"/>
+              <a:t>Instantiate class under test</a:t>
+            </a:r>
+          </a:p>
+          <a:p>
+            <a:pPr marL="482600" lvl="1" indent="0">
               <a:buNone/>
             </a:pPr>
             <a:endParaRPr lang="en-US" sz="2400" dirty="0" smtClean="0"/>
+          </a:p>
+          <a:p>
+            <a:r>
+              <a:rPr lang="en-US" sz="2800" dirty="0" smtClean="0"/>
+              <a:t>Act</a:t>
+            </a:r>
+          </a:p>
+          <a:p>
+            <a:pPr lvl="1"/>
+            <a:r>
+              <a:rPr lang="en-US" sz="2400" dirty="0" smtClean="0"/>
+              <a:t>Call the method being tested</a:t>
+            </a:r>
+          </a:p>
+          <a:p>
+            <a:pPr marL="482600" lvl="1" indent="0">
+              <a:buNone/>
+            </a:pPr>
+            <a:endParaRPr lang="en-US" sz="2400" dirty="0" smtClean="0"/>
+          </a:p>
+          <a:p>
+            <a:r>
+              <a:rPr lang="en-US" sz="2800" dirty="0" smtClean="0"/>
+              <a:t>Assert</a:t>
+            </a:r>
+          </a:p>
+          <a:p>
+            <a:pPr lvl="1"/>
+            <a:r>
+              <a:rPr lang="en-US" sz="2400" dirty="0" smtClean="0"/>
+              <a:t>Validate expected outcomes</a:t>
+            </a:r>
           </a:p>
         </p:txBody>
       </p:sp>
     </p:spTree>
     <p:extLst>
       <p:ext uri="{BB962C8B-B14F-4D97-AF65-F5344CB8AC3E}">
-        <p14:creationId xmlns:p14="http://schemas.microsoft.com/office/powerpoint/2010/main" val="3294404260"/>
+        <p14:creationId xmlns:p14="http://schemas.microsoft.com/office/powerpoint/2010/main" val="3370514230"/>
       </p:ext>
     </p:extLst>
   </p:cSld>
@@ -15387,11 +15451,19 @@
                   <a:srgbClr val="92D050"/>
                 </a:solidFill>
               </a:rPr>
-              <a:t>S</a:t>
+              <a:t>SOLID</a:t>
+            </a:r>
+            <a:r>
+              <a:rPr lang="en-US" dirty="0" smtClean="0">
+                <a:solidFill>
+                  <a:srgbClr val="92D050"/>
+                </a:solidFill>
+              </a:rPr>
+              <a:t> </a:t>
             </a:r>
             <a:r>
               <a:rPr lang="en-US" dirty="0" smtClean="0"/>
-              <a:t>ingle Responsibility Principle</a:t>
+              <a:t>Principles of Software Development</a:t>
             </a:r>
             <a:endParaRPr lang="en-US" dirty="0">
               <a:solidFill>
@@ -15403,109 +15475,49 @@
       </p:sp>
       <p:sp>
         <p:nvSpPr>
-          <p:cNvPr id="2" name="Rectangle 1"/>
-          <p:cNvSpPr/>
-          <p:nvPr/>
+          <p:cNvPr id="6" name="Content Placeholder 4"/>
+          <p:cNvSpPr>
+            <a:spLocks noGrp="1"/>
+          </p:cNvSpPr>
+          <p:nvPr>
+            <p:ph idx="1"/>
+          </p:nvPr>
         </p:nvSpPr>
         <p:spPr>
           <a:xfrm>
-            <a:off x="740176" y="1544688"/>
-            <a:ext cx="7968818" cy="369332"/>
+            <a:off x="481013" y="1433514"/>
+            <a:ext cx="8761413" cy="4903787"/>
           </a:xfrm>
-          <a:prstGeom prst="rect">
-            <a:avLst/>
-          </a:prstGeom>
-        </p:spPr>
-        <p:txBody>
-          <a:bodyPr wrap="square">
-            <a:spAutoFit/>
-          </a:bodyPr>
-          <a:lstStyle/>
-          <a:p>
-            <a:pPr marL="742950" lvl="1" indent="-285750" algn="l">
-              <a:buFont typeface="Arial" pitchFamily="34" charset="0"/>
-              <a:buChar char="•"/>
-            </a:pPr>
-            <a:endParaRPr lang="en-US" dirty="0"/>
-          </a:p>
-        </p:txBody>
-      </p:sp>
-      <p:sp>
-        <p:nvSpPr>
-          <p:cNvPr id="3" name="Rectangle 2"/>
-          <p:cNvSpPr/>
-          <p:nvPr/>
-        </p:nvSpPr>
-        <p:spPr>
-          <a:xfrm>
-            <a:off x="882217" y="1544622"/>
-            <a:ext cx="7906675" cy="1477328"/>
-          </a:xfrm>
-          <a:prstGeom prst="rect">
-            <a:avLst/>
-          </a:prstGeom>
-        </p:spPr>
-        <p:txBody>
-          <a:bodyPr wrap="square">
-            <a:spAutoFit/>
-          </a:bodyPr>
-          <a:lstStyle/>
-          <a:p>
-            <a:pPr marL="742950" lvl="1" indent="-285750" algn="l">
-              <a:buFont typeface="Arial" pitchFamily="34" charset="0"/>
-              <a:buChar char="•"/>
-            </a:pPr>
-            <a:r>
-              <a:rPr lang="en-US" dirty="0"/>
-              <a:t>Should never be more than one reason for a class to change</a:t>
-            </a:r>
-          </a:p>
-          <a:p>
-            <a:pPr marL="742950" lvl="1" indent="-285750" algn="l">
-              <a:buFont typeface="Arial" pitchFamily="34" charset="0"/>
-              <a:buChar char="•"/>
-            </a:pPr>
-            <a:r>
-              <a:rPr lang="en-US" dirty="0"/>
-              <a:t>A class should have one and only one responsibility</a:t>
-            </a:r>
-          </a:p>
-          <a:p>
-            <a:pPr marL="742950" lvl="1" indent="-285750" algn="l">
-              <a:buFont typeface="Arial" pitchFamily="34" charset="0"/>
-              <a:buChar char="•"/>
-            </a:pPr>
-            <a:r>
-              <a:rPr lang="en-US" dirty="0"/>
-              <a:t>A method should have one and only responsibility</a:t>
-            </a:r>
-          </a:p>
-          <a:p>
-            <a:pPr marL="742950" lvl="1" indent="-285750" algn="l">
-              <a:buFont typeface="Arial" pitchFamily="34" charset="0"/>
-              <a:buChar char="•"/>
-            </a:pPr>
-            <a:r>
-              <a:rPr lang="en-US" dirty="0"/>
-              <a:t>“And” in method names</a:t>
-            </a:r>
-          </a:p>
-          <a:p>
-            <a:pPr marL="742950" lvl="1" indent="-285750" algn="l">
-              <a:buFont typeface="Arial" pitchFamily="34" charset="0"/>
-              <a:buChar char="•"/>
-            </a:pPr>
-            <a:r>
-              <a:rPr lang="en-US" dirty="0"/>
-              <a:t>Long methods</a:t>
-            </a:r>
+        </p:spPr>
+        <p:txBody>
+          <a:bodyPr/>
+          <a:lstStyle/>
+          <a:p>
+            <a:pPr lvl="1"/>
+            <a:r>
+              <a:rPr lang="en-US" sz="2800" dirty="0"/>
+              <a:t>Collection of best-practice object-oriented design principles</a:t>
+            </a:r>
+          </a:p>
+          <a:p>
+            <a:pPr lvl="1"/>
+            <a:r>
+              <a:rPr lang="en-US" sz="2800" dirty="0"/>
+              <a:t>Uncle Bob</a:t>
+            </a:r>
+          </a:p>
+          <a:p>
+            <a:pPr marL="0" indent="0">
+              <a:buNone/>
+            </a:pPr>
+            <a:endParaRPr lang="en-US" sz="2400" dirty="0" smtClean="0"/>
           </a:p>
         </p:txBody>
       </p:sp>
     </p:spTree>
     <p:extLst>
       <p:ext uri="{BB962C8B-B14F-4D97-AF65-F5344CB8AC3E}">
-        <p14:creationId xmlns:p14="http://schemas.microsoft.com/office/powerpoint/2010/main" val="386950556"/>
+        <p14:creationId xmlns:p14="http://schemas.microsoft.com/office/powerpoint/2010/main" val="3294404260"/>
       </p:ext>
     </p:extLst>
   </p:cSld>
@@ -15635,7 +15647,7 @@
     </p:spTree>
     <p:extLst>
       <p:ext uri="{BB962C8B-B14F-4D97-AF65-F5344CB8AC3E}">
-        <p14:creationId xmlns:p14="http://schemas.microsoft.com/office/powerpoint/2010/main" val="2897600664"/>
+        <p14:creationId xmlns:p14="http://schemas.microsoft.com/office/powerpoint/2010/main" val="2167223914"/>
       </p:ext>
     </p:extLst>
   </p:cSld>
@@ -15758,11 +15770,11 @@
                   <a:srgbClr val="92D050"/>
                 </a:solidFill>
               </a:rPr>
-              <a:t>O</a:t>
+              <a:t>S</a:t>
             </a:r>
             <a:r>
               <a:rPr lang="en-US" dirty="0" smtClean="0"/>
-              <a:t>pen Closed Principle</a:t>
+              <a:t>ingle Responsibility Principle</a:t>
             </a:r>
             <a:endParaRPr lang="en-US" dirty="0">
               <a:solidFill>
@@ -15774,14 +15786,14 @@
       </p:sp>
       <p:sp>
         <p:nvSpPr>
-          <p:cNvPr id="5" name="Rectangle 4"/>
+          <p:cNvPr id="2" name="Rectangle 1"/>
           <p:cNvSpPr/>
           <p:nvPr/>
         </p:nvSpPr>
         <p:spPr>
           <a:xfrm>
-            <a:off x="882217" y="1544622"/>
-            <a:ext cx="7906675" cy="923330"/>
+            <a:off x="740176" y="1544688"/>
+            <a:ext cx="7968818" cy="369332"/>
           </a:xfrm>
           <a:prstGeom prst="rect">
             <a:avLst/>
@@ -15797,11 +15809,30 @@
               <a:buFont typeface="Arial" pitchFamily="34" charset="0"/>
               <a:buChar char="•"/>
             </a:pPr>
-            <a:r>
-              <a:rPr lang="en-US" dirty="0"/>
-              <a:t>Classes should be open to extension and closed to modifications</a:t>
-            </a:r>
-          </a:p>
+            <a:endParaRPr lang="en-US" dirty="0"/>
+          </a:p>
+        </p:txBody>
+      </p:sp>
+      <p:sp>
+        <p:nvSpPr>
+          <p:cNvPr id="3" name="Rectangle 2"/>
+          <p:cNvSpPr/>
+          <p:nvPr/>
+        </p:nvSpPr>
+        <p:spPr>
+          <a:xfrm>
+            <a:off x="882217" y="1544622"/>
+            <a:ext cx="7906675" cy="1477328"/>
+          </a:xfrm>
+          <a:prstGeom prst="rect">
+            <a:avLst/>
+          </a:prstGeom>
+        </p:spPr>
+        <p:txBody>
+          <a:bodyPr wrap="square">
+            <a:spAutoFit/>
+          </a:bodyPr>
+          <a:lstStyle/>
           <a:p>
             <a:pPr marL="742950" lvl="1" indent="-285750" algn="l">
               <a:buFont typeface="Arial" pitchFamily="34" charset="0"/>
@@ -15809,7 +15840,7 @@
             </a:pPr>
             <a:r>
               <a:rPr lang="en-US" dirty="0"/>
-              <a:t>Public signatures are contracts – Don’t break them!</a:t>
+              <a:t>Should never be more than one reason for a class to change</a:t>
             </a:r>
           </a:p>
           <a:p>
@@ -15819,7 +15850,37 @@
             </a:pPr>
             <a:r>
               <a:rPr lang="en-US" dirty="0"/>
-              <a:t>Sealed classes are bad!</a:t>
+              <a:t>A class should have one and only one responsibility</a:t>
+            </a:r>
+          </a:p>
+          <a:p>
+            <a:pPr marL="742950" lvl="1" indent="-285750" algn="l">
+              <a:buFont typeface="Arial" pitchFamily="34" charset="0"/>
+              <a:buChar char="•"/>
+            </a:pPr>
+            <a:r>
+              <a:rPr lang="en-US" dirty="0"/>
+              <a:t>A method should have one and only responsibility</a:t>
+            </a:r>
+          </a:p>
+          <a:p>
+            <a:pPr marL="742950" lvl="1" indent="-285750" algn="l">
+              <a:buFont typeface="Arial" pitchFamily="34" charset="0"/>
+              <a:buChar char="•"/>
+            </a:pPr>
+            <a:r>
+              <a:rPr lang="en-US" dirty="0"/>
+              <a:t>“And” in method names</a:t>
+            </a:r>
+          </a:p>
+          <a:p>
+            <a:pPr marL="742950" lvl="1" indent="-285750" algn="l">
+              <a:buFont typeface="Arial" pitchFamily="34" charset="0"/>
+              <a:buChar char="•"/>
+            </a:pPr>
+            <a:r>
+              <a:rPr lang="en-US" dirty="0"/>
+              <a:t>Long methods</a:t>
             </a:r>
           </a:p>
         </p:txBody>
@@ -15945,20 +16006,16 @@
           <a:lstStyle/>
           <a:p>
             <a:r>
-              <a:rPr lang="en-US" b="1" dirty="0" err="1" smtClean="0">
+              <a:rPr lang="en-US" b="1" dirty="0" smtClean="0">
                 <a:solidFill>
                   <a:srgbClr val="92D050"/>
                 </a:solidFill>
               </a:rPr>
-              <a:t>L</a:t>
-            </a:r>
-            <a:r>
-              <a:rPr lang="en-US" dirty="0" err="1" smtClean="0"/>
-              <a:t>iskov</a:t>
+              <a:t>O</a:t>
             </a:r>
             <a:r>
               <a:rPr lang="en-US" dirty="0" smtClean="0"/>
-              <a:t> Substitution Principle</a:t>
+              <a:t>pen Closed Principle</a:t>
             </a:r>
             <a:endParaRPr lang="en-US" dirty="0">
               <a:solidFill>
@@ -15995,7 +16052,7 @@
             </a:pPr>
             <a:r>
               <a:rPr lang="en-US" dirty="0"/>
-              <a:t>References to base classes must be able to use derived classes without knowing it.</a:t>
+              <a:t>Classes should be open to extension and closed to modifications</a:t>
             </a:r>
           </a:p>
           <a:p>
@@ -16003,14 +16060,27 @@
               <a:buFont typeface="Arial" pitchFamily="34" charset="0"/>
               <a:buChar char="•"/>
             </a:pPr>
-            <a:endParaRPr lang="en-US" dirty="0"/>
+            <a:r>
+              <a:rPr lang="en-US" dirty="0"/>
+              <a:t>Public signatures are contracts – Don’t break them!</a:t>
+            </a:r>
+          </a:p>
+          <a:p>
+            <a:pPr marL="742950" lvl="1" indent="-285750" algn="l">
+              <a:buFont typeface="Arial" pitchFamily="34" charset="0"/>
+              <a:buChar char="•"/>
+            </a:pPr>
+            <a:r>
+              <a:rPr lang="en-US" dirty="0"/>
+              <a:t>Sealed classes are bad!</a:t>
+            </a:r>
           </a:p>
         </p:txBody>
       </p:sp>
     </p:spTree>
     <p:extLst>
       <p:ext uri="{BB962C8B-B14F-4D97-AF65-F5344CB8AC3E}">
-        <p14:creationId xmlns:p14="http://schemas.microsoft.com/office/powerpoint/2010/main" val="261820498"/>
+        <p14:creationId xmlns:p14="http://schemas.microsoft.com/office/powerpoint/2010/main" val="386950556"/>
       </p:ext>
     </p:extLst>
   </p:cSld>
@@ -16128,16 +16198,20 @@
           <a:lstStyle/>
           <a:p>
             <a:r>
-              <a:rPr lang="en-US" b="1" dirty="0" smtClean="0">
+              <a:rPr lang="en-US" b="1" dirty="0" err="1" smtClean="0">
                 <a:solidFill>
                   <a:srgbClr val="92D050"/>
                 </a:solidFill>
               </a:rPr>
-              <a:t>I</a:t>
+              <a:t>L</a:t>
+            </a:r>
+            <a:r>
+              <a:rPr lang="en-US" dirty="0" err="1" smtClean="0"/>
+              <a:t>iskov</a:t>
             </a:r>
             <a:r>
               <a:rPr lang="en-US" dirty="0" smtClean="0"/>
-              <a:t>nterface Segregation Principle</a:t>
+              <a:t> Substitution Principle</a:t>
             </a:r>
             <a:endParaRPr lang="en-US" dirty="0">
               <a:solidFill>
@@ -16174,7 +16248,7 @@
             </a:pPr>
             <a:r>
               <a:rPr lang="en-US" dirty="0"/>
-              <a:t>Interfaces should be fine grained</a:t>
+              <a:t>References to base classes must be able to use derived classes without knowing it.</a:t>
             </a:r>
           </a:p>
           <a:p>
@@ -16182,20 +16256,6 @@
               <a:buFont typeface="Arial" pitchFamily="34" charset="0"/>
               <a:buChar char="•"/>
             </a:pPr>
-            <a:r>
-              <a:rPr lang="en-US" dirty="0"/>
-              <a:t>Interfaces should be client specific</a:t>
-            </a:r>
-          </a:p>
-          <a:p>
-            <a:pPr marL="742950" lvl="1" indent="-285750" algn="l">
-              <a:buFont typeface="Arial" pitchFamily="34" charset="0"/>
-              <a:buChar char="•"/>
-            </a:pPr>
-            <a:r>
-              <a:rPr lang="en-US" dirty="0" smtClean="0"/>
-              <a:t>Don’t agree with fine grain</a:t>
-            </a:r>
             <a:endParaRPr lang="en-US" dirty="0"/>
           </a:p>
         </p:txBody>
@@ -16326,15 +16386,11 @@
                   <a:srgbClr val="92D050"/>
                 </a:solidFill>
               </a:rPr>
-              <a:t>D</a:t>
-            </a:r>
-            <a:r>
-              <a:rPr lang="en-US" dirty="0"/>
-              <a:t>e</a:t>
+              <a:t>I</a:t>
             </a:r>
             <a:r>
               <a:rPr lang="en-US" dirty="0" smtClean="0"/>
-              <a:t>pendency Inversion Principle</a:t>
+              <a:t>nterface Segregation Principle</a:t>
             </a:r>
             <a:endParaRPr lang="en-US" dirty="0">
               <a:solidFill>
@@ -16353,7 +16409,7 @@
         <p:spPr>
           <a:xfrm>
             <a:off x="882217" y="1544622"/>
-            <a:ext cx="7906675" cy="646331"/>
+            <a:ext cx="7906675" cy="923330"/>
           </a:xfrm>
           <a:prstGeom prst="rect">
             <a:avLst/>
@@ -16371,7 +16427,7 @@
             </a:pPr>
             <a:r>
               <a:rPr lang="en-US" dirty="0"/>
-              <a:t>Program to Interfaces not Concrete implementations</a:t>
+              <a:t>Interfaces should be fine grained</a:t>
             </a:r>
           </a:p>
           <a:p>
@@ -16381,24 +16437,19 @@
             </a:pPr>
             <a:r>
               <a:rPr lang="en-US" dirty="0"/>
-              <a:t>So when ‘</a:t>
-            </a:r>
-            <a:r>
-              <a:rPr lang="en-US" dirty="0" err="1"/>
-              <a:t>newing</a:t>
-            </a:r>
-            <a:r>
-              <a:rPr lang="en-US" dirty="0"/>
-              <a:t> up’ use </a:t>
-            </a:r>
-            <a:r>
-              <a:rPr lang="en-US" dirty="0" err="1"/>
-              <a:t>IFoo</a:t>
-            </a:r>
-            <a:r>
-              <a:rPr lang="en-US" dirty="0"/>
-              <a:t> and not Foo!</a:t>
-            </a:r>
+              <a:t>Interfaces should be client specific</a:t>
+            </a:r>
+          </a:p>
+          <a:p>
+            <a:pPr marL="742950" lvl="1" indent="-285750" algn="l">
+              <a:buFont typeface="Arial" pitchFamily="34" charset="0"/>
+              <a:buChar char="•"/>
+            </a:pPr>
+            <a:r>
+              <a:rPr lang="en-US" dirty="0" smtClean="0"/>
+              <a:t>Don’t agree with fine grain</a:t>
+            </a:r>
+            <a:endParaRPr lang="en-US" dirty="0"/>
           </a:p>
         </p:txBody>
       </p:sp>
@@ -16523,8 +16574,20 @@
           <a:lstStyle/>
           <a:p>
             <a:r>
+              <a:rPr lang="en-US" b="1" dirty="0" smtClean="0">
+                <a:solidFill>
+                  <a:srgbClr val="92D050"/>
+                </a:solidFill>
+              </a:rPr>
+              <a:t>D</a:t>
+            </a:r>
+            <a:r>
+              <a:rPr lang="en-US" dirty="0"/>
+              <a:t>e</a:t>
+            </a:r>
+            <a:r>
               <a:rPr lang="en-US" dirty="0" smtClean="0"/>
-              <a:t>Laying Out Your Solution For Unit Testing</a:t>
+              <a:t>pendency Inversion Principle</a:t>
             </a:r>
             <a:endParaRPr lang="en-US" dirty="0">
               <a:solidFill>
@@ -16536,39 +16599,58 @@
       </p:sp>
       <p:sp>
         <p:nvSpPr>
-          <p:cNvPr id="12" name="Content Placeholder 4"/>
-          <p:cNvSpPr>
-            <a:spLocks noGrp="1"/>
-          </p:cNvSpPr>
-          <p:nvPr>
-            <p:ph idx="1"/>
-          </p:nvPr>
+          <p:cNvPr id="5" name="Rectangle 4"/>
+          <p:cNvSpPr/>
+          <p:nvPr/>
         </p:nvSpPr>
         <p:spPr>
           <a:xfrm>
-            <a:off x="481013" y="1433515"/>
-            <a:ext cx="8761413" cy="4067399"/>
+            <a:off x="882217" y="1544622"/>
+            <a:ext cx="7906675" cy="646331"/>
           </a:xfrm>
-        </p:spPr>
-        <p:txBody>
-          <a:bodyPr/>
-          <a:lstStyle/>
-          <a:p>
-            <a:r>
-              <a:rPr lang="en-US" sz="2400" dirty="0" smtClean="0"/>
-              <a:t>Different types of tests should be isolated from other types to allow easily running a group of tests.</a:t>
-            </a:r>
-          </a:p>
-          <a:p>
-            <a:r>
-              <a:rPr lang="en-US" sz="2400" dirty="0" smtClean="0"/>
-              <a:t>Tests should be placed in projects named the same as the project they are testing with a prefix of the type of tests it contains.</a:t>
-            </a:r>
-          </a:p>
-          <a:p>
-            <a:r>
-              <a:rPr lang="en-US" sz="2400" dirty="0" smtClean="0"/>
-              <a:t>Tests should be isolated from actual application code</a:t>
+          <a:prstGeom prst="rect">
+            <a:avLst/>
+          </a:prstGeom>
+        </p:spPr>
+        <p:txBody>
+          <a:bodyPr wrap="square">
+            <a:spAutoFit/>
+          </a:bodyPr>
+          <a:lstStyle/>
+          <a:p>
+            <a:pPr marL="742950" lvl="1" indent="-285750" algn="l">
+              <a:buFont typeface="Arial" pitchFamily="34" charset="0"/>
+              <a:buChar char="•"/>
+            </a:pPr>
+            <a:r>
+              <a:rPr lang="en-US" dirty="0"/>
+              <a:t>Program to Interfaces not Concrete implementations</a:t>
+            </a:r>
+          </a:p>
+          <a:p>
+            <a:pPr marL="742950" lvl="1" indent="-285750" algn="l">
+              <a:buFont typeface="Arial" pitchFamily="34" charset="0"/>
+              <a:buChar char="•"/>
+            </a:pPr>
+            <a:r>
+              <a:rPr lang="en-US" dirty="0"/>
+              <a:t>So when ‘</a:t>
+            </a:r>
+            <a:r>
+              <a:rPr lang="en-US" dirty="0" err="1"/>
+              <a:t>newing</a:t>
+            </a:r>
+            <a:r>
+              <a:rPr lang="en-US" dirty="0"/>
+              <a:t> up’ use </a:t>
+            </a:r>
+            <a:r>
+              <a:rPr lang="en-US" dirty="0" err="1"/>
+              <a:t>IFoo</a:t>
+            </a:r>
+            <a:r>
+              <a:rPr lang="en-US" dirty="0"/>
+              <a:t> and not Foo!</a:t>
             </a:r>
           </a:p>
         </p:txBody>
@@ -16576,7 +16658,7 @@
     </p:spTree>
     <p:extLst>
       <p:ext uri="{BB962C8B-B14F-4D97-AF65-F5344CB8AC3E}">
-        <p14:creationId xmlns:p14="http://schemas.microsoft.com/office/powerpoint/2010/main" val="2290419320"/>
+        <p14:creationId xmlns:p14="http://schemas.microsoft.com/office/powerpoint/2010/main" val="261820498"/>
       </p:ext>
     </p:extLst>
   </p:cSld>
@@ -16695,14 +16777,7 @@
           <a:p>
             <a:r>
               <a:rPr lang="en-US" dirty="0" smtClean="0"/>
-              <a:t>Example Solution</a:t>
-            </a:r>
-            <a:br>
-              <a:rPr lang="en-US" dirty="0" smtClean="0"/>
-            </a:br>
-            <a:r>
-              <a:rPr lang="en-US" dirty="0" smtClean="0"/>
-              <a:t>Layout</a:t>
+              <a:t>Laying Out Your Solution For Unit Testing</a:t>
             </a:r>
             <a:endParaRPr lang="en-US" dirty="0">
               <a:solidFill>
@@ -16712,10 +16787,49 @@
           </a:p>
         </p:txBody>
       </p:sp>
+      <p:sp>
+        <p:nvSpPr>
+          <p:cNvPr id="12" name="Content Placeholder 4"/>
+          <p:cNvSpPr>
+            <a:spLocks noGrp="1"/>
+          </p:cNvSpPr>
+          <p:nvPr>
+            <p:ph idx="1"/>
+          </p:nvPr>
+        </p:nvSpPr>
+        <p:spPr>
+          <a:xfrm>
+            <a:off x="481013" y="1433515"/>
+            <a:ext cx="8761413" cy="4067399"/>
+          </a:xfrm>
+        </p:spPr>
+        <p:txBody>
+          <a:bodyPr/>
+          <a:lstStyle/>
+          <a:p>
+            <a:r>
+              <a:rPr lang="en-US" sz="2400" dirty="0" smtClean="0"/>
+              <a:t>Different types of tests should be isolated from other types to allow easily running a group of tests.</a:t>
+            </a:r>
+          </a:p>
+          <a:p>
+            <a:r>
+              <a:rPr lang="en-US" sz="2400" dirty="0" smtClean="0"/>
+              <a:t>Tests should be placed in projects named the same as the project they are testing with a prefix of the type of tests it contains.</a:t>
+            </a:r>
+          </a:p>
+          <a:p>
+            <a:r>
+              <a:rPr lang="en-US" sz="2400" dirty="0" smtClean="0"/>
+              <a:t>Tests should be isolated from actual application code</a:t>
+            </a:r>
+          </a:p>
+        </p:txBody>
+      </p:sp>
     </p:spTree>
     <p:extLst>
       <p:ext uri="{BB962C8B-B14F-4D97-AF65-F5344CB8AC3E}">
-        <p14:creationId xmlns:p14="http://schemas.microsoft.com/office/powerpoint/2010/main" val="2268143654"/>
+        <p14:creationId xmlns:p14="http://schemas.microsoft.com/office/powerpoint/2010/main" val="2290419320"/>
       </p:ext>
     </p:extLst>
   </p:cSld>
@@ -16834,7 +16948,14 @@
           <a:p>
             <a:r>
               <a:rPr lang="en-US" dirty="0" smtClean="0"/>
-              <a:t>Naming Your Tests</a:t>
+              <a:t>Example Solution</a:t>
+            </a:r>
+            <a:br>
+              <a:rPr lang="en-US" dirty="0" smtClean="0"/>
+            </a:br>
+            <a:r>
+              <a:rPr lang="en-US" dirty="0" smtClean="0"/>
+              <a:t>Layout</a:t>
             </a:r>
             <a:endParaRPr lang="en-US" dirty="0">
               <a:solidFill>
@@ -16844,49 +16965,10 @@
           </a:p>
         </p:txBody>
       </p:sp>
-      <p:sp>
-        <p:nvSpPr>
-          <p:cNvPr id="12" name="Content Placeholder 4"/>
-          <p:cNvSpPr>
-            <a:spLocks noGrp="1"/>
-          </p:cNvSpPr>
-          <p:nvPr>
-            <p:ph idx="1"/>
-          </p:nvPr>
-        </p:nvSpPr>
-        <p:spPr>
-          <a:xfrm>
-            <a:off x="481013" y="1433514"/>
-            <a:ext cx="8761413" cy="4903787"/>
-          </a:xfrm>
-        </p:spPr>
-        <p:txBody>
-          <a:bodyPr/>
-          <a:lstStyle/>
-          <a:p>
-            <a:r>
-              <a:rPr lang="en-US" sz="2800" dirty="0" smtClean="0"/>
-              <a:t>Be descriptive…very descriptive</a:t>
-            </a:r>
-          </a:p>
-          <a:p>
-            <a:r>
-              <a:rPr lang="en-US" sz="2800" dirty="0" smtClean="0"/>
-              <a:t>Long test names are encouraged</a:t>
-            </a:r>
-          </a:p>
-          <a:p>
-            <a:r>
-              <a:rPr lang="en-US" sz="2800" dirty="0" smtClean="0"/>
-              <a:t>Should be able to read a test name and know exactly what it does and more importantly why it would fail</a:t>
-            </a:r>
-          </a:p>
-        </p:txBody>
-      </p:sp>
     </p:spTree>
     <p:extLst>
       <p:ext uri="{BB962C8B-B14F-4D97-AF65-F5344CB8AC3E}">
-        <p14:creationId xmlns:p14="http://schemas.microsoft.com/office/powerpoint/2010/main" val="494705858"/>
+        <p14:creationId xmlns:p14="http://schemas.microsoft.com/office/powerpoint/2010/main" val="2268143654"/>
       </p:ext>
     </p:extLst>
   </p:cSld>
@@ -17005,7 +17087,7 @@
           <a:p>
             <a:r>
               <a:rPr lang="en-US" dirty="0" smtClean="0"/>
-              <a:t>How I Name My Tests</a:t>
+              <a:t>Naming Your Tests</a:t>
             </a:r>
             <a:endParaRPr lang="en-US" dirty="0">
               <a:solidFill>
@@ -17015,10 +17097,49 @@
           </a:p>
         </p:txBody>
       </p:sp>
+      <p:sp>
+        <p:nvSpPr>
+          <p:cNvPr id="12" name="Content Placeholder 4"/>
+          <p:cNvSpPr>
+            <a:spLocks noGrp="1"/>
+          </p:cNvSpPr>
+          <p:nvPr>
+            <p:ph idx="1"/>
+          </p:nvPr>
+        </p:nvSpPr>
+        <p:spPr>
+          <a:xfrm>
+            <a:off x="481013" y="1433514"/>
+            <a:ext cx="8761413" cy="4903787"/>
+          </a:xfrm>
+        </p:spPr>
+        <p:txBody>
+          <a:bodyPr/>
+          <a:lstStyle/>
+          <a:p>
+            <a:r>
+              <a:rPr lang="en-US" sz="2800" dirty="0" smtClean="0"/>
+              <a:t>Be descriptive…very descriptive</a:t>
+            </a:r>
+          </a:p>
+          <a:p>
+            <a:r>
+              <a:rPr lang="en-US" sz="2800" dirty="0" smtClean="0"/>
+              <a:t>Long test names are encouraged</a:t>
+            </a:r>
+          </a:p>
+          <a:p>
+            <a:r>
+              <a:rPr lang="en-US" sz="2800" dirty="0" smtClean="0"/>
+              <a:t>Should be able to read a test name and know exactly what it does and more importantly why it would fail</a:t>
+            </a:r>
+          </a:p>
+        </p:txBody>
+      </p:sp>
     </p:spTree>
     <p:extLst>
       <p:ext uri="{BB962C8B-B14F-4D97-AF65-F5344CB8AC3E}">
-        <p14:creationId xmlns:p14="http://schemas.microsoft.com/office/powerpoint/2010/main" val="637276581"/>
+        <p14:creationId xmlns:p14="http://schemas.microsoft.com/office/powerpoint/2010/main" val="494705858"/>
       </p:ext>
     </p:extLst>
   </p:cSld>
@@ -17136,12 +17257,8 @@
           <a:lstStyle/>
           <a:p>
             <a:r>
-              <a:rPr lang="en-US" dirty="0" err="1" smtClean="0"/>
-              <a:t>Resharper</a:t>
-            </a:r>
-            <a:r>
               <a:rPr lang="en-US" dirty="0" smtClean="0"/>
-              <a:t> Live Template for Naming Tests</a:t>
+              <a:t>How I Name My Tests</a:t>
             </a:r>
             <a:endParaRPr lang="en-US" dirty="0">
               <a:solidFill>
@@ -17151,46 +17268,10 @@
           </a:p>
         </p:txBody>
       </p:sp>
-      <p:sp>
-        <p:nvSpPr>
-          <p:cNvPr id="12" name="Content Placeholder 4"/>
-          <p:cNvSpPr>
-            <a:spLocks noGrp="1"/>
-          </p:cNvSpPr>
-          <p:nvPr>
-            <p:ph idx="1"/>
-          </p:nvPr>
-        </p:nvSpPr>
-        <p:spPr>
-          <a:xfrm>
-            <a:off x="481013" y="1433515"/>
-            <a:ext cx="8761413" cy="1716085"/>
-          </a:xfrm>
-        </p:spPr>
-        <p:txBody>
-          <a:bodyPr/>
-          <a:lstStyle/>
-          <a:p>
-            <a:r>
-              <a:rPr lang="en-US" sz="2400" dirty="0" err="1" smtClean="0"/>
-              <a:t>Rehsarper</a:t>
-            </a:r>
-            <a:r>
-              <a:rPr lang="en-US" sz="2400" dirty="0" smtClean="0"/>
-              <a:t> Live Templates are similar to code </a:t>
-            </a:r>
-            <a:r>
-              <a:rPr lang="en-US" sz="2400" dirty="0" smtClean="0"/>
-              <a:t>snippets</a:t>
-            </a:r>
-            <a:endParaRPr lang="en-US" sz="2400" dirty="0" smtClean="0"/>
-          </a:p>
-        </p:txBody>
-      </p:sp>
     </p:spTree>
     <p:extLst>
       <p:ext uri="{BB962C8B-B14F-4D97-AF65-F5344CB8AC3E}">
-        <p14:creationId xmlns:p14="http://schemas.microsoft.com/office/powerpoint/2010/main" val="789987991"/>
+        <p14:creationId xmlns:p14="http://schemas.microsoft.com/office/powerpoint/2010/main" val="637276581"/>
       </p:ext>
     </p:extLst>
   </p:cSld>
@@ -17308,8 +17389,12 @@
           <a:lstStyle/>
           <a:p>
             <a:r>
+              <a:rPr lang="en-US" dirty="0" err="1" smtClean="0"/>
+              <a:t>Resharper</a:t>
+            </a:r>
+            <a:r>
               <a:rPr lang="en-US" dirty="0" smtClean="0"/>
-              <a:t>Let’s Write Our First Unit Test - Together!</a:t>
+              <a:t> Live Template for Naming Tests</a:t>
             </a:r>
             <a:endParaRPr lang="en-US" dirty="0">
               <a:solidFill>
@@ -17321,236 +17406,31 @@
       </p:sp>
       <p:sp>
         <p:nvSpPr>
-          <p:cNvPr id="3" name="Rectangle 2"/>
-          <p:cNvSpPr/>
-          <p:nvPr/>
+          <p:cNvPr id="12" name="Content Placeholder 4"/>
+          <p:cNvSpPr>
+            <a:spLocks noGrp="1"/>
+          </p:cNvSpPr>
+          <p:nvPr>
+            <p:ph idx="1"/>
+          </p:nvPr>
         </p:nvSpPr>
         <p:spPr>
           <a:xfrm>
-            <a:off x="798990" y="1542741"/>
-            <a:ext cx="8247356" cy="4185761"/>
+            <a:off x="481013" y="1433515"/>
+            <a:ext cx="8761413" cy="1716085"/>
           </a:xfrm>
-          <a:prstGeom prst="rect">
-            <a:avLst/>
-          </a:prstGeom>
-        </p:spPr>
-        <p:txBody>
-          <a:bodyPr wrap="square">
-            <a:spAutoFit/>
-          </a:bodyPr>
-          <a:lstStyle/>
-          <a:p>
-            <a:pPr marL="742950" lvl="1" indent="-285750" algn="l">
-              <a:buFont typeface="Arial" pitchFamily="34" charset="0"/>
-              <a:buChar char="•"/>
-            </a:pPr>
-            <a:r>
-              <a:rPr lang="en-US" sz="1400" dirty="0" smtClean="0"/>
-              <a:t>Our </a:t>
-            </a:r>
-            <a:r>
-              <a:rPr lang="en-US" sz="1400" dirty="0"/>
-              <a:t>contrived example is a simple calculator with an Add method </a:t>
-            </a:r>
-          </a:p>
-          <a:p>
-            <a:pPr marL="742950" lvl="1" indent="-285750" algn="l">
-              <a:buFont typeface="Arial" pitchFamily="34" charset="0"/>
-              <a:buChar char="•"/>
-            </a:pPr>
-            <a:r>
-              <a:rPr lang="en-US" sz="1400" dirty="0"/>
-              <a:t>Must accept to 2 decimals, and return a decimal</a:t>
-            </a:r>
-          </a:p>
-          <a:p>
-            <a:pPr marL="1200150" lvl="2" indent="-285750" algn="l">
-              <a:buFont typeface="Arial" pitchFamily="34" charset="0"/>
-              <a:buChar char="•"/>
-            </a:pPr>
-            <a:r>
-              <a:rPr lang="en-US" sz="1400" dirty="0"/>
-              <a:t>Accepting input parameters is something I </a:t>
-            </a:r>
-            <a:r>
-              <a:rPr lang="en-US" sz="1400" dirty="0" smtClean="0"/>
-              <a:t>personally DO NOT </a:t>
-            </a:r>
-            <a:r>
-              <a:rPr lang="en-US" sz="1400" dirty="0"/>
-              <a:t>test as it is set by method signature and causes a compiler error if there are conflicts</a:t>
-            </a:r>
-          </a:p>
-          <a:p>
-            <a:pPr marL="1200150" lvl="2" indent="-285750" algn="l">
-              <a:buFont typeface="Arial" pitchFamily="34" charset="0"/>
-              <a:buChar char="•"/>
-            </a:pPr>
-            <a:r>
-              <a:rPr lang="en-US" sz="1400" dirty="0"/>
-              <a:t>I do test that the output is what I expect because of the incorrect usage of VAR!  </a:t>
-            </a:r>
-            <a:endParaRPr lang="en-US" sz="1400" dirty="0" smtClean="0"/>
-          </a:p>
-          <a:p>
-            <a:pPr marL="1657350" lvl="3" indent="-285750" algn="l">
-              <a:buFont typeface="Arial" pitchFamily="34" charset="0"/>
-              <a:buChar char="•"/>
-            </a:pPr>
-            <a:r>
-              <a:rPr lang="en-US" sz="1400" dirty="0" smtClean="0"/>
-              <a:t>VAR </a:t>
-            </a:r>
-            <a:r>
-              <a:rPr lang="en-US" sz="1400" dirty="0"/>
-              <a:t>IS BAD</a:t>
-            </a:r>
-          </a:p>
-          <a:p>
-            <a:pPr marL="742950" lvl="1" indent="-285750" algn="l">
-              <a:buFont typeface="Arial" pitchFamily="34" charset="0"/>
-              <a:buChar char="•"/>
-            </a:pPr>
-            <a:r>
-              <a:rPr lang="en-US" sz="1400" dirty="0"/>
-              <a:t>Write a test to make sure return value is a decimal</a:t>
-            </a:r>
-          </a:p>
-          <a:p>
-            <a:pPr marL="1200150" lvl="2" indent="-285750" algn="l">
-              <a:buFont typeface="Arial" pitchFamily="34" charset="0"/>
-              <a:buChar char="•"/>
-            </a:pPr>
-            <a:r>
-              <a:rPr lang="en-US" sz="1400" dirty="0"/>
-              <a:t>Write test with standard assert </a:t>
-            </a:r>
-          </a:p>
-          <a:p>
-            <a:pPr marL="1657350" lvl="3" indent="-285750" algn="l">
-              <a:buFont typeface="Arial" pitchFamily="34" charset="0"/>
-              <a:buChar char="•"/>
-            </a:pPr>
-            <a:r>
-              <a:rPr lang="en-US" sz="1400" dirty="0"/>
-              <a:t>Talk about readability</a:t>
-            </a:r>
-          </a:p>
-          <a:p>
-            <a:pPr marL="1657350" lvl="3" indent="-285750" algn="l">
-              <a:buFont typeface="Arial" pitchFamily="34" charset="0"/>
-              <a:buChar char="•"/>
-            </a:pPr>
-            <a:r>
-              <a:rPr lang="en-US" sz="1400" dirty="0"/>
-              <a:t>Talk about </a:t>
-            </a:r>
-            <a:r>
-              <a:rPr lang="en-US" sz="1400" dirty="0" smtClean="0"/>
-              <a:t>NuGet</a:t>
-            </a:r>
-          </a:p>
-          <a:p>
-            <a:pPr marL="1657350" lvl="3" indent="-285750" algn="l">
-              <a:buFont typeface="Arial" pitchFamily="34" charset="0"/>
-              <a:buChar char="•"/>
-            </a:pPr>
-            <a:r>
-              <a:rPr lang="en-US" sz="1400" dirty="0" smtClean="0"/>
-              <a:t>Install Should</a:t>
-            </a:r>
-          </a:p>
-          <a:p>
-            <a:pPr marL="2114550" lvl="4" indent="-285750" algn="l">
-              <a:buFont typeface="Arial" pitchFamily="34" charset="0"/>
-              <a:buChar char="•"/>
-            </a:pPr>
-            <a:r>
-              <a:rPr lang="en-US" sz="1400" dirty="0" smtClean="0"/>
-              <a:t>Add using</a:t>
-            </a:r>
-          </a:p>
-          <a:p>
-            <a:pPr marL="2114550" lvl="4" indent="-285750" algn="l">
-              <a:buFont typeface="Arial" pitchFamily="34" charset="0"/>
-              <a:buChar char="•"/>
-            </a:pPr>
-            <a:r>
-              <a:rPr lang="en-US" sz="1400" dirty="0" smtClean="0"/>
-              <a:t>Re-code test to use .</a:t>
-            </a:r>
-            <a:r>
-              <a:rPr lang="en-US" sz="1400" dirty="0" err="1" smtClean="0"/>
-              <a:t>ShouldBeType</a:t>
-            </a:r>
-            <a:endParaRPr lang="en-US" sz="1400" dirty="0"/>
-          </a:p>
-          <a:p>
-            <a:pPr marL="1200150" lvl="2" indent="-285750" algn="l">
-              <a:buFont typeface="Arial" pitchFamily="34" charset="0"/>
-              <a:buChar char="•"/>
-            </a:pPr>
-            <a:r>
-              <a:rPr lang="en-US" sz="1400" dirty="0"/>
-              <a:t>Write test to use Should...explain Should</a:t>
-            </a:r>
-          </a:p>
-          <a:p>
-            <a:pPr marL="1200150" lvl="2" indent="-285750" algn="l">
-              <a:buFont typeface="Arial" pitchFamily="34" charset="0"/>
-              <a:buChar char="•"/>
-            </a:pPr>
-            <a:r>
-              <a:rPr lang="en-US" sz="1400" dirty="0"/>
-              <a:t>Run test [RED]</a:t>
-            </a:r>
-          </a:p>
-          <a:p>
-            <a:pPr marL="1200150" lvl="2" indent="-285750" algn="l">
-              <a:buFont typeface="Arial" pitchFamily="34" charset="0"/>
-              <a:buChar char="•"/>
-            </a:pPr>
-            <a:r>
-              <a:rPr lang="en-US" sz="1400" dirty="0"/>
-              <a:t>Fix It [GREEN]</a:t>
-            </a:r>
-          </a:p>
-          <a:p>
-            <a:pPr marL="1657350" lvl="3" indent="-285750" algn="l">
-              <a:buFont typeface="Arial" pitchFamily="34" charset="0"/>
-              <a:buChar char="•"/>
-            </a:pPr>
-            <a:r>
-              <a:rPr lang="en-US" sz="1400" dirty="0"/>
-              <a:t>return 0;</a:t>
-            </a:r>
-          </a:p>
-          <a:p>
-            <a:pPr marL="1200150" lvl="2" indent="-285750" algn="l">
-              <a:buFont typeface="Arial" pitchFamily="34" charset="0"/>
-              <a:buChar char="•"/>
-            </a:pPr>
-            <a:r>
-              <a:rPr lang="en-US" sz="1400" dirty="0"/>
-              <a:t>Refactor</a:t>
-            </a:r>
-          </a:p>
-          <a:p>
-            <a:pPr marL="1657350" lvl="3" indent="-285750" algn="l">
-              <a:buFont typeface="Arial" pitchFamily="34" charset="0"/>
-              <a:buChar char="•"/>
-            </a:pPr>
-            <a:r>
-              <a:rPr lang="en-US" sz="1400" dirty="0"/>
-              <a:t>Declare decimal </a:t>
-            </a:r>
-            <a:r>
-              <a:rPr lang="en-US" sz="1400" dirty="0" err="1"/>
-              <a:t>calculatedResult</a:t>
-            </a:r>
-            <a:r>
-              <a:rPr lang="en-US" sz="1400" dirty="0"/>
-              <a:t> and return it</a:t>
+        </p:spPr>
+        <p:txBody>
+          <a:bodyPr/>
+          <a:lstStyle/>
+          <a:p>
+            <a:r>
+              <a:rPr lang="en-US" sz="2400" dirty="0" err="1" smtClean="0"/>
+              <a:t>Rehsarper</a:t>
+            </a:r>
+            <a:r>
+              <a:rPr lang="en-US" sz="2400" dirty="0" smtClean="0"/>
+              <a:t> Live Templates are similar to code snippets</a:t>
             </a:r>
           </a:p>
         </p:txBody>
@@ -17558,7 +17438,7 @@
     </p:spTree>
     <p:extLst>
       <p:ext uri="{BB962C8B-B14F-4D97-AF65-F5344CB8AC3E}">
-        <p14:creationId xmlns:p14="http://schemas.microsoft.com/office/powerpoint/2010/main" val="667607592"/>
+        <p14:creationId xmlns:p14="http://schemas.microsoft.com/office/powerpoint/2010/main" val="789987991"/>
       </p:ext>
     </p:extLst>
   </p:cSld>
@@ -17719,8 +17599,39 @@
           <a:p>
             <a:r>
               <a:rPr lang="en-US" sz="2400" dirty="0" smtClean="0"/>
-              <a:t>My goal is show you that with out a doubt you should be and to arm you with knowledge to do the same for others</a:t>
-            </a:r>
+              <a:t>My goal is </a:t>
+            </a:r>
+            <a:endParaRPr lang="en-US" sz="2400" dirty="0" smtClean="0"/>
+          </a:p>
+          <a:p>
+            <a:pPr lvl="1"/>
+            <a:r>
+              <a:rPr lang="en-US" sz="2100" dirty="0" smtClean="0"/>
+              <a:t>show </a:t>
+            </a:r>
+            <a:r>
+              <a:rPr lang="en-US" sz="2100" dirty="0" smtClean="0"/>
+              <a:t>you that with out a doubt you should </a:t>
+            </a:r>
+            <a:r>
+              <a:rPr lang="en-US" sz="2100" dirty="0" smtClean="0"/>
+              <a:t>be doing TDD</a:t>
+            </a:r>
+          </a:p>
+          <a:p>
+            <a:pPr lvl="1"/>
+            <a:r>
+              <a:rPr lang="en-US" sz="2100" dirty="0" smtClean="0"/>
+              <a:t>And once I have brain-washed, err, convinced you</a:t>
+            </a:r>
+          </a:p>
+          <a:p>
+            <a:pPr lvl="2"/>
+            <a:r>
+              <a:rPr lang="en-US" sz="1600" dirty="0" smtClean="0"/>
+              <a:t>Arm you with the knowledge to spread the word</a:t>
+            </a:r>
+            <a:endParaRPr lang="en-US" sz="1600" dirty="0" smtClean="0"/>
           </a:p>
         </p:txBody>
       </p:sp>
@@ -17846,7 +17757,7 @@
           <a:p>
             <a:r>
               <a:rPr lang="en-US" dirty="0" smtClean="0"/>
-              <a:t>Dependency Injection (DI)</a:t>
+              <a:t>Let’s Write Our First Unit Test - Together!</a:t>
             </a:r>
             <a:endParaRPr lang="en-US" dirty="0">
               <a:solidFill>
@@ -17858,14 +17769,14 @@
       </p:sp>
       <p:sp>
         <p:nvSpPr>
-          <p:cNvPr id="2" name="Rectangle 1"/>
+          <p:cNvPr id="3" name="Rectangle 2"/>
           <p:cNvSpPr/>
           <p:nvPr/>
         </p:nvSpPr>
         <p:spPr>
           <a:xfrm>
-            <a:off x="979873" y="1500261"/>
-            <a:ext cx="7986574" cy="1754326"/>
+            <a:off x="798990" y="1542741"/>
+            <a:ext cx="8247356" cy="4185761"/>
           </a:xfrm>
           <a:prstGeom prst="rect">
             <a:avLst/>
@@ -17882,8 +17793,12 @@
               <a:buChar char="•"/>
             </a:pPr>
             <a:r>
-              <a:rPr lang="en-US" dirty="0"/>
-              <a:t>The act of “injecting” the dependency’s a class needs.</a:t>
+              <a:rPr lang="en-US" sz="1400" dirty="0" smtClean="0"/>
+              <a:t>Our </a:t>
+            </a:r>
+            <a:r>
+              <a:rPr lang="en-US" sz="1400" dirty="0"/>
+              <a:t>contrived example is a simple calculator with an Add method </a:t>
             </a:r>
           </a:p>
           <a:p>
@@ -17892,8 +17807,8 @@
               <a:buChar char="•"/>
             </a:pPr>
             <a:r>
-              <a:rPr lang="en-US" dirty="0"/>
-              <a:t>3 types</a:t>
+              <a:rPr lang="en-US" sz="1400" dirty="0"/>
+              <a:t>Must accept to 2 decimals, and return a decimal</a:t>
             </a:r>
           </a:p>
           <a:p>
@@ -17902,8 +17817,16 @@
               <a:buChar char="•"/>
             </a:pPr>
             <a:r>
-              <a:rPr lang="en-US" dirty="0"/>
-              <a:t>Constructor</a:t>
+              <a:rPr lang="en-US" sz="1400" dirty="0"/>
+              <a:t>Accepting input parameters is something I </a:t>
+            </a:r>
+            <a:r>
+              <a:rPr lang="en-US" sz="1400" dirty="0" smtClean="0"/>
+              <a:t>personally DO NOT </a:t>
+            </a:r>
+            <a:r>
+              <a:rPr lang="en-US" sz="1400" dirty="0"/>
+              <a:t>test as it is set by method signature and causes a compiler error if there are conflicts</a:t>
             </a:r>
           </a:p>
           <a:p>
@@ -17912,8 +17835,33 @@
               <a:buChar char="•"/>
             </a:pPr>
             <a:r>
-              <a:rPr lang="en-US" dirty="0"/>
-              <a:t>Property</a:t>
+              <a:rPr lang="en-US" sz="1400" dirty="0"/>
+              <a:t>I do test that the output is what I expect because of the incorrect usage of VAR!  </a:t>
+            </a:r>
+            <a:endParaRPr lang="en-US" sz="1400" dirty="0" smtClean="0"/>
+          </a:p>
+          <a:p>
+            <a:pPr marL="1657350" lvl="3" indent="-285750" algn="l">
+              <a:buFont typeface="Arial" pitchFamily="34" charset="0"/>
+              <a:buChar char="•"/>
+            </a:pPr>
+            <a:r>
+              <a:rPr lang="en-US" sz="1400" dirty="0" smtClean="0"/>
+              <a:t>VAR </a:t>
+            </a:r>
+            <a:r>
+              <a:rPr lang="en-US" sz="1400" dirty="0"/>
+              <a:t>IS BAD</a:t>
+            </a:r>
+          </a:p>
+          <a:p>
+            <a:pPr marL="742950" lvl="1" indent="-285750" algn="l">
+              <a:buFont typeface="Arial" pitchFamily="34" charset="0"/>
+              <a:buChar char="•"/>
+            </a:pPr>
+            <a:r>
+              <a:rPr lang="en-US" sz="1400" dirty="0"/>
+              <a:t>Write a test to make sure return value is a decimal</a:t>
             </a:r>
           </a:p>
           <a:p>
@@ -17922,8 +17870,135 @@
               <a:buChar char="•"/>
             </a:pPr>
             <a:r>
-              <a:rPr lang="en-US" dirty="0"/>
-              <a:t>Interface (really used along with constructor and property, passing in interfaces)</a:t>
+              <a:rPr lang="en-US" sz="1400" dirty="0"/>
+              <a:t>Write test with standard assert </a:t>
+            </a:r>
+          </a:p>
+          <a:p>
+            <a:pPr marL="1657350" lvl="3" indent="-285750" algn="l">
+              <a:buFont typeface="Arial" pitchFamily="34" charset="0"/>
+              <a:buChar char="•"/>
+            </a:pPr>
+            <a:r>
+              <a:rPr lang="en-US" sz="1400" dirty="0"/>
+              <a:t>Talk about readability</a:t>
+            </a:r>
+          </a:p>
+          <a:p>
+            <a:pPr marL="1657350" lvl="3" indent="-285750" algn="l">
+              <a:buFont typeface="Arial" pitchFamily="34" charset="0"/>
+              <a:buChar char="•"/>
+            </a:pPr>
+            <a:r>
+              <a:rPr lang="en-US" sz="1400" dirty="0"/>
+              <a:t>Talk about </a:t>
+            </a:r>
+            <a:r>
+              <a:rPr lang="en-US" sz="1400" dirty="0" smtClean="0"/>
+              <a:t>NuGet</a:t>
+            </a:r>
+          </a:p>
+          <a:p>
+            <a:pPr marL="1657350" lvl="3" indent="-285750" algn="l">
+              <a:buFont typeface="Arial" pitchFamily="34" charset="0"/>
+              <a:buChar char="•"/>
+            </a:pPr>
+            <a:r>
+              <a:rPr lang="en-US" sz="1400" dirty="0" smtClean="0"/>
+              <a:t>Install Should</a:t>
+            </a:r>
+          </a:p>
+          <a:p>
+            <a:pPr marL="2114550" lvl="4" indent="-285750" algn="l">
+              <a:buFont typeface="Arial" pitchFamily="34" charset="0"/>
+              <a:buChar char="•"/>
+            </a:pPr>
+            <a:r>
+              <a:rPr lang="en-US" sz="1400" dirty="0" smtClean="0"/>
+              <a:t>Add using</a:t>
+            </a:r>
+          </a:p>
+          <a:p>
+            <a:pPr marL="2114550" lvl="4" indent="-285750" algn="l">
+              <a:buFont typeface="Arial" pitchFamily="34" charset="0"/>
+              <a:buChar char="•"/>
+            </a:pPr>
+            <a:r>
+              <a:rPr lang="en-US" sz="1400" dirty="0" smtClean="0"/>
+              <a:t>Re-code test to use .</a:t>
+            </a:r>
+            <a:r>
+              <a:rPr lang="en-US" sz="1400" dirty="0" err="1" smtClean="0"/>
+              <a:t>ShouldBeType</a:t>
+            </a:r>
+            <a:endParaRPr lang="en-US" sz="1400" dirty="0"/>
+          </a:p>
+          <a:p>
+            <a:pPr marL="1200150" lvl="2" indent="-285750" algn="l">
+              <a:buFont typeface="Arial" pitchFamily="34" charset="0"/>
+              <a:buChar char="•"/>
+            </a:pPr>
+            <a:r>
+              <a:rPr lang="en-US" sz="1400" dirty="0"/>
+              <a:t>Write test to use Should...explain Should</a:t>
+            </a:r>
+          </a:p>
+          <a:p>
+            <a:pPr marL="1200150" lvl="2" indent="-285750" algn="l">
+              <a:buFont typeface="Arial" pitchFamily="34" charset="0"/>
+              <a:buChar char="•"/>
+            </a:pPr>
+            <a:r>
+              <a:rPr lang="en-US" sz="1400" dirty="0"/>
+              <a:t>Run test [RED]</a:t>
+            </a:r>
+          </a:p>
+          <a:p>
+            <a:pPr marL="1200150" lvl="2" indent="-285750" algn="l">
+              <a:buFont typeface="Arial" pitchFamily="34" charset="0"/>
+              <a:buChar char="•"/>
+            </a:pPr>
+            <a:r>
+              <a:rPr lang="en-US" sz="1400" dirty="0"/>
+              <a:t>Fix It [GREEN]</a:t>
+            </a:r>
+          </a:p>
+          <a:p>
+            <a:pPr marL="1657350" lvl="3" indent="-285750" algn="l">
+              <a:buFont typeface="Arial" pitchFamily="34" charset="0"/>
+              <a:buChar char="•"/>
+            </a:pPr>
+            <a:r>
+              <a:rPr lang="en-US" sz="1400" dirty="0"/>
+              <a:t>return 0;</a:t>
+            </a:r>
+          </a:p>
+          <a:p>
+            <a:pPr marL="1200150" lvl="2" indent="-285750" algn="l">
+              <a:buFont typeface="Arial" pitchFamily="34" charset="0"/>
+              <a:buChar char="•"/>
+            </a:pPr>
+            <a:r>
+              <a:rPr lang="en-US" sz="1400" dirty="0"/>
+              <a:t>Refactor</a:t>
+            </a:r>
+          </a:p>
+          <a:p>
+            <a:pPr marL="1657350" lvl="3" indent="-285750" algn="l">
+              <a:buFont typeface="Arial" pitchFamily="34" charset="0"/>
+              <a:buChar char="•"/>
+            </a:pPr>
+            <a:r>
+              <a:rPr lang="en-US" sz="1400" dirty="0"/>
+              <a:t>Declare decimal </a:t>
+            </a:r>
+            <a:r>
+              <a:rPr lang="en-US" sz="1400" dirty="0" err="1"/>
+              <a:t>calculatedResult</a:t>
+            </a:r>
+            <a:r>
+              <a:rPr lang="en-US" sz="1400" dirty="0"/>
+              <a:t> and return it</a:t>
             </a:r>
           </a:p>
         </p:txBody>
@@ -17931,7 +18006,7 @@
     </p:spTree>
     <p:extLst>
       <p:ext uri="{BB962C8B-B14F-4D97-AF65-F5344CB8AC3E}">
-        <p14:creationId xmlns:p14="http://schemas.microsoft.com/office/powerpoint/2010/main" val="3685719863"/>
+        <p14:creationId xmlns:p14="http://schemas.microsoft.com/office/powerpoint/2010/main" val="667607592"/>
       </p:ext>
     </p:extLst>
   </p:cSld>
@@ -18050,15 +18125,7 @@
           <a:p>
             <a:r>
               <a:rPr lang="en-US" dirty="0" smtClean="0"/>
-              <a:t>Inversion of Control (</a:t>
-            </a:r>
-            <a:r>
-              <a:rPr lang="en-US" dirty="0" err="1" smtClean="0"/>
-              <a:t>IoC</a:t>
-            </a:r>
-            <a:r>
-              <a:rPr lang="en-US" dirty="0" smtClean="0"/>
-              <a:t>)</a:t>
+              <a:t>Dependency Injection (DI)</a:t>
             </a:r>
             <a:endParaRPr lang="en-US" dirty="0">
               <a:solidFill>
@@ -18076,8 +18143,8 @@
         </p:nvSpPr>
         <p:spPr>
           <a:xfrm>
-            <a:off x="891096" y="1596164"/>
-            <a:ext cx="8030962" cy="923330"/>
+            <a:off x="979873" y="1500261"/>
+            <a:ext cx="7986574" cy="1754326"/>
           </a:xfrm>
           <a:prstGeom prst="rect">
             <a:avLst/>
@@ -18095,7 +18162,7 @@
             </a:pPr>
             <a:r>
               <a:rPr lang="en-US" dirty="0"/>
-              <a:t>Class doesn’t go out and instantiate/”new up” its dependency’s…it is given them</a:t>
+              <a:t>The act of “injecting” the dependency’s a class needs.</a:t>
             </a:r>
           </a:p>
           <a:p>
@@ -18105,7 +18172,37 @@
             </a:pPr>
             <a:r>
               <a:rPr lang="en-US" dirty="0"/>
-              <a:t>All it knows is the method signatures it needs</a:t>
+              <a:t>3 types</a:t>
+            </a:r>
+          </a:p>
+          <a:p>
+            <a:pPr marL="1200150" lvl="2" indent="-285750" algn="l">
+              <a:buFont typeface="Arial" pitchFamily="34" charset="0"/>
+              <a:buChar char="•"/>
+            </a:pPr>
+            <a:r>
+              <a:rPr lang="en-US" dirty="0"/>
+              <a:t>Constructor</a:t>
+            </a:r>
+          </a:p>
+          <a:p>
+            <a:pPr marL="1200150" lvl="2" indent="-285750" algn="l">
+              <a:buFont typeface="Arial" pitchFamily="34" charset="0"/>
+              <a:buChar char="•"/>
+            </a:pPr>
+            <a:r>
+              <a:rPr lang="en-US" dirty="0"/>
+              <a:t>Property</a:t>
+            </a:r>
+          </a:p>
+          <a:p>
+            <a:pPr marL="1200150" lvl="2" indent="-285750" algn="l">
+              <a:buFont typeface="Arial" pitchFamily="34" charset="0"/>
+              <a:buChar char="•"/>
+            </a:pPr>
+            <a:r>
+              <a:rPr lang="en-US" dirty="0"/>
+              <a:t>Interface (really used along with constructor and property, passing in interfaces)</a:t>
             </a:r>
           </a:p>
         </p:txBody>
@@ -18113,7 +18210,7 @@
     </p:spTree>
     <p:extLst>
       <p:ext uri="{BB962C8B-B14F-4D97-AF65-F5344CB8AC3E}">
-        <p14:creationId xmlns:p14="http://schemas.microsoft.com/office/powerpoint/2010/main" val="3462842801"/>
+        <p14:creationId xmlns:p14="http://schemas.microsoft.com/office/powerpoint/2010/main" val="3685719863"/>
       </p:ext>
     </p:extLst>
   </p:cSld>
@@ -18232,11 +18329,15 @@
           <a:p>
             <a:r>
               <a:rPr lang="en-US" dirty="0" smtClean="0"/>
-              <a:t>Non-programming Example of </a:t>
+              <a:t>Inversion of Control (</a:t>
             </a:r>
             <a:r>
               <a:rPr lang="en-US" dirty="0" err="1" smtClean="0"/>
               <a:t>IoC</a:t>
+            </a:r>
+            <a:r>
+              <a:rPr lang="en-US" dirty="0" smtClean="0"/>
+              <a:t>)</a:t>
             </a:r>
             <a:endParaRPr lang="en-US" dirty="0">
               <a:solidFill>
@@ -18248,14 +18349,14 @@
       </p:sp>
       <p:sp>
         <p:nvSpPr>
-          <p:cNvPr id="3" name="Rectangle 2"/>
+          <p:cNvPr id="2" name="Rectangle 1"/>
           <p:cNvSpPr/>
           <p:nvPr/>
         </p:nvSpPr>
         <p:spPr>
           <a:xfrm>
-            <a:off x="802320" y="1500301"/>
-            <a:ext cx="7374014" cy="646331"/>
+            <a:off x="891096" y="1596164"/>
+            <a:ext cx="8030962" cy="923330"/>
           </a:xfrm>
           <a:prstGeom prst="rect">
             <a:avLst/>
@@ -18273,7 +18374,17 @@
             </a:pPr>
             <a:r>
               <a:rPr lang="en-US" dirty="0"/>
-              <a:t>Doesn’t work very well in the real world ----but works awesome in the development world!</a:t>
+              <a:t>Class doesn’t go out and instantiate/”new up” its dependency’s…it is given them</a:t>
+            </a:r>
+          </a:p>
+          <a:p>
+            <a:pPr marL="742950" lvl="1" indent="-285750" algn="l">
+              <a:buFont typeface="Arial" pitchFamily="34" charset="0"/>
+              <a:buChar char="•"/>
+            </a:pPr>
+            <a:r>
+              <a:rPr lang="en-US" dirty="0"/>
+              <a:t>All it knows is the method signatures it needs</a:t>
             </a:r>
           </a:p>
         </p:txBody>
@@ -18281,7 +18392,7 @@
     </p:spTree>
     <p:extLst>
       <p:ext uri="{BB962C8B-B14F-4D97-AF65-F5344CB8AC3E}">
-        <p14:creationId xmlns:p14="http://schemas.microsoft.com/office/powerpoint/2010/main" val="2440707906"/>
+        <p14:creationId xmlns:p14="http://schemas.microsoft.com/office/powerpoint/2010/main" val="3462842801"/>
       </p:ext>
     </p:extLst>
   </p:cSld>
@@ -18400,15 +18511,11 @@
           <a:p>
             <a:r>
               <a:rPr lang="en-US" dirty="0" smtClean="0"/>
-              <a:t>What does implementing DI/</a:t>
+              <a:t>Non-programming Example of </a:t>
             </a:r>
             <a:r>
               <a:rPr lang="en-US" dirty="0" err="1" smtClean="0"/>
               <a:t>IoC</a:t>
-            </a:r>
-            <a:r>
-              <a:rPr lang="en-US" dirty="0" smtClean="0"/>
-              <a:t> get me?</a:t>
             </a:r>
             <a:endParaRPr lang="en-US" dirty="0">
               <a:solidFill>
@@ -18426,15 +18533,15 @@
         </p:nvSpPr>
         <p:spPr>
           <a:xfrm>
-            <a:off x="695787" y="1425736"/>
-            <a:ext cx="4800600" cy="646331"/>
+            <a:off x="802320" y="1500301"/>
+            <a:ext cx="7374014" cy="646331"/>
           </a:xfrm>
           <a:prstGeom prst="rect">
             <a:avLst/>
           </a:prstGeom>
         </p:spPr>
         <p:txBody>
-          <a:bodyPr>
+          <a:bodyPr wrap="square">
             <a:spAutoFit/>
           </a:bodyPr>
           <a:lstStyle/>
@@ -18445,26 +18552,15 @@
             </a:pPr>
             <a:r>
               <a:rPr lang="en-US" dirty="0"/>
-              <a:t>Separation of Concerns</a:t>
-            </a:r>
-          </a:p>
-          <a:p>
-            <a:pPr marL="742950" lvl="1" indent="-285750" algn="l">
-              <a:buFont typeface="Arial" pitchFamily="34" charset="0"/>
-              <a:buChar char="•"/>
-            </a:pPr>
-            <a:r>
-              <a:rPr lang="en-US" dirty="0" err="1"/>
-              <a:t>Mockability</a:t>
-            </a:r>
-            <a:endParaRPr lang="en-US" dirty="0"/>
+              <a:t>Doesn’t work very well in the real world ----but works awesome in the development world!</a:t>
+            </a:r>
           </a:p>
         </p:txBody>
       </p:sp>
     </p:spTree>
     <p:extLst>
       <p:ext uri="{BB962C8B-B14F-4D97-AF65-F5344CB8AC3E}">
-        <p14:creationId xmlns:p14="http://schemas.microsoft.com/office/powerpoint/2010/main" val="3690080068"/>
+        <p14:creationId xmlns:p14="http://schemas.microsoft.com/office/powerpoint/2010/main" val="2440707906"/>
       </p:ext>
     </p:extLst>
   </p:cSld>
@@ -18583,7 +18679,7 @@
           <a:p>
             <a:r>
               <a:rPr lang="en-US" dirty="0" smtClean="0"/>
-              <a:t>Let’s Do Some DI/</a:t>
+              <a:t>What does implementing DI/</a:t>
             </a:r>
             <a:r>
               <a:rPr lang="en-US" dirty="0" err="1" smtClean="0"/>
@@ -18591,7 +18687,7 @@
             </a:r>
             <a:r>
               <a:rPr lang="en-US" dirty="0" smtClean="0"/>
-              <a:t> - Together!</a:t>
+              <a:t> get me?</a:t>
             </a:r>
             <a:endParaRPr lang="en-US" dirty="0">
               <a:solidFill>
@@ -18603,21 +18699,21 @@
       </p:sp>
       <p:sp>
         <p:nvSpPr>
-          <p:cNvPr id="2" name="Rectangle 1"/>
+          <p:cNvPr id="3" name="Rectangle 2"/>
           <p:cNvSpPr/>
           <p:nvPr/>
         </p:nvSpPr>
         <p:spPr>
           <a:xfrm>
-            <a:off x="935484" y="1425658"/>
-            <a:ext cx="8022085" cy="5078313"/>
+            <a:off x="695787" y="1425736"/>
+            <a:ext cx="4800600" cy="646331"/>
           </a:xfrm>
           <a:prstGeom prst="rect">
             <a:avLst/>
           </a:prstGeom>
         </p:spPr>
         <p:txBody>
-          <a:bodyPr wrap="square">
+          <a:bodyPr>
             <a:spAutoFit/>
           </a:bodyPr>
           <a:lstStyle/>
@@ -18628,23 +18724,8 @@
             </a:pPr>
             <a:r>
               <a:rPr lang="en-US" dirty="0"/>
-              <a:t>Look at the new requirement for </a:t>
-            </a:r>
-            <a:r>
-              <a:rPr lang="en-US" dirty="0" smtClean="0"/>
-              <a:t>validation</a:t>
-            </a:r>
-          </a:p>
-          <a:p>
-            <a:pPr marL="1200150" lvl="2" indent="-285750" algn="l">
-              <a:buFont typeface="Arial" pitchFamily="34" charset="0"/>
-              <a:buChar char="•"/>
-            </a:pPr>
-            <a:r>
-              <a:rPr lang="en-US" dirty="0" smtClean="0"/>
-              <a:t>Show validation service implementation just to prove the point</a:t>
-            </a:r>
-            <a:endParaRPr lang="en-US" dirty="0"/>
+              <a:t>Separation of Concerns</a:t>
+            </a:r>
           </a:p>
           <a:p>
             <a:pPr marL="742950" lvl="1" indent="-285750" algn="l">
@@ -18652,195 +18733,17 @@
               <a:buChar char="•"/>
             </a:pPr>
             <a:r>
-              <a:rPr lang="en-US" dirty="0"/>
-              <a:t>Add Validation to Calculator Service</a:t>
-            </a:r>
-          </a:p>
-          <a:p>
-            <a:pPr marL="1200150" lvl="2" indent="-285750" algn="l">
-              <a:buFont typeface="Arial" pitchFamily="34" charset="0"/>
-              <a:buChar char="•"/>
-            </a:pPr>
-            <a:r>
-              <a:rPr lang="en-US" dirty="0"/>
-              <a:t>Add private property: </a:t>
-            </a:r>
-            <a:r>
               <a:rPr lang="en-US" dirty="0" err="1"/>
-              <a:t>IValidationService</a:t>
-            </a:r>
-            <a:r>
-              <a:rPr lang="en-US" dirty="0"/>
-              <a:t> _validator</a:t>
-            </a:r>
-            <a:r>
-              <a:rPr lang="en-US" dirty="0" smtClean="0"/>
-              <a:t>;</a:t>
-            </a:r>
-          </a:p>
-          <a:p>
-            <a:pPr marL="1200150" lvl="2" indent="-285750" algn="l">
-              <a:buFont typeface="Arial" pitchFamily="34" charset="0"/>
-              <a:buChar char="•"/>
-            </a:pPr>
-            <a:r>
-              <a:rPr lang="en-US" dirty="0" smtClean="0"/>
-              <a:t>Call Validate in Add method</a:t>
-            </a:r>
-            <a:endParaRPr lang="en-US" dirty="0" smtClean="0"/>
-          </a:p>
-          <a:p>
-            <a:pPr marL="742950" lvl="1" indent="-285750" algn="l">
-              <a:buFont typeface="Arial" pitchFamily="34" charset="0"/>
-              <a:buChar char="•"/>
-            </a:pPr>
-            <a:r>
-              <a:rPr lang="en-US" dirty="0" smtClean="0"/>
-              <a:t>Start with Property Injection</a:t>
-            </a:r>
-          </a:p>
-          <a:p>
-            <a:pPr marL="1200150" lvl="2" indent="-285750" algn="l">
-              <a:buFont typeface="Arial" pitchFamily="34" charset="0"/>
-              <a:buChar char="•"/>
-            </a:pPr>
-            <a:r>
-              <a:rPr lang="en-US" dirty="0" smtClean="0"/>
-              <a:t>What is the issue?</a:t>
-            </a:r>
-          </a:p>
-          <a:p>
-            <a:pPr marL="1200150" lvl="2" indent="-285750" algn="l">
-              <a:buFont typeface="Arial" pitchFamily="34" charset="0"/>
-              <a:buChar char="•"/>
-            </a:pPr>
-            <a:r>
-              <a:rPr lang="en-US" dirty="0" smtClean="0"/>
-              <a:t>Have to add code to make sure the dependency’s are set to avoid NULL reference exceptions</a:t>
-            </a:r>
-          </a:p>
-          <a:p>
-            <a:pPr marL="1200150" lvl="2" indent="-285750" algn="l">
-              <a:buFont typeface="Arial" pitchFamily="34" charset="0"/>
-              <a:buChar char="•"/>
-            </a:pPr>
-            <a:r>
-              <a:rPr lang="en-US" dirty="0" smtClean="0"/>
-              <a:t>We can fix this with Constructor Injection</a:t>
+              <a:t>Mockability</a:t>
             </a:r>
             <a:endParaRPr lang="en-US" dirty="0"/>
-          </a:p>
-          <a:p>
-            <a:pPr marL="742950" lvl="1" indent="-285750" algn="l">
-              <a:buFont typeface="Arial" pitchFamily="34" charset="0"/>
-              <a:buChar char="•"/>
-            </a:pPr>
-            <a:r>
-              <a:rPr lang="en-US" dirty="0" smtClean="0"/>
-              <a:t>Next Do </a:t>
-            </a:r>
-            <a:r>
-              <a:rPr lang="en-US" dirty="0"/>
-              <a:t>Constructor </a:t>
-            </a:r>
-            <a:r>
-              <a:rPr lang="en-US" dirty="0" smtClean="0"/>
-              <a:t>Injection</a:t>
-            </a:r>
-          </a:p>
-          <a:p>
-            <a:pPr marL="1200150" lvl="2" indent="-285750" algn="l">
-              <a:buFont typeface="Arial" pitchFamily="34" charset="0"/>
-              <a:buChar char="•"/>
-            </a:pPr>
-            <a:r>
-              <a:rPr lang="en-US" dirty="0" smtClean="0"/>
-              <a:t>Hold down </a:t>
-            </a:r>
-            <a:r>
-              <a:rPr lang="en-US" dirty="0" err="1" smtClean="0"/>
-              <a:t>fn</a:t>
-            </a:r>
-            <a:r>
-              <a:rPr lang="en-US" dirty="0" smtClean="0"/>
-              <a:t> and alt and hit enter for </a:t>
-            </a:r>
-            <a:r>
-              <a:rPr lang="en-US" dirty="0" err="1" smtClean="0"/>
-              <a:t>resharper</a:t>
-            </a:r>
-            <a:r>
-              <a:rPr lang="en-US" dirty="0" smtClean="0"/>
-              <a:t> constructor</a:t>
-            </a:r>
-            <a:endParaRPr lang="en-US" dirty="0"/>
-          </a:p>
-          <a:p>
-            <a:pPr marL="1200150" lvl="2" indent="-285750" algn="l">
-              <a:buFont typeface="Arial" pitchFamily="34" charset="0"/>
-              <a:buChar char="•"/>
-            </a:pPr>
-            <a:r>
-              <a:rPr lang="en-US" dirty="0"/>
-              <a:t>What could be the issue (constructor that takes a bunch of parameters</a:t>
-            </a:r>
-            <a:r>
-              <a:rPr lang="en-US" dirty="0" smtClean="0"/>
-              <a:t>)</a:t>
-            </a:r>
-          </a:p>
-          <a:p>
-            <a:pPr marL="1200150" lvl="2" indent="-285750" algn="l">
-              <a:buFont typeface="Arial" pitchFamily="34" charset="0"/>
-              <a:buChar char="•"/>
-            </a:pPr>
-            <a:r>
-              <a:rPr lang="en-US" dirty="0" smtClean="0"/>
-              <a:t>What’s the issue here? </a:t>
-            </a:r>
-          </a:p>
-          <a:p>
-            <a:pPr marL="1200150" lvl="2" indent="-285750" algn="l">
-              <a:buFont typeface="Arial" pitchFamily="34" charset="0"/>
-              <a:buChar char="•"/>
-            </a:pPr>
-            <a:r>
-              <a:rPr lang="en-US" dirty="0" smtClean="0"/>
-              <a:t>What happens when you have a bunch of dependency's?</a:t>
-            </a:r>
-            <a:endParaRPr lang="en-US" dirty="0"/>
-          </a:p>
-          <a:p>
-            <a:pPr marL="742950" lvl="1" indent="-285750" algn="l">
-              <a:buFont typeface="Arial" pitchFamily="34" charset="0"/>
-              <a:buChar char="•"/>
-            </a:pPr>
-            <a:r>
-              <a:rPr lang="en-US" dirty="0" smtClean="0"/>
-              <a:t>We’ll get to using </a:t>
-            </a:r>
-            <a:r>
-              <a:rPr lang="en-US" dirty="0" err="1" smtClean="0"/>
-              <a:t>IoC</a:t>
-            </a:r>
-            <a:r>
-              <a:rPr lang="en-US" dirty="0" smtClean="0"/>
-              <a:t> framework to fix all this</a:t>
-            </a:r>
-          </a:p>
-          <a:p>
-            <a:pPr marL="742950" lvl="1" indent="-285750" algn="l">
-              <a:buFont typeface="Arial" pitchFamily="34" charset="0"/>
-              <a:buChar char="•"/>
-            </a:pPr>
-            <a:endParaRPr lang="en-US" dirty="0" smtClean="0"/>
           </a:p>
         </p:txBody>
       </p:sp>
     </p:spTree>
     <p:extLst>
       <p:ext uri="{BB962C8B-B14F-4D97-AF65-F5344CB8AC3E}">
-        <p14:creationId xmlns:p14="http://schemas.microsoft.com/office/powerpoint/2010/main" val="2686369917"/>
+        <p14:creationId xmlns:p14="http://schemas.microsoft.com/office/powerpoint/2010/main" val="3690080068"/>
       </p:ext>
     </p:extLst>
   </p:cSld>
@@ -18957,33 +18860,17 @@
           <a:bodyPr/>
           <a:lstStyle/>
           <a:p>
-            <a:pPr algn="ctr"/>
+            <a:r>
+              <a:rPr lang="en-US" dirty="0" smtClean="0"/>
+              <a:t>Let’s Do Some DI/</a:t>
+            </a:r>
             <a:r>
               <a:rPr lang="en-US" dirty="0" err="1" smtClean="0"/>
-              <a:t>Ruh</a:t>
+              <a:t>IoC</a:t>
             </a:r>
             <a:r>
               <a:rPr lang="en-US" dirty="0" smtClean="0"/>
-              <a:t> </a:t>
-            </a:r>
-            <a:r>
-              <a:rPr lang="en-US" dirty="0" err="1"/>
-              <a:t>r</a:t>
-            </a:r>
-            <a:r>
-              <a:rPr lang="en-US" dirty="0" err="1" smtClean="0"/>
-              <a:t>oh</a:t>
-            </a:r>
-            <a:r>
-              <a:rPr lang="en-US" dirty="0" smtClean="0"/>
-              <a:t>!  </a:t>
-            </a:r>
-            <a:br>
-              <a:rPr lang="en-US" dirty="0" smtClean="0"/>
-            </a:br>
-            <a:r>
-              <a:rPr lang="en-US" dirty="0" smtClean="0"/>
-              <a:t>Test is broken! </a:t>
+              <a:t> - Together!</a:t>
             </a:r>
             <a:endParaRPr lang="en-US" dirty="0">
               <a:solidFill>
@@ -19001,8 +18888,8 @@
         </p:nvSpPr>
         <p:spPr>
           <a:xfrm>
-            <a:off x="605878" y="1752290"/>
-            <a:ext cx="6379716" cy="2031325"/>
+            <a:off x="935484" y="1425658"/>
+            <a:ext cx="8022085" cy="5078313"/>
           </a:xfrm>
           <a:prstGeom prst="rect">
             <a:avLst/>
@@ -19020,8 +18907,23 @@
             </a:pPr>
             <a:r>
               <a:rPr lang="en-US" dirty="0"/>
-              <a:t>Now our test is broken </a:t>
-            </a:r>
+              <a:t>Look at the new requirement for </a:t>
+            </a:r>
+            <a:r>
+              <a:rPr lang="en-US" dirty="0" smtClean="0"/>
+              <a:t>validation</a:t>
+            </a:r>
+          </a:p>
+          <a:p>
+            <a:pPr marL="1200150" lvl="2" indent="-285750" algn="l">
+              <a:buFont typeface="Arial" pitchFamily="34" charset="0"/>
+              <a:buChar char="•"/>
+            </a:pPr>
+            <a:r>
+              <a:rPr lang="en-US" dirty="0" smtClean="0"/>
+              <a:t>Show validation service implementation just to prove the point</a:t>
+            </a:r>
+            <a:endParaRPr lang="en-US" dirty="0"/>
           </a:p>
           <a:p>
             <a:pPr marL="742950" lvl="1" indent="-285750" algn="l">
@@ -19030,7 +18932,7 @@
             </a:pPr>
             <a:r>
               <a:rPr lang="en-US" dirty="0"/>
-              <a:t>What is the cause? </a:t>
+              <a:t>Add Validation to Calculator Service</a:t>
             </a:r>
           </a:p>
           <a:p>
@@ -19040,15 +18942,19 @@
             </a:pPr>
             <a:r>
               <a:rPr lang="en-US" dirty="0"/>
-              <a:t>A dependency is </a:t>
+              <a:t>Add private property: </a:t>
             </a:r>
             <a:r>
               <a:rPr lang="en-US" dirty="0" err="1"/>
-              <a:t>erroring</a:t>
+              <a:t>IValidationService</a:t>
             </a:r>
             <a:r>
               <a:rPr lang="en-US" dirty="0"/>
-              <a:t> out.</a:t>
+              <a:t> _validator</a:t>
+            </a:r>
+            <a:r>
+              <a:rPr lang="en-US" dirty="0" smtClean="0"/>
+              <a:t>;</a:t>
             </a:r>
           </a:p>
           <a:p>
@@ -19057,32 +18963,8 @@
               <a:buChar char="•"/>
             </a:pPr>
             <a:r>
-              <a:rPr lang="en-US" dirty="0"/>
-              <a:t>We shouldn’t need to worry about that</a:t>
-            </a:r>
-          </a:p>
-          <a:p>
-            <a:pPr marL="1657350" lvl="3" indent="-285750" algn="l">
-              <a:buFont typeface="Arial" pitchFamily="34" charset="0"/>
-              <a:buChar char="•"/>
-            </a:pPr>
-            <a:r>
-              <a:rPr lang="en-US" dirty="0"/>
-              <a:t>Not our responsibility</a:t>
-            </a:r>
-          </a:p>
-          <a:p>
-            <a:pPr marL="1657350" lvl="3" indent="-285750" algn="l">
-              <a:buFont typeface="Arial" pitchFamily="34" charset="0"/>
-              <a:buChar char="•"/>
-            </a:pPr>
-            <a:r>
-              <a:rPr lang="en-US" dirty="0"/>
-              <a:t>Not part of what we need to </a:t>
-            </a:r>
-            <a:r>
               <a:rPr lang="en-US" dirty="0" smtClean="0"/>
-              <a:t>test</a:t>
+              <a:t>Call Validate in Add method</a:t>
             </a:r>
           </a:p>
           <a:p>
@@ -19092,16 +18974,151 @@
             </a:pPr>
             <a:r>
               <a:rPr lang="en-US" dirty="0" smtClean="0"/>
-              <a:t>Let’s discuss how we can fix this</a:t>
+              <a:t>Start with Property Injection</a:t>
+            </a:r>
+          </a:p>
+          <a:p>
+            <a:pPr marL="1200150" lvl="2" indent="-285750" algn="l">
+              <a:buFont typeface="Arial" pitchFamily="34" charset="0"/>
+              <a:buChar char="•"/>
+            </a:pPr>
+            <a:r>
+              <a:rPr lang="en-US" dirty="0" smtClean="0"/>
+              <a:t>What is the issue?</a:t>
+            </a:r>
+          </a:p>
+          <a:p>
+            <a:pPr marL="1200150" lvl="2" indent="-285750" algn="l">
+              <a:buFont typeface="Arial" pitchFamily="34" charset="0"/>
+              <a:buChar char="•"/>
+            </a:pPr>
+            <a:r>
+              <a:rPr lang="en-US" dirty="0" smtClean="0"/>
+              <a:t>Have to add code to make sure the dependency’s are set to avoid NULL reference exceptions</a:t>
+            </a:r>
+          </a:p>
+          <a:p>
+            <a:pPr marL="1200150" lvl="2" indent="-285750" algn="l">
+              <a:buFont typeface="Arial" pitchFamily="34" charset="0"/>
+              <a:buChar char="•"/>
+            </a:pPr>
+            <a:r>
+              <a:rPr lang="en-US" dirty="0" smtClean="0"/>
+              <a:t>We can fix this with Constructor Injection</a:t>
             </a:r>
             <a:endParaRPr lang="en-US" dirty="0"/>
+          </a:p>
+          <a:p>
+            <a:pPr marL="742950" lvl="1" indent="-285750" algn="l">
+              <a:buFont typeface="Arial" pitchFamily="34" charset="0"/>
+              <a:buChar char="•"/>
+            </a:pPr>
+            <a:r>
+              <a:rPr lang="en-US" dirty="0" smtClean="0"/>
+              <a:t>Next Do </a:t>
+            </a:r>
+            <a:r>
+              <a:rPr lang="en-US" dirty="0"/>
+              <a:t>Constructor </a:t>
+            </a:r>
+            <a:r>
+              <a:rPr lang="en-US" dirty="0" smtClean="0"/>
+              <a:t>Injection</a:t>
+            </a:r>
+          </a:p>
+          <a:p>
+            <a:pPr marL="1200150" lvl="2" indent="-285750" algn="l">
+              <a:buFont typeface="Arial" pitchFamily="34" charset="0"/>
+              <a:buChar char="•"/>
+            </a:pPr>
+            <a:r>
+              <a:rPr lang="en-US" dirty="0" smtClean="0"/>
+              <a:t>Hold down </a:t>
+            </a:r>
+            <a:r>
+              <a:rPr lang="en-US" dirty="0" err="1" smtClean="0"/>
+              <a:t>fn</a:t>
+            </a:r>
+            <a:r>
+              <a:rPr lang="en-US" dirty="0" smtClean="0"/>
+              <a:t> and alt and hit enter for </a:t>
+            </a:r>
+            <a:r>
+              <a:rPr lang="en-US" dirty="0" err="1" smtClean="0"/>
+              <a:t>resharper</a:t>
+            </a:r>
+            <a:r>
+              <a:rPr lang="en-US" dirty="0" smtClean="0"/>
+              <a:t> constructor</a:t>
+            </a:r>
+            <a:endParaRPr lang="en-US" dirty="0"/>
+          </a:p>
+          <a:p>
+            <a:pPr marL="1200150" lvl="2" indent="-285750" algn="l">
+              <a:buFont typeface="Arial" pitchFamily="34" charset="0"/>
+              <a:buChar char="•"/>
+            </a:pPr>
+            <a:r>
+              <a:rPr lang="en-US" dirty="0"/>
+              <a:t>What could be the issue (constructor that takes a bunch of parameters</a:t>
+            </a:r>
+            <a:r>
+              <a:rPr lang="en-US" dirty="0" smtClean="0"/>
+              <a:t>)</a:t>
+            </a:r>
+          </a:p>
+          <a:p>
+            <a:pPr marL="1200150" lvl="2" indent="-285750" algn="l">
+              <a:buFont typeface="Arial" pitchFamily="34" charset="0"/>
+              <a:buChar char="•"/>
+            </a:pPr>
+            <a:r>
+              <a:rPr lang="en-US" dirty="0" smtClean="0"/>
+              <a:t>What’s the issue here? </a:t>
+            </a:r>
+          </a:p>
+          <a:p>
+            <a:pPr marL="1200150" lvl="2" indent="-285750" algn="l">
+              <a:buFont typeface="Arial" pitchFamily="34" charset="0"/>
+              <a:buChar char="•"/>
+            </a:pPr>
+            <a:r>
+              <a:rPr lang="en-US" dirty="0" smtClean="0"/>
+              <a:t>What happens when you have a bunch of dependency's?</a:t>
+            </a:r>
+            <a:endParaRPr lang="en-US" dirty="0"/>
+          </a:p>
+          <a:p>
+            <a:pPr marL="742950" lvl="1" indent="-285750" algn="l">
+              <a:buFont typeface="Arial" pitchFamily="34" charset="0"/>
+              <a:buChar char="•"/>
+            </a:pPr>
+            <a:r>
+              <a:rPr lang="en-US" dirty="0" smtClean="0"/>
+              <a:t>We’ll get to using </a:t>
+            </a:r>
+            <a:r>
+              <a:rPr lang="en-US" dirty="0" err="1" smtClean="0"/>
+              <a:t>IoC</a:t>
+            </a:r>
+            <a:r>
+              <a:rPr lang="en-US" dirty="0" smtClean="0"/>
+              <a:t> framework to fix all this</a:t>
+            </a:r>
+          </a:p>
+          <a:p>
+            <a:pPr marL="742950" lvl="1" indent="-285750" algn="l">
+              <a:buFont typeface="Arial" pitchFamily="34" charset="0"/>
+              <a:buChar char="•"/>
+            </a:pPr>
+            <a:endParaRPr lang="en-US" dirty="0" smtClean="0"/>
           </a:p>
         </p:txBody>
       </p:sp>
     </p:spTree>
     <p:extLst>
       <p:ext uri="{BB962C8B-B14F-4D97-AF65-F5344CB8AC3E}">
-        <p14:creationId xmlns:p14="http://schemas.microsoft.com/office/powerpoint/2010/main" val="1323171513"/>
+        <p14:creationId xmlns:p14="http://schemas.microsoft.com/office/powerpoint/2010/main" val="2686369917"/>
       </p:ext>
     </p:extLst>
   </p:cSld>
@@ -19218,13 +19235,33 @@
           <a:bodyPr/>
           <a:lstStyle/>
           <a:p>
-            <a:r>
-              <a:rPr lang="en-US" dirty="0" smtClean="0">
-                <a:solidFill>
-                  <a:schemeClr val="accent2"/>
-                </a:solidFill>
-              </a:rPr>
-              <a:t>Fakes/Stubs</a:t>
+            <a:pPr algn="ctr"/>
+            <a:r>
+              <a:rPr lang="en-US" dirty="0" err="1" smtClean="0"/>
+              <a:t>Ruh</a:t>
+            </a:r>
+            <a:r>
+              <a:rPr lang="en-US" dirty="0" smtClean="0"/>
+              <a:t> </a:t>
+            </a:r>
+            <a:r>
+              <a:rPr lang="en-US" dirty="0" err="1"/>
+              <a:t>r</a:t>
+            </a:r>
+            <a:r>
+              <a:rPr lang="en-US" dirty="0" err="1" smtClean="0"/>
+              <a:t>oh</a:t>
+            </a:r>
+            <a:r>
+              <a:rPr lang="en-US" dirty="0" smtClean="0"/>
+              <a:t>!  </a:t>
+            </a:r>
+            <a:br>
+              <a:rPr lang="en-US" dirty="0" smtClean="0"/>
+            </a:br>
+            <a:r>
+              <a:rPr lang="en-US" dirty="0" smtClean="0"/>
+              <a:t>Test is broken! </a:t>
             </a:r>
             <a:endParaRPr lang="en-US" dirty="0">
               <a:solidFill>
@@ -19242,8 +19279,8 @@
         </p:nvSpPr>
         <p:spPr>
           <a:xfrm>
-            <a:off x="917730" y="1514434"/>
-            <a:ext cx="8226270" cy="3970318"/>
+            <a:off x="605878" y="1752290"/>
+            <a:ext cx="6379716" cy="2031325"/>
           </a:xfrm>
           <a:prstGeom prst="rect">
             <a:avLst/>
@@ -19261,7 +19298,7 @@
             </a:pPr>
             <a:r>
               <a:rPr lang="en-US" dirty="0"/>
-              <a:t>Shell of a class that satisfies the implementation of the class</a:t>
+              <a:t>Now our test is broken </a:t>
             </a:r>
           </a:p>
           <a:p>
@@ -19271,7 +19308,59 @@
             </a:pPr>
             <a:r>
               <a:rPr lang="en-US" dirty="0"/>
-              <a:t>Return hard coded value</a:t>
+              <a:t>What is the cause? </a:t>
+            </a:r>
+          </a:p>
+          <a:p>
+            <a:pPr marL="1200150" lvl="2" indent="-285750" algn="l">
+              <a:buFont typeface="Arial" pitchFamily="34" charset="0"/>
+              <a:buChar char="•"/>
+            </a:pPr>
+            <a:r>
+              <a:rPr lang="en-US" dirty="0"/>
+              <a:t>A dependency is </a:t>
+            </a:r>
+            <a:r>
+              <a:rPr lang="en-US" dirty="0" err="1"/>
+              <a:t>erroring</a:t>
+            </a:r>
+            <a:r>
+              <a:rPr lang="en-US" dirty="0"/>
+              <a:t> out.</a:t>
+            </a:r>
+          </a:p>
+          <a:p>
+            <a:pPr marL="1200150" lvl="2" indent="-285750" algn="l">
+              <a:buFont typeface="Arial" pitchFamily="34" charset="0"/>
+              <a:buChar char="•"/>
+            </a:pPr>
+            <a:r>
+              <a:rPr lang="en-US" dirty="0"/>
+              <a:t>We shouldn’t need to worry about that</a:t>
+            </a:r>
+          </a:p>
+          <a:p>
+            <a:pPr marL="1657350" lvl="3" indent="-285750" algn="l">
+              <a:buFont typeface="Arial" pitchFamily="34" charset="0"/>
+              <a:buChar char="•"/>
+            </a:pPr>
+            <a:r>
+              <a:rPr lang="en-US" dirty="0"/>
+              <a:t>Not our responsibility</a:t>
+            </a:r>
+          </a:p>
+          <a:p>
+            <a:pPr marL="1657350" lvl="3" indent="-285750" algn="l">
+              <a:buFont typeface="Arial" pitchFamily="34" charset="0"/>
+              <a:buChar char="•"/>
+            </a:pPr>
+            <a:r>
+              <a:rPr lang="en-US" dirty="0"/>
+              <a:t>Not part of what we need to </a:t>
+            </a:r>
+            <a:r>
+              <a:rPr lang="en-US" dirty="0" smtClean="0"/>
+              <a:t>test</a:t>
             </a:r>
           </a:p>
           <a:p>
@@ -19280,176 +19369,17 @@
               <a:buChar char="•"/>
             </a:pPr>
             <a:r>
-              <a:rPr lang="en-US" dirty="0"/>
-              <a:t>Not asserted against, state is never validated!</a:t>
-            </a:r>
-          </a:p>
-          <a:p>
-            <a:pPr marL="742950" lvl="1" indent="-285750" algn="l">
-              <a:buFont typeface="Arial" pitchFamily="34" charset="0"/>
-              <a:buChar char="•"/>
-            </a:pPr>
-            <a:r>
-              <a:rPr lang="en-US" dirty="0"/>
-              <a:t>Requires no tooling</a:t>
-            </a:r>
-          </a:p>
-          <a:p>
-            <a:pPr marL="742950" lvl="1" indent="-285750" algn="l">
-              <a:buFont typeface="Arial" pitchFamily="34" charset="0"/>
-              <a:buChar char="•"/>
-            </a:pPr>
-            <a:r>
-              <a:rPr lang="en-US" b="1" u="sng" dirty="0"/>
-              <a:t>Let’s fix our broken test with a </a:t>
-            </a:r>
-            <a:r>
-              <a:rPr lang="en-US" b="1" u="sng" dirty="0" smtClean="0"/>
-              <a:t>Fake/Stub</a:t>
-            </a:r>
-          </a:p>
-          <a:p>
-            <a:pPr marL="1200150" lvl="2" indent="-285750" algn="l">
-              <a:buFont typeface="Arial" pitchFamily="34" charset="0"/>
-              <a:buChar char="•"/>
-            </a:pPr>
-            <a:r>
               <a:rPr lang="en-US" dirty="0" smtClean="0"/>
-              <a:t>Create Fakes folder in uni</a:t>
-            </a:r>
-            <a:r>
-              <a:rPr lang="en-US" dirty="0" smtClean="0"/>
-              <a:t>t test project</a:t>
-            </a:r>
-          </a:p>
-          <a:p>
-            <a:pPr marL="1200150" lvl="2" indent="-285750" algn="l">
-              <a:buFont typeface="Arial" pitchFamily="34" charset="0"/>
-              <a:buChar char="•"/>
-            </a:pPr>
-            <a:r>
-              <a:rPr lang="en-US" dirty="0" smtClean="0"/>
-              <a:t>Create ‘</a:t>
-            </a:r>
-            <a:r>
-              <a:rPr lang="en-US" dirty="0" err="1" smtClean="0"/>
-              <a:t>FakeValidationService</a:t>
-            </a:r>
-            <a:r>
-              <a:rPr lang="en-US" dirty="0" smtClean="0"/>
-              <a:t>’</a:t>
-            </a:r>
-          </a:p>
-          <a:p>
-            <a:pPr marL="1657350" lvl="3" indent="-285750" algn="l">
-              <a:buFont typeface="Arial" pitchFamily="34" charset="0"/>
-              <a:buChar char="•"/>
-            </a:pPr>
-            <a:r>
-              <a:rPr lang="en-US" dirty="0" smtClean="0"/>
-              <a:t>Add should return true</a:t>
-            </a:r>
-          </a:p>
-          <a:p>
-            <a:pPr marL="1200150" lvl="2" indent="-285750" algn="l">
-              <a:buFont typeface="Arial" pitchFamily="34" charset="0"/>
-              <a:buChar char="•"/>
-            </a:pPr>
-            <a:r>
-              <a:rPr lang="en-US" dirty="0" smtClean="0"/>
-              <a:t>Pass ‘</a:t>
-            </a:r>
-            <a:r>
-              <a:rPr lang="en-US" dirty="0" err="1" smtClean="0"/>
-              <a:t>FakeValidationService</a:t>
-            </a:r>
-            <a:r>
-              <a:rPr lang="en-US" dirty="0" smtClean="0"/>
-              <a:t>” to </a:t>
-            </a:r>
-            <a:r>
-              <a:rPr lang="en-US" dirty="0" err="1" smtClean="0"/>
-              <a:t>CalculatorService</a:t>
-            </a:r>
-            <a:r>
-              <a:rPr lang="en-US" dirty="0" smtClean="0"/>
-              <a:t> in test </a:t>
+              <a:t>Let’s discuss how we can fix this</a:t>
             </a:r>
             <a:endParaRPr lang="en-US" dirty="0"/>
-          </a:p>
-          <a:p>
-            <a:pPr marL="742950" lvl="1" indent="-285750" algn="l">
-              <a:buFont typeface="Arial" pitchFamily="34" charset="0"/>
-              <a:buChar char="•"/>
-            </a:pPr>
-            <a:r>
-              <a:rPr lang="en-US" dirty="0"/>
-              <a:t>What’s the issue with fakes?</a:t>
-            </a:r>
-          </a:p>
-          <a:p>
-            <a:pPr marL="1200150" lvl="2" indent="-285750" algn="l">
-              <a:buFont typeface="Arial" pitchFamily="34" charset="0"/>
-              <a:buChar char="•"/>
-            </a:pPr>
-            <a:r>
-              <a:rPr lang="en-US" dirty="0"/>
-              <a:t>Need to manually code a fake for dependency!</a:t>
-            </a:r>
-          </a:p>
-          <a:p>
-            <a:pPr marL="1200150" lvl="2" indent="-285750" algn="l">
-              <a:buFont typeface="Arial" pitchFamily="34" charset="0"/>
-              <a:buChar char="•"/>
-            </a:pPr>
-            <a:r>
-              <a:rPr lang="en-US" dirty="0"/>
-              <a:t>And need to code for every </a:t>
-            </a:r>
-            <a:r>
-              <a:rPr lang="en-US" dirty="0" smtClean="0"/>
-              <a:t>scenario</a:t>
-            </a:r>
-          </a:p>
-          <a:p>
-            <a:pPr marL="1657350" lvl="3" indent="-285750" algn="l">
-              <a:buFont typeface="Arial" pitchFamily="34" charset="0"/>
-              <a:buChar char="•"/>
-            </a:pPr>
-            <a:r>
-              <a:rPr lang="en-US" dirty="0" smtClean="0"/>
-              <a:t>Checking for true</a:t>
-            </a:r>
-            <a:endParaRPr lang="en-US" dirty="0" smtClean="0"/>
-          </a:p>
-          <a:p>
-            <a:pPr marL="1657350" lvl="3" indent="-285750" algn="l">
-              <a:buFont typeface="Arial" pitchFamily="34" charset="0"/>
-              <a:buChar char="•"/>
-            </a:pPr>
-            <a:r>
-              <a:rPr lang="en-US" dirty="0"/>
-              <a:t>C</a:t>
-            </a:r>
-            <a:r>
-              <a:rPr lang="en-US" dirty="0" smtClean="0"/>
-              <a:t>hecking </a:t>
-            </a:r>
-            <a:r>
-              <a:rPr lang="en-US" dirty="0"/>
-              <a:t>for </a:t>
-            </a:r>
-            <a:r>
-              <a:rPr lang="en-US" dirty="0" smtClean="0"/>
-              <a:t>false</a:t>
-            </a:r>
           </a:p>
         </p:txBody>
       </p:sp>
     </p:spTree>
     <p:extLst>
       <p:ext uri="{BB962C8B-B14F-4D97-AF65-F5344CB8AC3E}">
-        <p14:creationId xmlns:p14="http://schemas.microsoft.com/office/powerpoint/2010/main" val="1599667207"/>
+        <p14:creationId xmlns:p14="http://schemas.microsoft.com/office/powerpoint/2010/main" val="1323171513"/>
       </p:ext>
     </p:extLst>
   </p:cSld>
@@ -19572,7 +19502,7 @@
                   <a:schemeClr val="accent2"/>
                 </a:solidFill>
               </a:rPr>
-              <a:t>Mocks</a:t>
+              <a:t>Fakes/Stubs</a:t>
             </a:r>
             <a:endParaRPr lang="en-US" dirty="0">
               <a:solidFill>
@@ -19590,8 +19520,8 @@
         </p:nvSpPr>
         <p:spPr>
           <a:xfrm>
-            <a:off x="493333" y="1324880"/>
-            <a:ext cx="8433785" cy="3970318"/>
+            <a:off x="917730" y="1514434"/>
+            <a:ext cx="8226270" cy="3970318"/>
           </a:xfrm>
           <a:prstGeom prst="rect">
             <a:avLst/>
@@ -19608,8 +19538,8 @@
               <a:buChar char="•"/>
             </a:pPr>
             <a:r>
-              <a:rPr lang="en-US" sz="1400" dirty="0"/>
-              <a:t>Simulated object that satisfies the implementation of the class</a:t>
+              <a:rPr lang="en-US" dirty="0"/>
+              <a:t>Shell of a class that satisfies the implementation of the class</a:t>
             </a:r>
           </a:p>
           <a:p>
@@ -19618,8 +19548,8 @@
               <a:buChar char="•"/>
             </a:pPr>
             <a:r>
-              <a:rPr lang="en-US" sz="1400" dirty="0"/>
-              <a:t>Mimics the objects behavior in a controlled manner</a:t>
+              <a:rPr lang="en-US" dirty="0"/>
+              <a:t>Return hard coded value</a:t>
             </a:r>
           </a:p>
           <a:p>
@@ -19628,8 +19558,8 @@
               <a:buChar char="•"/>
             </a:pPr>
             <a:r>
-              <a:rPr lang="en-US" sz="1400" dirty="0"/>
-              <a:t>Asserted against (state is validated)</a:t>
+              <a:rPr lang="en-US" dirty="0"/>
+              <a:t>Not asserted against, state is never validated!</a:t>
             </a:r>
           </a:p>
           <a:p>
@@ -19638,8 +19568,8 @@
               <a:buChar char="•"/>
             </a:pPr>
             <a:r>
-              <a:rPr lang="en-US" sz="1400" dirty="0"/>
-              <a:t>Requires tooling</a:t>
+              <a:rPr lang="en-US" dirty="0"/>
+              <a:t>Requires no tooling</a:t>
             </a:r>
           </a:p>
           <a:p>
@@ -19648,9 +19578,78 @@
               <a:buChar char="•"/>
             </a:pPr>
             <a:r>
-              <a:rPr lang="en-US" sz="1400" b="1" u="sng" dirty="0"/>
-              <a:t>Let’s change out our broken test with a Mock</a:t>
-            </a:r>
+              <a:rPr lang="en-US" b="1" u="sng" dirty="0"/>
+              <a:t>Let’s fix our broken test with a </a:t>
+            </a:r>
+            <a:r>
+              <a:rPr lang="en-US" b="1" u="sng" dirty="0" smtClean="0"/>
+              <a:t>Fake/Stub</a:t>
+            </a:r>
+          </a:p>
+          <a:p>
+            <a:pPr marL="1200150" lvl="2" indent="-285750" algn="l">
+              <a:buFont typeface="Arial" pitchFamily="34" charset="0"/>
+              <a:buChar char="•"/>
+            </a:pPr>
+            <a:r>
+              <a:rPr lang="en-US" dirty="0" smtClean="0"/>
+              <a:t>Create Fakes folder in unit test project</a:t>
+            </a:r>
+          </a:p>
+          <a:p>
+            <a:pPr marL="1200150" lvl="2" indent="-285750" algn="l">
+              <a:buFont typeface="Arial" pitchFamily="34" charset="0"/>
+              <a:buChar char="•"/>
+            </a:pPr>
+            <a:r>
+              <a:rPr lang="en-US" dirty="0" smtClean="0"/>
+              <a:t>Create ‘</a:t>
+            </a:r>
+            <a:r>
+              <a:rPr lang="en-US" dirty="0" err="1" smtClean="0"/>
+              <a:t>FakeValidationService</a:t>
+            </a:r>
+            <a:r>
+              <a:rPr lang="en-US" dirty="0" smtClean="0"/>
+              <a:t>’</a:t>
+            </a:r>
+          </a:p>
+          <a:p>
+            <a:pPr marL="1657350" lvl="3" indent="-285750" algn="l">
+              <a:buFont typeface="Arial" pitchFamily="34" charset="0"/>
+              <a:buChar char="•"/>
+            </a:pPr>
+            <a:r>
+              <a:rPr lang="en-US" dirty="0" smtClean="0"/>
+              <a:t>Add should return true</a:t>
+            </a:r>
+          </a:p>
+          <a:p>
+            <a:pPr marL="1200150" lvl="2" indent="-285750" algn="l">
+              <a:buFont typeface="Arial" pitchFamily="34" charset="0"/>
+              <a:buChar char="•"/>
+            </a:pPr>
+            <a:r>
+              <a:rPr lang="en-US" dirty="0" smtClean="0"/>
+              <a:t>Pass ‘</a:t>
+            </a:r>
+            <a:r>
+              <a:rPr lang="en-US" dirty="0" err="1" smtClean="0"/>
+              <a:t>FakeValidationService</a:t>
+            </a:r>
+            <a:r>
+              <a:rPr lang="en-US" dirty="0" smtClean="0"/>
+              <a:t>” to </a:t>
+            </a:r>
+            <a:r>
+              <a:rPr lang="en-US" dirty="0" err="1" smtClean="0"/>
+              <a:t>CalculatorService</a:t>
+            </a:r>
+            <a:r>
+              <a:rPr lang="en-US" dirty="0" smtClean="0"/>
+              <a:t> in test </a:t>
+            </a:r>
+            <a:endParaRPr lang="en-US" dirty="0"/>
           </a:p>
           <a:p>
             <a:pPr marL="742950" lvl="1" indent="-285750" algn="l">
@@ -19658,80 +19657,8 @@
               <a:buChar char="•"/>
             </a:pPr>
             <a:r>
-              <a:rPr lang="en-US" sz="1400" dirty="0"/>
-              <a:t>Install </a:t>
-            </a:r>
-            <a:r>
-              <a:rPr lang="en-US" sz="1400" dirty="0" err="1"/>
-              <a:t>RhinoMocks</a:t>
-            </a:r>
-            <a:r>
-              <a:rPr lang="en-US" sz="1400" dirty="0"/>
-              <a:t> via NuGet</a:t>
-            </a:r>
-          </a:p>
-          <a:p>
-            <a:pPr marL="742950" lvl="1" indent="-285750" algn="l">
-              <a:buFont typeface="Arial" pitchFamily="34" charset="0"/>
-              <a:buChar char="•"/>
-            </a:pPr>
-            <a:r>
-              <a:rPr lang="en-US" sz="1400" dirty="0"/>
-              <a:t>Create private property: private </a:t>
-            </a:r>
-            <a:r>
-              <a:rPr lang="en-US" sz="1400" dirty="0" err="1"/>
-              <a:t>IValidationService</a:t>
-            </a:r>
-            <a:r>
-              <a:rPr lang="en-US" sz="1400" dirty="0"/>
-              <a:t> _</a:t>
-            </a:r>
-            <a:r>
-              <a:rPr lang="en-US" sz="1400" dirty="0" err="1"/>
-              <a:t>validationService</a:t>
-            </a:r>
-            <a:r>
-              <a:rPr lang="en-US" sz="1400" dirty="0"/>
-              <a:t>;</a:t>
-            </a:r>
-          </a:p>
-          <a:p>
-            <a:pPr marL="742950" lvl="1" indent="-285750" algn="l">
-              <a:buFont typeface="Arial" pitchFamily="34" charset="0"/>
-              <a:buChar char="•"/>
-            </a:pPr>
-            <a:r>
-              <a:rPr lang="en-US" sz="1400" dirty="0" err="1"/>
-              <a:t>IValidationService</a:t>
-            </a:r>
-            <a:r>
-              <a:rPr lang="en-US" sz="1400" dirty="0"/>
-              <a:t> </a:t>
-            </a:r>
-            <a:r>
-              <a:rPr lang="en-US" sz="1400" dirty="0" err="1"/>
-              <a:t>mockValidationService</a:t>
-            </a:r>
-            <a:r>
-              <a:rPr lang="en-US" sz="1400" dirty="0"/>
-              <a:t> = _</a:t>
-            </a:r>
-            <a:r>
-              <a:rPr lang="en-US" sz="1400" dirty="0" err="1"/>
-              <a:t>mockRepository.StrictMock</a:t>
-            </a:r>
-            <a:r>
-              <a:rPr lang="en-US" sz="1400" dirty="0"/>
-              <a:t>&lt;</a:t>
-            </a:r>
-            <a:r>
-              <a:rPr lang="en-US" sz="1400" dirty="0" err="1"/>
-              <a:t>IValidationService</a:t>
-            </a:r>
-            <a:r>
-              <a:rPr lang="en-US" sz="1400" dirty="0"/>
-              <a:t>&gt;();</a:t>
+              <a:rPr lang="en-US" dirty="0"/>
+              <a:t>What’s the issue with fakes?</a:t>
             </a:r>
           </a:p>
           <a:p>
@@ -19740,46 +19667,8 @@
               <a:buChar char="•"/>
             </a:pPr>
             <a:r>
-              <a:rPr lang="en-US" sz="1400" dirty="0"/>
-              <a:t>Talk about strict mocks </a:t>
-            </a:r>
-            <a:r>
-              <a:rPr lang="en-US" sz="1400" dirty="0" err="1"/>
-              <a:t>vs</a:t>
-            </a:r>
-            <a:r>
-              <a:rPr lang="en-US" sz="1400" dirty="0"/>
-              <a:t> dynamic mocks</a:t>
-            </a:r>
-          </a:p>
-          <a:p>
-            <a:pPr marL="742950" lvl="1" indent="-285750" algn="l">
-              <a:buFont typeface="Arial" pitchFamily="34" charset="0"/>
-              <a:buChar char="•"/>
-            </a:pPr>
-            <a:r>
-              <a:rPr lang="en-US" sz="1400" dirty="0" err="1"/>
-              <a:t>mockValidationService.Expect</a:t>
-            </a:r>
-            <a:r>
-              <a:rPr lang="en-US" sz="1400" dirty="0"/>
-              <a:t>(x =&gt; </a:t>
-            </a:r>
-            <a:r>
-              <a:rPr lang="en-US" sz="1400" dirty="0" err="1"/>
-              <a:t>x.ValidateForAdd</a:t>
-            </a:r>
-            <a:r>
-              <a:rPr lang="en-US" sz="1400" dirty="0"/>
-              <a:t>(1, 2)).Return(true).</a:t>
-            </a:r>
-            <a:r>
-              <a:rPr lang="en-US" sz="1400" dirty="0" err="1"/>
-              <a:t>Repeat.Once</a:t>
-            </a:r>
-            <a:r>
-              <a:rPr lang="en-US" sz="1400" dirty="0"/>
-              <a:t>();</a:t>
+              <a:rPr lang="en-US" dirty="0"/>
+              <a:t>Need to manually code a fake for dependency!</a:t>
             </a:r>
           </a:p>
           <a:p>
@@ -19788,114 +19677,52 @@
               <a:buChar char="•"/>
             </a:pPr>
             <a:r>
-              <a:rPr lang="en-US" sz="1400" dirty="0"/>
-              <a:t>Talk about the lambda and the repeat</a:t>
-            </a:r>
-          </a:p>
-          <a:p>
-            <a:pPr marL="742950" lvl="1" indent="-285750" algn="l">
+              <a:rPr lang="en-US" dirty="0"/>
+              <a:t>And need to code for every </a:t>
+            </a:r>
+            <a:r>
+              <a:rPr lang="en-US" dirty="0" smtClean="0"/>
+              <a:t>scenario</a:t>
+            </a:r>
+          </a:p>
+          <a:p>
+            <a:pPr marL="1657350" lvl="3" indent="-285750" algn="l">
               <a:buFont typeface="Arial" pitchFamily="34" charset="0"/>
               <a:buChar char="•"/>
             </a:pPr>
             <a:r>
-              <a:rPr lang="en-US" sz="1400" dirty="0"/>
-              <a:t>Add the “</a:t>
-            </a:r>
-            <a:r>
-              <a:rPr lang="en-US" sz="1400" dirty="0" err="1"/>
-              <a:t>ReplayAll</a:t>
-            </a:r>
-            <a:r>
-              <a:rPr lang="en-US" sz="1400" dirty="0"/>
-              <a:t>” and “</a:t>
-            </a:r>
-            <a:r>
-              <a:rPr lang="en-US" sz="1400" dirty="0" err="1"/>
-              <a:t>ValidateAll</a:t>
-            </a:r>
-            <a:r>
-              <a:rPr lang="en-US" sz="1400" dirty="0"/>
-              <a:t>”</a:t>
-            </a:r>
-          </a:p>
-          <a:p>
-            <a:pPr marL="742950" lvl="1" indent="-285750" algn="l">
+              <a:rPr lang="en-US" dirty="0" smtClean="0"/>
+              <a:t>Checking for true</a:t>
+            </a:r>
+          </a:p>
+          <a:p>
+            <a:pPr marL="1657350" lvl="3" indent="-285750" algn="l">
               <a:buFont typeface="Arial" pitchFamily="34" charset="0"/>
               <a:buChar char="•"/>
             </a:pPr>
             <a:r>
-              <a:rPr lang="en-US" sz="1400" dirty="0"/>
-              <a:t>Modify the Add call to pass the mock</a:t>
-            </a:r>
-          </a:p>
-          <a:p>
-            <a:pPr marL="742950" lvl="1" indent="-285750" algn="l">
-              <a:buFont typeface="Arial" pitchFamily="34" charset="0"/>
-              <a:buChar char="•"/>
-            </a:pPr>
-            <a:r>
-              <a:rPr lang="en-US" sz="1400" dirty="0"/>
-              <a:t>Run it</a:t>
-            </a:r>
-          </a:p>
-          <a:p>
-            <a:pPr marL="742950" lvl="1" indent="-285750" algn="l">
-              <a:buFont typeface="Arial" pitchFamily="34" charset="0"/>
-              <a:buChar char="•"/>
-            </a:pPr>
-            <a:r>
-              <a:rPr lang="en-US" sz="1400" dirty="0"/>
-              <a:t>Go in the code and comment out _</a:t>
-            </a:r>
-            <a:r>
-              <a:rPr lang="en-US" sz="1400" dirty="0" err="1"/>
-              <a:t>validator.ValidateAdd</a:t>
-            </a:r>
-            <a:endParaRPr lang="en-US" sz="1400" dirty="0"/>
-          </a:p>
-          <a:p>
-            <a:pPr marL="742950" lvl="1" indent="-285750" algn="l">
-              <a:buFont typeface="Arial" pitchFamily="34" charset="0"/>
-              <a:buChar char="•"/>
-            </a:pPr>
-            <a:r>
-              <a:rPr lang="en-US" sz="1400" dirty="0"/>
-              <a:t>Run: note test failure because we are using a strict mock</a:t>
-            </a:r>
-          </a:p>
-          <a:p>
-            <a:pPr marL="742950" lvl="1" indent="-285750" algn="l">
-              <a:buFont typeface="Arial" pitchFamily="34" charset="0"/>
-              <a:buChar char="•"/>
-            </a:pPr>
-            <a:r>
-              <a:rPr lang="en-US" sz="1400" dirty="0"/>
-              <a:t>Take a minute for all that to sink in.</a:t>
-            </a:r>
-          </a:p>
-          <a:p>
-            <a:pPr marL="742950" lvl="1" indent="-285750" algn="l">
-              <a:buFont typeface="Arial" pitchFamily="34" charset="0"/>
-              <a:buChar char="•"/>
-            </a:pPr>
-            <a:r>
-              <a:rPr lang="en-US" sz="1400" dirty="0"/>
-              <a:t>Ask if they want to see more examples </a:t>
-            </a:r>
-            <a:r>
-              <a:rPr lang="en-US" sz="1400" dirty="0">
-                <a:sym typeface="Wingdings"/>
-              </a:rPr>
-              <a:t></a:t>
-            </a:r>
-            <a:endParaRPr lang="en-US" sz="1400" dirty="0"/>
+              <a:rPr lang="en-US" dirty="0"/>
+              <a:t>C</a:t>
+            </a:r>
+            <a:r>
+              <a:rPr lang="en-US" dirty="0" smtClean="0"/>
+              <a:t>hecking </a:t>
+            </a:r>
+            <a:r>
+              <a:rPr lang="en-US" dirty="0"/>
+              <a:t>for </a:t>
+            </a:r>
+            <a:r>
+              <a:rPr lang="en-US" dirty="0" smtClean="0"/>
+              <a:t>false</a:t>
+            </a:r>
           </a:p>
         </p:txBody>
       </p:sp>
     </p:spTree>
     <p:extLst>
       <p:ext uri="{BB962C8B-B14F-4D97-AF65-F5344CB8AC3E}">
-        <p14:creationId xmlns:p14="http://schemas.microsoft.com/office/powerpoint/2010/main" val="330104526"/>
+        <p14:creationId xmlns:p14="http://schemas.microsoft.com/office/powerpoint/2010/main" val="1599667207"/>
       </p:ext>
     </p:extLst>
   </p:cSld>
@@ -19992,6 +19819,452 @@
           </a:p>
         </p:txBody>
       </p:sp>
+      <p:sp>
+        <p:nvSpPr>
+          <p:cNvPr id="11" name="Title 5"/>
+          <p:cNvSpPr>
+            <a:spLocks noGrp="1"/>
+          </p:cNvSpPr>
+          <p:nvPr>
+            <p:ph type="title"/>
+          </p:nvPr>
+        </p:nvSpPr>
+        <p:spPr>
+          <a:xfrm>
+            <a:off x="481013" y="595313"/>
+            <a:ext cx="8761413" cy="838200"/>
+          </a:xfrm>
+        </p:spPr>
+        <p:txBody>
+          <a:bodyPr/>
+          <a:lstStyle/>
+          <a:p>
+            <a:r>
+              <a:rPr lang="en-US" dirty="0" smtClean="0">
+                <a:solidFill>
+                  <a:schemeClr val="accent2"/>
+                </a:solidFill>
+              </a:rPr>
+              <a:t>Mocks</a:t>
+            </a:r>
+            <a:endParaRPr lang="en-US" dirty="0">
+              <a:solidFill>
+                <a:schemeClr val="accent2"/>
+              </a:solidFill>
+            </a:endParaRPr>
+          </a:p>
+        </p:txBody>
+      </p:sp>
+      <p:sp>
+        <p:nvSpPr>
+          <p:cNvPr id="2" name="Rectangle 1"/>
+          <p:cNvSpPr/>
+          <p:nvPr/>
+        </p:nvSpPr>
+        <p:spPr>
+          <a:xfrm>
+            <a:off x="493333" y="1324880"/>
+            <a:ext cx="8433785" cy="3970318"/>
+          </a:xfrm>
+          <a:prstGeom prst="rect">
+            <a:avLst/>
+          </a:prstGeom>
+        </p:spPr>
+        <p:txBody>
+          <a:bodyPr wrap="square">
+            <a:spAutoFit/>
+          </a:bodyPr>
+          <a:lstStyle/>
+          <a:p>
+            <a:pPr marL="742950" lvl="1" indent="-285750" algn="l">
+              <a:buFont typeface="Arial" pitchFamily="34" charset="0"/>
+              <a:buChar char="•"/>
+            </a:pPr>
+            <a:r>
+              <a:rPr lang="en-US" sz="1400" dirty="0"/>
+              <a:t>Simulated object that satisfies the implementation of the class</a:t>
+            </a:r>
+          </a:p>
+          <a:p>
+            <a:pPr marL="742950" lvl="1" indent="-285750" algn="l">
+              <a:buFont typeface="Arial" pitchFamily="34" charset="0"/>
+              <a:buChar char="•"/>
+            </a:pPr>
+            <a:r>
+              <a:rPr lang="en-US" sz="1400" dirty="0"/>
+              <a:t>Mimics the objects behavior in a controlled manner</a:t>
+            </a:r>
+          </a:p>
+          <a:p>
+            <a:pPr marL="742950" lvl="1" indent="-285750" algn="l">
+              <a:buFont typeface="Arial" pitchFamily="34" charset="0"/>
+              <a:buChar char="•"/>
+            </a:pPr>
+            <a:r>
+              <a:rPr lang="en-US" sz="1400" dirty="0"/>
+              <a:t>Asserted against (state is validated)</a:t>
+            </a:r>
+          </a:p>
+          <a:p>
+            <a:pPr marL="742950" lvl="1" indent="-285750" algn="l">
+              <a:buFont typeface="Arial" pitchFamily="34" charset="0"/>
+              <a:buChar char="•"/>
+            </a:pPr>
+            <a:r>
+              <a:rPr lang="en-US" sz="1400" dirty="0"/>
+              <a:t>Requires tooling</a:t>
+            </a:r>
+          </a:p>
+          <a:p>
+            <a:pPr marL="742950" lvl="1" indent="-285750" algn="l">
+              <a:buFont typeface="Arial" pitchFamily="34" charset="0"/>
+              <a:buChar char="•"/>
+            </a:pPr>
+            <a:r>
+              <a:rPr lang="en-US" sz="1400" b="1" u="sng" dirty="0"/>
+              <a:t>Let’s change out our broken test with a Mock</a:t>
+            </a:r>
+          </a:p>
+          <a:p>
+            <a:pPr marL="742950" lvl="1" indent="-285750" algn="l">
+              <a:buFont typeface="Arial" pitchFamily="34" charset="0"/>
+              <a:buChar char="•"/>
+            </a:pPr>
+            <a:r>
+              <a:rPr lang="en-US" sz="1400" dirty="0"/>
+              <a:t>Install </a:t>
+            </a:r>
+            <a:r>
+              <a:rPr lang="en-US" sz="1400" dirty="0" err="1"/>
+              <a:t>RhinoMocks</a:t>
+            </a:r>
+            <a:r>
+              <a:rPr lang="en-US" sz="1400" dirty="0"/>
+              <a:t> via NuGet</a:t>
+            </a:r>
+          </a:p>
+          <a:p>
+            <a:pPr marL="742950" lvl="1" indent="-285750" algn="l">
+              <a:buFont typeface="Arial" pitchFamily="34" charset="0"/>
+              <a:buChar char="•"/>
+            </a:pPr>
+            <a:r>
+              <a:rPr lang="en-US" sz="1400" dirty="0"/>
+              <a:t>Create private property: private </a:t>
+            </a:r>
+            <a:r>
+              <a:rPr lang="en-US" sz="1400" dirty="0" err="1"/>
+              <a:t>IValidationService</a:t>
+            </a:r>
+            <a:r>
+              <a:rPr lang="en-US" sz="1400" dirty="0"/>
+              <a:t> _</a:t>
+            </a:r>
+            <a:r>
+              <a:rPr lang="en-US" sz="1400" dirty="0" err="1"/>
+              <a:t>validationService</a:t>
+            </a:r>
+            <a:r>
+              <a:rPr lang="en-US" sz="1400" dirty="0"/>
+              <a:t>;</a:t>
+            </a:r>
+          </a:p>
+          <a:p>
+            <a:pPr marL="742950" lvl="1" indent="-285750" algn="l">
+              <a:buFont typeface="Arial" pitchFamily="34" charset="0"/>
+              <a:buChar char="•"/>
+            </a:pPr>
+            <a:r>
+              <a:rPr lang="en-US" sz="1400" dirty="0" err="1"/>
+              <a:t>IValidationService</a:t>
+            </a:r>
+            <a:r>
+              <a:rPr lang="en-US" sz="1400" dirty="0"/>
+              <a:t> </a:t>
+            </a:r>
+            <a:r>
+              <a:rPr lang="en-US" sz="1400" dirty="0" err="1"/>
+              <a:t>mockValidationService</a:t>
+            </a:r>
+            <a:r>
+              <a:rPr lang="en-US" sz="1400" dirty="0"/>
+              <a:t> = _</a:t>
+            </a:r>
+            <a:r>
+              <a:rPr lang="en-US" sz="1400" dirty="0" err="1"/>
+              <a:t>mockRepository.StrictMock</a:t>
+            </a:r>
+            <a:r>
+              <a:rPr lang="en-US" sz="1400" dirty="0"/>
+              <a:t>&lt;</a:t>
+            </a:r>
+            <a:r>
+              <a:rPr lang="en-US" sz="1400" dirty="0" err="1"/>
+              <a:t>IValidationService</a:t>
+            </a:r>
+            <a:r>
+              <a:rPr lang="en-US" sz="1400" dirty="0"/>
+              <a:t>&gt;();</a:t>
+            </a:r>
+          </a:p>
+          <a:p>
+            <a:pPr marL="1200150" lvl="2" indent="-285750" algn="l">
+              <a:buFont typeface="Arial" pitchFamily="34" charset="0"/>
+              <a:buChar char="•"/>
+            </a:pPr>
+            <a:r>
+              <a:rPr lang="en-US" sz="1400" dirty="0"/>
+              <a:t>Talk about strict mocks </a:t>
+            </a:r>
+            <a:r>
+              <a:rPr lang="en-US" sz="1400" dirty="0" err="1"/>
+              <a:t>vs</a:t>
+            </a:r>
+            <a:r>
+              <a:rPr lang="en-US" sz="1400" dirty="0"/>
+              <a:t> dynamic mocks</a:t>
+            </a:r>
+          </a:p>
+          <a:p>
+            <a:pPr marL="742950" lvl="1" indent="-285750" algn="l">
+              <a:buFont typeface="Arial" pitchFamily="34" charset="0"/>
+              <a:buChar char="•"/>
+            </a:pPr>
+            <a:r>
+              <a:rPr lang="en-US" sz="1400" dirty="0" err="1"/>
+              <a:t>mockValidationService.Expect</a:t>
+            </a:r>
+            <a:r>
+              <a:rPr lang="en-US" sz="1400" dirty="0"/>
+              <a:t>(x =&gt; </a:t>
+            </a:r>
+            <a:r>
+              <a:rPr lang="en-US" sz="1400" dirty="0" err="1"/>
+              <a:t>x.ValidateForAdd</a:t>
+            </a:r>
+            <a:r>
+              <a:rPr lang="en-US" sz="1400" dirty="0"/>
+              <a:t>(1, 2)).Return(true).</a:t>
+            </a:r>
+            <a:r>
+              <a:rPr lang="en-US" sz="1400" dirty="0" err="1"/>
+              <a:t>Repeat.Once</a:t>
+            </a:r>
+            <a:r>
+              <a:rPr lang="en-US" sz="1400" dirty="0"/>
+              <a:t>();</a:t>
+            </a:r>
+          </a:p>
+          <a:p>
+            <a:pPr marL="1200150" lvl="2" indent="-285750" algn="l">
+              <a:buFont typeface="Arial" pitchFamily="34" charset="0"/>
+              <a:buChar char="•"/>
+            </a:pPr>
+            <a:r>
+              <a:rPr lang="en-US" sz="1400" dirty="0"/>
+              <a:t>Talk about the lambda and the repeat</a:t>
+            </a:r>
+          </a:p>
+          <a:p>
+            <a:pPr marL="742950" lvl="1" indent="-285750" algn="l">
+              <a:buFont typeface="Arial" pitchFamily="34" charset="0"/>
+              <a:buChar char="•"/>
+            </a:pPr>
+            <a:r>
+              <a:rPr lang="en-US" sz="1400" dirty="0"/>
+              <a:t>Add the “</a:t>
+            </a:r>
+            <a:r>
+              <a:rPr lang="en-US" sz="1400" dirty="0" err="1"/>
+              <a:t>ReplayAll</a:t>
+            </a:r>
+            <a:r>
+              <a:rPr lang="en-US" sz="1400" dirty="0"/>
+              <a:t>” and “</a:t>
+            </a:r>
+            <a:r>
+              <a:rPr lang="en-US" sz="1400" dirty="0" err="1"/>
+              <a:t>ValidateAll</a:t>
+            </a:r>
+            <a:r>
+              <a:rPr lang="en-US" sz="1400" dirty="0"/>
+              <a:t>”</a:t>
+            </a:r>
+          </a:p>
+          <a:p>
+            <a:pPr marL="742950" lvl="1" indent="-285750" algn="l">
+              <a:buFont typeface="Arial" pitchFamily="34" charset="0"/>
+              <a:buChar char="•"/>
+            </a:pPr>
+            <a:r>
+              <a:rPr lang="en-US" sz="1400" dirty="0"/>
+              <a:t>Modify the Add call to pass the mock</a:t>
+            </a:r>
+          </a:p>
+          <a:p>
+            <a:pPr marL="742950" lvl="1" indent="-285750" algn="l">
+              <a:buFont typeface="Arial" pitchFamily="34" charset="0"/>
+              <a:buChar char="•"/>
+            </a:pPr>
+            <a:r>
+              <a:rPr lang="en-US" sz="1400" dirty="0"/>
+              <a:t>Run it</a:t>
+            </a:r>
+          </a:p>
+          <a:p>
+            <a:pPr marL="742950" lvl="1" indent="-285750" algn="l">
+              <a:buFont typeface="Arial" pitchFamily="34" charset="0"/>
+              <a:buChar char="•"/>
+            </a:pPr>
+            <a:r>
+              <a:rPr lang="en-US" sz="1400" dirty="0"/>
+              <a:t>Go in the code and comment out _</a:t>
+            </a:r>
+            <a:r>
+              <a:rPr lang="en-US" sz="1400" dirty="0" err="1"/>
+              <a:t>validator.ValidateAdd</a:t>
+            </a:r>
+            <a:endParaRPr lang="en-US" sz="1400" dirty="0"/>
+          </a:p>
+          <a:p>
+            <a:pPr marL="742950" lvl="1" indent="-285750" algn="l">
+              <a:buFont typeface="Arial" pitchFamily="34" charset="0"/>
+              <a:buChar char="•"/>
+            </a:pPr>
+            <a:r>
+              <a:rPr lang="en-US" sz="1400" dirty="0"/>
+              <a:t>Run: note test failure because we are using a strict mock</a:t>
+            </a:r>
+          </a:p>
+          <a:p>
+            <a:pPr marL="742950" lvl="1" indent="-285750" algn="l">
+              <a:buFont typeface="Arial" pitchFamily="34" charset="0"/>
+              <a:buChar char="•"/>
+            </a:pPr>
+            <a:r>
+              <a:rPr lang="en-US" sz="1400" dirty="0"/>
+              <a:t>Take a minute for all that to sink in.</a:t>
+            </a:r>
+          </a:p>
+          <a:p>
+            <a:pPr marL="742950" lvl="1" indent="-285750" algn="l">
+              <a:buFont typeface="Arial" pitchFamily="34" charset="0"/>
+              <a:buChar char="•"/>
+            </a:pPr>
+            <a:r>
+              <a:rPr lang="en-US" sz="1400" dirty="0"/>
+              <a:t>Ask if they want to see more examples </a:t>
+            </a:r>
+            <a:r>
+              <a:rPr lang="en-US" sz="1400" dirty="0">
+                <a:sym typeface="Wingdings"/>
+              </a:rPr>
+              <a:t></a:t>
+            </a:r>
+            <a:endParaRPr lang="en-US" sz="1400" dirty="0"/>
+          </a:p>
+        </p:txBody>
+      </p:sp>
+    </p:spTree>
+    <p:extLst>
+      <p:ext uri="{BB962C8B-B14F-4D97-AF65-F5344CB8AC3E}">
+        <p14:creationId xmlns:p14="http://schemas.microsoft.com/office/powerpoint/2010/main" val="330104526"/>
+      </p:ext>
+    </p:extLst>
+  </p:cSld>
+  <p:clrMapOvr>
+    <a:masterClrMapping/>
+  </p:clrMapOvr>
+  <p:timing>
+    <p:tnLst>
+      <p:par>
+        <p:cTn id="1" dur="indefinite" restart="never" nodeType="tmRoot"/>
+      </p:par>
+    </p:tnLst>
+  </p:timing>
+</p:sld>
+</file>
+
+<file path=ppt/slides/slide49.xml><?xml version="1.0" encoding="utf-8"?>
+<p:sld xmlns:a="http://schemas.openxmlformats.org/drawingml/2006/main" xmlns:r="http://schemas.openxmlformats.org/officeDocument/2006/relationships" xmlns:p="http://schemas.openxmlformats.org/presentationml/2006/main">
+  <p:cSld>
+    <p:spTree>
+      <p:nvGrpSpPr>
+        <p:cNvPr id="1" name=""/>
+        <p:cNvGrpSpPr/>
+        <p:nvPr/>
+      </p:nvGrpSpPr>
+      <p:grpSpPr>
+        <a:xfrm>
+          <a:off x="0" y="0"/>
+          <a:ext cx="0" cy="0"/>
+          <a:chOff x="0" y="0"/>
+          <a:chExt cx="0" cy="0"/>
+        </a:xfrm>
+      </p:grpSpPr>
+      <p:sp>
+        <p:nvSpPr>
+          <p:cNvPr id="9" name="TextBox 8"/>
+          <p:cNvSpPr txBox="1"/>
+          <p:nvPr/>
+        </p:nvSpPr>
+        <p:spPr>
+          <a:xfrm>
+            <a:off x="2434859" y="6570921"/>
+            <a:ext cx="4550735" cy="369332"/>
+          </a:xfrm>
+          <a:prstGeom prst="rect">
+            <a:avLst/>
+          </a:prstGeom>
+          <a:noFill/>
+        </p:spPr>
+        <p:txBody>
+          <a:bodyPr wrap="square" rtlCol="0">
+            <a:spAutoFit/>
+          </a:bodyPr>
+          <a:lstStyle/>
+          <a:p>
+            <a:pPr algn="ctr"/>
+            <a:r>
+              <a:rPr lang="en-US" dirty="0" smtClean="0">
+                <a:solidFill>
+                  <a:schemeClr val="bg1">
+                    <a:lumMod val="50000"/>
+                  </a:schemeClr>
+                </a:solidFill>
+              </a:rPr>
+              <a:t>@</a:t>
+            </a:r>
+            <a:r>
+              <a:rPr lang="en-US" dirty="0" err="1" smtClean="0">
+                <a:solidFill>
+                  <a:schemeClr val="bg1">
+                    <a:lumMod val="50000"/>
+                  </a:schemeClr>
+                </a:solidFill>
+              </a:rPr>
+              <a:t>keburnell</a:t>
+            </a:r>
+            <a:r>
+              <a:rPr lang="en-US" dirty="0" smtClean="0">
+                <a:solidFill>
+                  <a:schemeClr val="bg1">
+                    <a:lumMod val="50000"/>
+                  </a:schemeClr>
+                </a:solidFill>
+              </a:rPr>
+              <a:t>  ∙  DotNetDevDude.com</a:t>
+            </a:r>
+            <a:endParaRPr lang="en-US" dirty="0">
+              <a:solidFill>
+                <a:schemeClr val="bg1">
+                  <a:lumMod val="50000"/>
+                </a:schemeClr>
+              </a:solidFill>
+            </a:endParaRPr>
+          </a:p>
+        </p:txBody>
+      </p:sp>
       <p:pic>
         <p:nvPicPr>
           <p:cNvPr id="3074" name="Picture 2" descr="http://chepenikfinancial.com/images/g_WeGoBeyond.jpg"/>
@@ -20092,248 +20365,6 @@
 </p:sld>
 </file>
 
-<file path=ppt/slides/slide49.xml><?xml version="1.0" encoding="utf-8"?>
-<p:sld xmlns:a="http://schemas.openxmlformats.org/drawingml/2006/main" xmlns:r="http://schemas.openxmlformats.org/officeDocument/2006/relationships" xmlns:p="http://schemas.openxmlformats.org/presentationml/2006/main">
-  <p:cSld>
-    <p:spTree>
-      <p:nvGrpSpPr>
-        <p:cNvPr id="1" name=""/>
-        <p:cNvGrpSpPr/>
-        <p:nvPr/>
-      </p:nvGrpSpPr>
-      <p:grpSpPr>
-        <a:xfrm>
-          <a:off x="0" y="0"/>
-          <a:ext cx="0" cy="0"/>
-          <a:chOff x="0" y="0"/>
-          <a:chExt cx="0" cy="0"/>
-        </a:xfrm>
-      </p:grpSpPr>
-      <p:sp>
-        <p:nvSpPr>
-          <p:cNvPr id="9" name="TextBox 8"/>
-          <p:cNvSpPr txBox="1"/>
-          <p:nvPr/>
-        </p:nvSpPr>
-        <p:spPr>
-          <a:xfrm>
-            <a:off x="2434859" y="6570921"/>
-            <a:ext cx="4550735" cy="369332"/>
-          </a:xfrm>
-          <a:prstGeom prst="rect">
-            <a:avLst/>
-          </a:prstGeom>
-          <a:noFill/>
-        </p:spPr>
-        <p:txBody>
-          <a:bodyPr wrap="square" rtlCol="0">
-            <a:spAutoFit/>
-          </a:bodyPr>
-          <a:lstStyle/>
-          <a:p>
-            <a:pPr algn="ctr"/>
-            <a:r>
-              <a:rPr lang="en-US" dirty="0" smtClean="0">
-                <a:solidFill>
-                  <a:schemeClr val="bg1">
-                    <a:lumMod val="50000"/>
-                  </a:schemeClr>
-                </a:solidFill>
-              </a:rPr>
-              <a:t>@</a:t>
-            </a:r>
-            <a:r>
-              <a:rPr lang="en-US" dirty="0" err="1" smtClean="0">
-                <a:solidFill>
-                  <a:schemeClr val="bg1">
-                    <a:lumMod val="50000"/>
-                  </a:schemeClr>
-                </a:solidFill>
-              </a:rPr>
-              <a:t>keburnell</a:t>
-            </a:r>
-            <a:r>
-              <a:rPr lang="en-US" dirty="0" smtClean="0">
-                <a:solidFill>
-                  <a:schemeClr val="bg1">
-                    <a:lumMod val="50000"/>
-                  </a:schemeClr>
-                </a:solidFill>
-              </a:rPr>
-              <a:t>  ∙  DotNetDevDude.com</a:t>
-            </a:r>
-            <a:endParaRPr lang="en-US" dirty="0">
-              <a:solidFill>
-                <a:schemeClr val="bg1">
-                  <a:lumMod val="50000"/>
-                </a:schemeClr>
-              </a:solidFill>
-            </a:endParaRPr>
-          </a:p>
-        </p:txBody>
-      </p:sp>
-      <p:sp>
-        <p:nvSpPr>
-          <p:cNvPr id="11" name="Title 5"/>
-          <p:cNvSpPr>
-            <a:spLocks noGrp="1"/>
-          </p:cNvSpPr>
-          <p:nvPr>
-            <p:ph type="title"/>
-          </p:nvPr>
-        </p:nvSpPr>
-        <p:spPr>
-          <a:xfrm>
-            <a:off x="481013" y="595313"/>
-            <a:ext cx="8761413" cy="838200"/>
-          </a:xfrm>
-        </p:spPr>
-        <p:txBody>
-          <a:bodyPr/>
-          <a:lstStyle/>
-          <a:p>
-            <a:r>
-              <a:rPr lang="en-US" dirty="0" smtClean="0">
-                <a:solidFill>
-                  <a:schemeClr val="accent2"/>
-                </a:solidFill>
-              </a:rPr>
-              <a:t>DI/</a:t>
-            </a:r>
-            <a:r>
-              <a:rPr lang="en-US" dirty="0" err="1" smtClean="0">
-                <a:solidFill>
-                  <a:schemeClr val="accent2"/>
-                </a:solidFill>
-              </a:rPr>
-              <a:t>IoC</a:t>
-            </a:r>
-            <a:r>
-              <a:rPr lang="en-US" dirty="0" smtClean="0">
-                <a:solidFill>
-                  <a:schemeClr val="accent2"/>
-                </a:solidFill>
-              </a:rPr>
-              <a:t> Tooling</a:t>
-            </a:r>
-            <a:endParaRPr lang="en-US" dirty="0">
-              <a:solidFill>
-                <a:schemeClr val="accent2"/>
-              </a:solidFill>
-            </a:endParaRPr>
-          </a:p>
-        </p:txBody>
-      </p:sp>
-      <p:sp>
-        <p:nvSpPr>
-          <p:cNvPr id="2" name="Rectangle 1"/>
-          <p:cNvSpPr/>
-          <p:nvPr/>
-        </p:nvSpPr>
-        <p:spPr>
-          <a:xfrm>
-            <a:off x="493333" y="1324880"/>
-            <a:ext cx="8433785" cy="1384995"/>
-          </a:xfrm>
-          <a:prstGeom prst="rect">
-            <a:avLst/>
-          </a:prstGeom>
-        </p:spPr>
-        <p:txBody>
-          <a:bodyPr wrap="square">
-            <a:spAutoFit/>
-          </a:bodyPr>
-          <a:lstStyle/>
-          <a:p>
-            <a:pPr marL="742950" lvl="1" indent="-285750" algn="l">
-              <a:buFont typeface="Arial" pitchFamily="34" charset="0"/>
-              <a:buChar char="•"/>
-            </a:pPr>
-            <a:r>
-              <a:rPr lang="en-US" sz="1400" dirty="0" smtClean="0"/>
-              <a:t>Allows you to configure your dependency’s</a:t>
-            </a:r>
-          </a:p>
-          <a:p>
-            <a:pPr marL="1200150" lvl="2" indent="-285750" algn="l">
-              <a:buFont typeface="Arial" pitchFamily="34" charset="0"/>
-              <a:buChar char="•"/>
-            </a:pPr>
-            <a:r>
-              <a:rPr lang="en-US" sz="1400" dirty="0" smtClean="0"/>
-              <a:t>Tell the system that when you are using an </a:t>
-            </a:r>
-            <a:r>
-              <a:rPr lang="en-US" sz="1400" dirty="0" err="1" smtClean="0"/>
-              <a:t>IFoo</a:t>
-            </a:r>
-            <a:r>
-              <a:rPr lang="en-US" sz="1400" dirty="0" smtClean="0"/>
-              <a:t> then use this specific concrete implementation of Foo</a:t>
-            </a:r>
-          </a:p>
-          <a:p>
-            <a:pPr marL="1200150" lvl="2" indent="-285750" algn="l">
-              <a:buFont typeface="Arial" pitchFamily="34" charset="0"/>
-              <a:buChar char="•"/>
-            </a:pPr>
-            <a:r>
-              <a:rPr lang="en-US" sz="1400" dirty="0" smtClean="0"/>
-              <a:t>Configuration is done once in the application life cycle – usuall</a:t>
-            </a:r>
-            <a:r>
-              <a:rPr lang="en-US" sz="1400" dirty="0" smtClean="0"/>
-              <a:t>y at </a:t>
-            </a:r>
-            <a:r>
-              <a:rPr lang="en-US" sz="1400" dirty="0" err="1" smtClean="0"/>
-              <a:t>App_Start</a:t>
-            </a:r>
-            <a:endParaRPr lang="en-US" sz="1400" dirty="0" smtClean="0"/>
-          </a:p>
-          <a:p>
-            <a:pPr marL="742950" lvl="1" indent="-285750" algn="l">
-              <a:buFont typeface="Arial" pitchFamily="34" charset="0"/>
-              <a:buChar char="•"/>
-            </a:pPr>
-            <a:r>
-              <a:rPr lang="en-US" sz="1400" dirty="0" smtClean="0"/>
-              <a:t>Allows for extremely decoupled code</a:t>
-            </a:r>
-          </a:p>
-          <a:p>
-            <a:pPr marL="742950" lvl="1" indent="-285750" algn="l">
-              <a:buFont typeface="Arial" pitchFamily="34" charset="0"/>
-              <a:buChar char="•"/>
-            </a:pPr>
-            <a:r>
-              <a:rPr lang="en-US" sz="1400" dirty="0" smtClean="0"/>
-              <a:t>Allows for very easy “swapping” of implementations (bas</a:t>
-            </a:r>
-            <a:endParaRPr lang="en-US" sz="1400" dirty="0"/>
-          </a:p>
-        </p:txBody>
-      </p:sp>
-    </p:spTree>
-    <p:extLst>
-      <p:ext uri="{BB962C8B-B14F-4D97-AF65-F5344CB8AC3E}">
-        <p14:creationId xmlns:p14="http://schemas.microsoft.com/office/powerpoint/2010/main" val="237974052"/>
-      </p:ext>
-    </p:extLst>
-  </p:cSld>
-  <p:clrMapOvr>
-    <a:masterClrMapping/>
-  </p:clrMapOvr>
-  <p:timing>
-    <p:tnLst>
-      <p:par>
-        <p:cTn id="1" dur="indefinite" restart="never" nodeType="tmRoot"/>
-      </p:par>
-    </p:tnLst>
-  </p:timing>
-</p:sld>
-</file>
-
 <file path=ppt/slides/slide5.xml><?xml version="1.0" encoding="utf-8"?>
 <p:sld xmlns:a="http://schemas.openxmlformats.org/drawingml/2006/main" xmlns:r="http://schemas.openxmlformats.org/officeDocument/2006/relationships" xmlns:p="http://schemas.openxmlformats.org/presentationml/2006/main">
   <p:cSld>
@@ -20353,7 +20384,38 @@
       </p:grpSpPr>
       <p:sp>
         <p:nvSpPr>
-          <p:cNvPr id="7" name="TextBox 6"/>
+          <p:cNvPr id="6" name="Rectangle 2"/>
+          <p:cNvSpPr>
+            <a:spLocks noGrp="1" noChangeArrowheads="1"/>
+          </p:cNvSpPr>
+          <p:nvPr>
+            <p:ph type="title"/>
+          </p:nvPr>
+        </p:nvSpPr>
+        <p:spPr>
+          <a:xfrm>
+            <a:off x="893763" y="381000"/>
+            <a:ext cx="7369175" cy="941388"/>
+          </a:xfrm>
+        </p:spPr>
+        <p:txBody>
+          <a:bodyPr/>
+          <a:lstStyle/>
+          <a:p>
+            <a:pPr>
+              <a:defRPr/>
+            </a:pPr>
+            <a:r>
+              <a:rPr lang="en-US" dirty="0" smtClean="0"/>
+              <a:t>Pop Quiz</a:t>
+            </a:r>
+            <a:endParaRPr lang="en-US" dirty="0" smtClean="0"/>
+          </a:p>
+        </p:txBody>
+      </p:sp>
+      <p:sp>
+        <p:nvSpPr>
+          <p:cNvPr id="9" name="TextBox 8"/>
           <p:cNvSpPr txBox="1"/>
           <p:nvPr/>
         </p:nvSpPr>
@@ -20414,88 +20476,10 @@
           </a:p>
         </p:txBody>
       </p:sp>
-      <p:sp>
-        <p:nvSpPr>
-          <p:cNvPr id="5" name="Rectangle 2"/>
-          <p:cNvSpPr>
-            <a:spLocks noGrp="1" noChangeArrowheads="1"/>
-          </p:cNvSpPr>
-          <p:nvPr>
-            <p:ph type="title"/>
-          </p:nvPr>
-        </p:nvSpPr>
-        <p:spPr>
-          <a:xfrm>
-            <a:off x="571500" y="381000"/>
-            <a:ext cx="8534399" cy="941388"/>
-          </a:xfrm>
-        </p:spPr>
-        <p:txBody>
-          <a:bodyPr/>
-          <a:lstStyle/>
-          <a:p>
-            <a:pPr marL="0" indent="0"/>
-            <a:r>
-              <a:rPr lang="en-US" dirty="0">
-                <a:sym typeface="Wingdings" pitchFamily="2" charset="2"/>
-              </a:rPr>
-              <a:t>Ever have to deal with </a:t>
-            </a:r>
-            <a:r>
-              <a:rPr lang="en-US" b="1" dirty="0">
-                <a:sym typeface="Wingdings" pitchFamily="2" charset="2"/>
-              </a:rPr>
-              <a:t>Spaghetti Code?</a:t>
-            </a:r>
-          </a:p>
-        </p:txBody>
-      </p:sp>
-      <p:sp>
-        <p:nvSpPr>
-          <p:cNvPr id="6" name="Content Placeholder 4"/>
-          <p:cNvSpPr>
-            <a:spLocks noGrp="1"/>
-          </p:cNvSpPr>
-          <p:nvPr>
-            <p:ph idx="1"/>
-          </p:nvPr>
-        </p:nvSpPr>
-        <p:spPr>
-          <a:xfrm>
-            <a:off x="489891" y="1433515"/>
-            <a:ext cx="8761413" cy="4067399"/>
-          </a:xfrm>
-        </p:spPr>
-        <p:txBody>
-          <a:bodyPr/>
-          <a:lstStyle/>
-          <a:p>
-            <a:r>
-              <a:rPr lang="en-US" sz="2400" dirty="0" smtClean="0"/>
-              <a:t>I think there are 2 types of spaghetti code</a:t>
-            </a:r>
-          </a:p>
-          <a:p>
-            <a:pPr lvl="1"/>
-            <a:r>
-              <a:rPr lang="en-US" sz="2100" dirty="0" smtClean="0"/>
-              <a:t>Tangled mess code </a:t>
-            </a:r>
-          </a:p>
-          <a:p>
-            <a:pPr lvl="1"/>
-            <a:r>
-              <a:rPr lang="en-US" sz="2100" dirty="0" smtClean="0"/>
-              <a:t>Long code</a:t>
-            </a:r>
-            <a:endParaRPr lang="en-US" sz="2400" dirty="0" smtClean="0"/>
-          </a:p>
-        </p:txBody>
-      </p:sp>
     </p:spTree>
     <p:extLst>
       <p:ext uri="{BB962C8B-B14F-4D97-AF65-F5344CB8AC3E}">
-        <p14:creationId xmlns:p14="http://schemas.microsoft.com/office/powerpoint/2010/main" val="4129721321"/>
+        <p14:creationId xmlns:p14="http://schemas.microsoft.com/office/powerpoint/2010/main" val="2897600664"/>
       </p:ext>
     </p:extLst>
   </p:cSld>
@@ -20618,7 +20602,23 @@
                   <a:schemeClr val="accent2"/>
                 </a:solidFill>
               </a:rPr>
-              <a:t>Lots of Available Tooling</a:t>
+              <a:t>DI/</a:t>
+            </a:r>
+            <a:r>
+              <a:rPr lang="en-US" dirty="0" err="1" smtClean="0">
+                <a:solidFill>
+                  <a:schemeClr val="accent2"/>
+                </a:solidFill>
+              </a:rPr>
+              <a:t>IoC</a:t>
+            </a:r>
+            <a:r>
+              <a:rPr lang="en-US" dirty="0" smtClean="0">
+                <a:solidFill>
+                  <a:schemeClr val="accent2"/>
+                </a:solidFill>
+              </a:rPr>
+              <a:t> Tooling</a:t>
             </a:r>
             <a:endParaRPr lang="en-US" dirty="0">
               <a:solidFill>
@@ -20637,7 +20637,7 @@
         <p:spPr>
           <a:xfrm>
             <a:off x="493333" y="1324880"/>
-            <a:ext cx="8433785" cy="307777"/>
+            <a:ext cx="8433785" cy="1384995"/>
           </a:xfrm>
           <a:prstGeom prst="rect">
             <a:avLst/>
@@ -20654,12 +20654,61 @@
               <a:buChar char="•"/>
             </a:pPr>
             <a:r>
+              <a:rPr lang="en-US" sz="1400" dirty="0" smtClean="0"/>
+              <a:t>Allows you to configure your dependency’s</a:t>
+            </a:r>
+          </a:p>
+          <a:p>
+            <a:pPr marL="1200150" lvl="2" indent="-285750" algn="l">
+              <a:buFont typeface="Arial" pitchFamily="34" charset="0"/>
+              <a:buChar char="•"/>
+            </a:pPr>
+            <a:r>
+              <a:rPr lang="en-US" sz="1400" dirty="0" smtClean="0"/>
+              <a:t>Tell the system that when you are using an </a:t>
+            </a:r>
+            <a:r>
               <a:rPr lang="en-US" sz="1400" dirty="0" err="1" smtClean="0"/>
-              <a:t>StructureMap</a:t>
+              <a:t>IFoo</a:t>
             </a:r>
             <a:r>
               <a:rPr lang="en-US" sz="1400" dirty="0" smtClean="0"/>
-              <a:t> is my tool of choice!</a:t>
+              <a:t> then use this specific concrete implementation of Foo</a:t>
+            </a:r>
+          </a:p>
+          <a:p>
+            <a:pPr marL="1200150" lvl="2" indent="-285750" algn="l">
+              <a:buFont typeface="Arial" pitchFamily="34" charset="0"/>
+              <a:buChar char="•"/>
+            </a:pPr>
+            <a:r>
+              <a:rPr lang="en-US" sz="1400" dirty="0" smtClean="0"/>
+              <a:t>Configuration is done once in the application life cycle – usually at </a:t>
+            </a:r>
+            <a:r>
+              <a:rPr lang="en-US" sz="1400" dirty="0" err="1" smtClean="0"/>
+              <a:t>App_Start</a:t>
+            </a:r>
+            <a:endParaRPr lang="en-US" sz="1400" dirty="0" smtClean="0"/>
+          </a:p>
+          <a:p>
+            <a:pPr marL="742950" lvl="1" indent="-285750" algn="l">
+              <a:buFont typeface="Arial" pitchFamily="34" charset="0"/>
+              <a:buChar char="•"/>
+            </a:pPr>
+            <a:r>
+              <a:rPr lang="en-US" sz="1400" dirty="0" smtClean="0"/>
+              <a:t>Allows for extremely decoupled code</a:t>
+            </a:r>
+          </a:p>
+          <a:p>
+            <a:pPr marL="742950" lvl="1" indent="-285750" algn="l">
+              <a:buFont typeface="Arial" pitchFamily="34" charset="0"/>
+              <a:buChar char="•"/>
+            </a:pPr>
+            <a:r>
+              <a:rPr lang="en-US" sz="1400" dirty="0" smtClean="0"/>
+              <a:t>Allows for very easy “swapping” of implementations (bas</a:t>
             </a:r>
             <a:endParaRPr lang="en-US" sz="1400" dirty="0"/>
           </a:p>
@@ -20668,7 +20717,7 @@
     </p:spTree>
     <p:extLst>
       <p:ext uri="{BB962C8B-B14F-4D97-AF65-F5344CB8AC3E}">
-        <p14:creationId xmlns:p14="http://schemas.microsoft.com/office/powerpoint/2010/main" val="2585143983"/>
+        <p14:creationId xmlns:p14="http://schemas.microsoft.com/office/powerpoint/2010/main" val="237974052"/>
       </p:ext>
     </p:extLst>
   </p:cSld>
@@ -20777,6 +20826,179 @@
         </p:nvSpPr>
         <p:spPr>
           <a:xfrm>
+            <a:off x="481013" y="595313"/>
+            <a:ext cx="8761413" cy="838200"/>
+          </a:xfrm>
+        </p:spPr>
+        <p:txBody>
+          <a:bodyPr/>
+          <a:lstStyle/>
+          <a:p>
+            <a:r>
+              <a:rPr lang="en-US" dirty="0" smtClean="0">
+                <a:solidFill>
+                  <a:schemeClr val="accent2"/>
+                </a:solidFill>
+              </a:rPr>
+              <a:t>Lots of Available Tooling</a:t>
+            </a:r>
+            <a:endParaRPr lang="en-US" dirty="0">
+              <a:solidFill>
+                <a:schemeClr val="accent2"/>
+              </a:solidFill>
+            </a:endParaRPr>
+          </a:p>
+        </p:txBody>
+      </p:sp>
+      <p:sp>
+        <p:nvSpPr>
+          <p:cNvPr id="2" name="Rectangle 1"/>
+          <p:cNvSpPr/>
+          <p:nvPr/>
+        </p:nvSpPr>
+        <p:spPr>
+          <a:xfrm>
+            <a:off x="493333" y="1324880"/>
+            <a:ext cx="8433785" cy="307777"/>
+          </a:xfrm>
+          <a:prstGeom prst="rect">
+            <a:avLst/>
+          </a:prstGeom>
+        </p:spPr>
+        <p:txBody>
+          <a:bodyPr wrap="square">
+            <a:spAutoFit/>
+          </a:bodyPr>
+          <a:lstStyle/>
+          <a:p>
+            <a:pPr marL="742950" lvl="1" indent="-285750" algn="l">
+              <a:buFont typeface="Arial" pitchFamily="34" charset="0"/>
+              <a:buChar char="•"/>
+            </a:pPr>
+            <a:r>
+              <a:rPr lang="en-US" sz="1400" dirty="0" err="1" smtClean="0"/>
+              <a:t>StructureMap</a:t>
+            </a:r>
+            <a:r>
+              <a:rPr lang="en-US" sz="1400" dirty="0" smtClean="0"/>
+              <a:t> is my tool of choice!</a:t>
+            </a:r>
+            <a:endParaRPr lang="en-US" sz="1400" dirty="0"/>
+          </a:p>
+        </p:txBody>
+      </p:sp>
+    </p:spTree>
+    <p:extLst>
+      <p:ext uri="{BB962C8B-B14F-4D97-AF65-F5344CB8AC3E}">
+        <p14:creationId xmlns:p14="http://schemas.microsoft.com/office/powerpoint/2010/main" val="2585143983"/>
+      </p:ext>
+    </p:extLst>
+  </p:cSld>
+  <p:clrMapOvr>
+    <a:masterClrMapping/>
+  </p:clrMapOvr>
+  <p:timing>
+    <p:tnLst>
+      <p:par>
+        <p:cTn id="1" dur="indefinite" restart="never" nodeType="tmRoot"/>
+      </p:par>
+    </p:tnLst>
+  </p:timing>
+</p:sld>
+</file>
+
+<file path=ppt/slides/slide52.xml><?xml version="1.0" encoding="utf-8"?>
+<p:sld xmlns:a="http://schemas.openxmlformats.org/drawingml/2006/main" xmlns:r="http://schemas.openxmlformats.org/officeDocument/2006/relationships" xmlns:p="http://schemas.openxmlformats.org/presentationml/2006/main">
+  <p:cSld>
+    <p:spTree>
+      <p:nvGrpSpPr>
+        <p:cNvPr id="1" name=""/>
+        <p:cNvGrpSpPr/>
+        <p:nvPr/>
+      </p:nvGrpSpPr>
+      <p:grpSpPr>
+        <a:xfrm>
+          <a:off x="0" y="0"/>
+          <a:ext cx="0" cy="0"/>
+          <a:chOff x="0" y="0"/>
+          <a:chExt cx="0" cy="0"/>
+        </a:xfrm>
+      </p:grpSpPr>
+      <p:sp>
+        <p:nvSpPr>
+          <p:cNvPr id="9" name="TextBox 8"/>
+          <p:cNvSpPr txBox="1"/>
+          <p:nvPr/>
+        </p:nvSpPr>
+        <p:spPr>
+          <a:xfrm>
+            <a:off x="2434859" y="6570921"/>
+            <a:ext cx="4550735" cy="369332"/>
+          </a:xfrm>
+          <a:prstGeom prst="rect">
+            <a:avLst/>
+          </a:prstGeom>
+          <a:noFill/>
+        </p:spPr>
+        <p:txBody>
+          <a:bodyPr wrap="square" rtlCol="0">
+            <a:spAutoFit/>
+          </a:bodyPr>
+          <a:lstStyle/>
+          <a:p>
+            <a:pPr algn="ctr"/>
+            <a:r>
+              <a:rPr lang="en-US" dirty="0" smtClean="0">
+                <a:solidFill>
+                  <a:schemeClr val="bg1">
+                    <a:lumMod val="50000"/>
+                  </a:schemeClr>
+                </a:solidFill>
+              </a:rPr>
+              <a:t>@</a:t>
+            </a:r>
+            <a:r>
+              <a:rPr lang="en-US" dirty="0" err="1" smtClean="0">
+                <a:solidFill>
+                  <a:schemeClr val="bg1">
+                    <a:lumMod val="50000"/>
+                  </a:schemeClr>
+                </a:solidFill>
+              </a:rPr>
+              <a:t>keburnell</a:t>
+            </a:r>
+            <a:r>
+              <a:rPr lang="en-US" dirty="0" smtClean="0">
+                <a:solidFill>
+                  <a:schemeClr val="bg1">
+                    <a:lumMod val="50000"/>
+                  </a:schemeClr>
+                </a:solidFill>
+              </a:rPr>
+              <a:t>  ∙  DotNetDevDude.com</a:t>
+            </a:r>
+            <a:endParaRPr lang="en-US" dirty="0">
+              <a:solidFill>
+                <a:schemeClr val="bg1">
+                  <a:lumMod val="50000"/>
+                </a:schemeClr>
+              </a:solidFill>
+            </a:endParaRPr>
+          </a:p>
+        </p:txBody>
+      </p:sp>
+      <p:sp>
+        <p:nvSpPr>
+          <p:cNvPr id="11" name="Title 5"/>
+          <p:cNvSpPr>
+            <a:spLocks noGrp="1"/>
+          </p:cNvSpPr>
+          <p:nvPr>
+            <p:ph type="title"/>
+          </p:nvPr>
+        </p:nvSpPr>
+        <p:spPr>
+          <a:xfrm>
             <a:off x="213064" y="595313"/>
             <a:ext cx="9286043" cy="838200"/>
           </a:xfrm>
@@ -20922,7 +21144,6 @@
               <a:rPr lang="en-US" sz="1400" dirty="0" smtClean="0"/>
               <a:t>&gt;();</a:t>
             </a:r>
-            <a:endParaRPr lang="en-US" sz="1400" dirty="0" smtClean="0"/>
           </a:p>
           <a:p>
             <a:pPr marL="742950" lvl="1" indent="-285750" algn="l">
@@ -21234,7 +21455,6 @@
               <a:rPr lang="en-US" sz="1400" dirty="0" smtClean="0"/>
               <a:t>If time implement the spec to check for throwing error</a:t>
             </a:r>
-            <a:endParaRPr lang="en-US" sz="1400" dirty="0" smtClean="0"/>
           </a:p>
         </p:txBody>
       </p:sp>
@@ -21340,7 +21560,7 @@
       </p:sp>
       <p:sp>
         <p:nvSpPr>
-          <p:cNvPr id="6" name="Rectangle 2"/>
+          <p:cNvPr id="5" name="Rectangle 2"/>
           <p:cNvSpPr>
             <a:spLocks noGrp="1" noChangeArrowheads="1"/>
           </p:cNvSpPr>
@@ -21350,7 +21570,7 @@
         </p:nvSpPr>
         <p:spPr>
           <a:xfrm>
-            <a:off x="571500" y="372122"/>
+            <a:off x="571500" y="381000"/>
             <a:ext cx="8534399" cy="941388"/>
           </a:xfrm>
         </p:spPr>
@@ -21363,29 +21583,20 @@
               <a:rPr lang="en-US" dirty="0">
                 <a:sym typeface="Wingdings" pitchFamily="2" charset="2"/>
               </a:rPr>
-              <a:t>Ever </a:t>
-            </a:r>
-            <a:r>
-              <a:rPr lang="en-US" dirty="0" smtClean="0">
+              <a:t>Ever have to deal with </a:t>
+            </a:r>
+            <a:r>
+              <a:rPr lang="en-US" b="1" dirty="0">
                 <a:sym typeface="Wingdings" pitchFamily="2" charset="2"/>
               </a:rPr>
-              <a:t>inherit </a:t>
-            </a:r>
-            <a:r>
-              <a:rPr lang="en-US" b="1" dirty="0" smtClean="0">
-                <a:sym typeface="Wingdings" pitchFamily="2" charset="2"/>
-              </a:rPr>
-              <a:t>Legacy Code?</a:t>
-            </a:r>
-            <a:endParaRPr lang="en-US" b="1" dirty="0">
-              <a:sym typeface="Wingdings" pitchFamily="2" charset="2"/>
-            </a:endParaRPr>
-          </a:p>
-        </p:txBody>
-      </p:sp>
-      <p:sp>
-        <p:nvSpPr>
-          <p:cNvPr id="5" name="Content Placeholder 4"/>
+              <a:t>Spaghetti Code?</a:t>
+            </a:r>
+          </a:p>
+        </p:txBody>
+      </p:sp>
+      <p:sp>
+        <p:nvSpPr>
+          <p:cNvPr id="6" name="Content Placeholder 4"/>
           <p:cNvSpPr>
             <a:spLocks noGrp="1"/>
           </p:cNvSpPr>
@@ -21395,7 +21606,7 @@
         </p:nvSpPr>
         <p:spPr>
           <a:xfrm>
-            <a:off x="481013" y="1433515"/>
+            <a:off x="489891" y="1433515"/>
             <a:ext cx="8761413" cy="4067399"/>
           </a:xfrm>
         </p:spPr>
@@ -21405,34 +21616,30 @@
           <a:p>
             <a:r>
               <a:rPr lang="en-US" sz="2400" dirty="0" smtClean="0"/>
-              <a:t>Don’t deny it every company has at least </a:t>
-            </a:r>
-            <a:r>
-              <a:rPr lang="en-US" sz="2400" dirty="0" smtClean="0"/>
-              <a:t>1 notorious app</a:t>
+              <a:t>I think there are 2 types of spaghetti code</a:t>
+            </a:r>
+          </a:p>
+          <a:p>
+            <a:pPr lvl="1"/>
+            <a:r>
+              <a:rPr lang="en-US" sz="2100" dirty="0" smtClean="0"/>
+              <a:t>Tangled mess code </a:t>
+            </a:r>
+          </a:p>
+          <a:p>
+            <a:pPr lvl="1"/>
+            <a:r>
+              <a:rPr lang="en-US" sz="2100" dirty="0" smtClean="0"/>
+              <a:t>Long code</a:t>
             </a:r>
             <a:endParaRPr lang="en-US" sz="2400" dirty="0" smtClean="0"/>
-          </a:p>
-          <a:p>
-            <a:r>
-              <a:rPr lang="en-US" sz="2400" dirty="0" smtClean="0"/>
-              <a:t>The one where you always eager to pass </a:t>
-            </a:r>
-            <a:r>
-              <a:rPr lang="en-US" sz="2400" dirty="0" smtClean="0"/>
-              <a:t>off to </a:t>
-            </a:r>
-            <a:r>
-              <a:rPr lang="en-US" sz="2400" dirty="0" smtClean="0"/>
-              <a:t>the new guy</a:t>
-            </a:r>
           </a:p>
         </p:txBody>
       </p:sp>
     </p:spTree>
     <p:extLst>
       <p:ext uri="{BB962C8B-B14F-4D97-AF65-F5344CB8AC3E}">
-        <p14:creationId xmlns:p14="http://schemas.microsoft.com/office/powerpoint/2010/main" val="2339163002"/>
+        <p14:creationId xmlns:p14="http://schemas.microsoft.com/office/powerpoint/2010/main" val="4129721321"/>
       </p:ext>
     </p:extLst>
   </p:cSld>
@@ -21531,186 +21738,7 @@
       </p:sp>
       <p:sp>
         <p:nvSpPr>
-          <p:cNvPr id="4" name="Rectangle 3"/>
-          <p:cNvSpPr txBox="1">
-            <a:spLocks noChangeArrowheads="1"/>
-          </p:cNvSpPr>
-          <p:nvPr/>
-        </p:nvSpPr>
-        <p:spPr bwMode="auto">
-          <a:xfrm>
-            <a:off x="581025" y="5324475"/>
-            <a:ext cx="8620125" cy="739775"/>
-          </a:xfrm>
-          <a:prstGeom prst="rect">
-            <a:avLst/>
-          </a:prstGeom>
-          <a:noFill/>
-          <a:ln w="9525">
-            <a:noFill/>
-            <a:miter lim="800000"/>
-            <a:headEnd/>
-            <a:tailEnd/>
-          </a:ln>
-        </p:spPr>
-        <p:txBody>
-          <a:bodyPr vert="horz" wrap="square" lIns="96646" tIns="48323" rIns="96646" bIns="48323" numCol="1" anchor="t" anchorCtr="0" compatLnSpc="1">
-            <a:prstTxWarp prst="textNoShape">
-              <a:avLst/>
-            </a:prstTxWarp>
-          </a:bodyPr>
-          <a:lstStyle>
-            <a:lvl1pPr marL="363538" indent="-363538" algn="l" defTabSz="966788" rtl="0" eaLnBrk="1" fontAlgn="base" hangingPunct="1">
-              <a:spcBef>
-                <a:spcPct val="20000"/>
-              </a:spcBef>
-              <a:spcAft>
-                <a:spcPct val="0"/>
-              </a:spcAft>
-              <a:buChar char="•"/>
-              <a:defRPr sz="2900">
-                <a:solidFill>
-                  <a:schemeClr val="tx1"/>
-                </a:solidFill>
-                <a:latin typeface="+mn-lt"/>
-                <a:ea typeface="+mn-ea"/>
-                <a:cs typeface="+mn-cs"/>
-              </a:defRPr>
-            </a:lvl1pPr>
-            <a:lvl2pPr marL="784225" indent="-301625" algn="l" defTabSz="966788" rtl="0" eaLnBrk="1" fontAlgn="base" hangingPunct="1">
-              <a:spcBef>
-                <a:spcPct val="20000"/>
-              </a:spcBef>
-              <a:spcAft>
-                <a:spcPct val="0"/>
-              </a:spcAft>
-              <a:buChar char="–"/>
-              <a:defRPr sz="2600">
-                <a:solidFill>
-                  <a:schemeClr val="tx1"/>
-                </a:solidFill>
-                <a:latin typeface="+mn-lt"/>
-              </a:defRPr>
-            </a:lvl2pPr>
-            <a:lvl3pPr marL="1208088" indent="-241300" algn="l" defTabSz="966788" rtl="0" eaLnBrk="1" fontAlgn="base" hangingPunct="1">
-              <a:spcBef>
-                <a:spcPct val="20000"/>
-              </a:spcBef>
-              <a:spcAft>
-                <a:spcPct val="0"/>
-              </a:spcAft>
-              <a:buChar char="•"/>
-              <a:defRPr sz="2100">
-                <a:solidFill>
-                  <a:schemeClr val="tx1"/>
-                </a:solidFill>
-                <a:latin typeface="+mn-lt"/>
-              </a:defRPr>
-            </a:lvl3pPr>
-            <a:lvl4pPr marL="1689100" indent="-238125" algn="l" defTabSz="966788" rtl="0" eaLnBrk="1" fontAlgn="base" hangingPunct="1">
-              <a:spcBef>
-                <a:spcPct val="20000"/>
-              </a:spcBef>
-              <a:spcAft>
-                <a:spcPct val="0"/>
-              </a:spcAft>
-              <a:buChar char="–"/>
-              <a:defRPr sz="2100">
-                <a:solidFill>
-                  <a:schemeClr val="tx1"/>
-                </a:solidFill>
-                <a:latin typeface="+mn-lt"/>
-              </a:defRPr>
-            </a:lvl4pPr>
-            <a:lvl5pPr marL="2174875" indent="-241300" algn="l" defTabSz="966788" rtl="0" eaLnBrk="1" fontAlgn="base" hangingPunct="1">
-              <a:spcBef>
-                <a:spcPct val="20000"/>
-              </a:spcBef>
-              <a:spcAft>
-                <a:spcPct val="0"/>
-              </a:spcAft>
-              <a:buChar char="»"/>
-              <a:defRPr sz="2100">
-                <a:solidFill>
-                  <a:schemeClr val="tx1"/>
-                </a:solidFill>
-                <a:latin typeface="+mn-lt"/>
-              </a:defRPr>
-            </a:lvl5pPr>
-            <a:lvl6pPr marL="2632075" indent="-241300" algn="l" defTabSz="966788" rtl="0" eaLnBrk="1" fontAlgn="base" hangingPunct="1">
-              <a:spcBef>
-                <a:spcPct val="20000"/>
-              </a:spcBef>
-              <a:spcAft>
-                <a:spcPct val="0"/>
-              </a:spcAft>
-              <a:buChar char="»"/>
-              <a:defRPr sz="2100">
-                <a:solidFill>
-                  <a:schemeClr val="tx1"/>
-                </a:solidFill>
-                <a:latin typeface="+mn-lt"/>
-              </a:defRPr>
-            </a:lvl6pPr>
-            <a:lvl7pPr marL="3089275" indent="-241300" algn="l" defTabSz="966788" rtl="0" eaLnBrk="1" fontAlgn="base" hangingPunct="1">
-              <a:spcBef>
-                <a:spcPct val="20000"/>
-              </a:spcBef>
-              <a:spcAft>
-                <a:spcPct val="0"/>
-              </a:spcAft>
-              <a:buChar char="»"/>
-              <a:defRPr sz="2100">
-                <a:solidFill>
-                  <a:schemeClr val="tx1"/>
-                </a:solidFill>
-                <a:latin typeface="+mn-lt"/>
-              </a:defRPr>
-            </a:lvl7pPr>
-            <a:lvl8pPr marL="3546475" indent="-241300" algn="l" defTabSz="966788" rtl="0" eaLnBrk="1" fontAlgn="base" hangingPunct="1">
-              <a:spcBef>
-                <a:spcPct val="20000"/>
-              </a:spcBef>
-              <a:spcAft>
-                <a:spcPct val="0"/>
-              </a:spcAft>
-              <a:buChar char="»"/>
-              <a:defRPr sz="2100">
-                <a:solidFill>
-                  <a:schemeClr val="tx1"/>
-                </a:solidFill>
-                <a:latin typeface="+mn-lt"/>
-              </a:defRPr>
-            </a:lvl8pPr>
-            <a:lvl9pPr marL="4003675" indent="-241300" algn="l" defTabSz="966788" rtl="0" eaLnBrk="1" fontAlgn="base" hangingPunct="1">
-              <a:spcBef>
-                <a:spcPct val="20000"/>
-              </a:spcBef>
-              <a:spcAft>
-                <a:spcPct val="0"/>
-              </a:spcAft>
-              <a:buChar char="»"/>
-              <a:defRPr sz="2100">
-                <a:solidFill>
-                  <a:schemeClr val="tx1"/>
-                </a:solidFill>
-                <a:latin typeface="+mn-lt"/>
-              </a:defRPr>
-            </a:lvl9pPr>
-          </a:lstStyle>
-          <a:p>
-            <a:pPr marL="0" indent="0" algn="ctr">
-              <a:buNone/>
-            </a:pPr>
-            <a:endParaRPr lang="en-US" dirty="0" smtClean="0">
-              <a:sym typeface="Wingdings" pitchFamily="2" charset="2"/>
-            </a:endParaRPr>
-          </a:p>
-        </p:txBody>
-      </p:sp>
-      <p:sp>
-        <p:nvSpPr>
-          <p:cNvPr id="5" name="Rectangle 2"/>
+          <p:cNvPr id="6" name="Rectangle 2"/>
           <p:cNvSpPr>
             <a:spLocks noGrp="1" noChangeArrowheads="1"/>
           </p:cNvSpPr>
@@ -21720,7 +21748,7 @@
         </p:nvSpPr>
         <p:spPr>
           <a:xfrm>
-            <a:off x="571500" y="685800"/>
+            <a:off x="571500" y="372122"/>
             <a:ext cx="8534399" cy="941388"/>
           </a:xfrm>
         </p:spPr>
@@ -21728,23 +21756,25 @@
           <a:bodyPr/>
           <a:lstStyle/>
           <a:p>
+            <a:pPr marL="0" indent="0"/>
+            <a:r>
+              <a:rPr lang="en-US" dirty="0">
+                <a:sym typeface="Wingdings" pitchFamily="2" charset="2"/>
+              </a:rPr>
+              <a:t>Ever </a:t>
+            </a:r>
             <a:r>
               <a:rPr lang="en-US" dirty="0" smtClean="0">
                 <a:sym typeface="Wingdings" pitchFamily="2" charset="2"/>
               </a:rPr>
-              <a:t>Ever scared to make changes?</a:t>
-            </a:r>
-            <a:r>
-              <a:rPr lang="en-US" dirty="0">
+              <a:t>inherit </a:t>
+            </a:r>
+            <a:r>
+              <a:rPr lang="en-US" b="1" dirty="0" smtClean="0">
                 <a:sym typeface="Wingdings" pitchFamily="2" charset="2"/>
               </a:rPr>
-              <a:t/>
-            </a:r>
-            <a:br>
-              <a:rPr lang="en-US" dirty="0">
-                <a:sym typeface="Wingdings" pitchFamily="2" charset="2"/>
-              </a:rPr>
-            </a:br>
+              <a:t>Legacy Code?</a:t>
+            </a:r>
             <a:endParaRPr lang="en-US" b="1" dirty="0">
               <a:sym typeface="Wingdings" pitchFamily="2" charset="2"/>
             </a:endParaRPr>
@@ -21753,7 +21783,7 @@
       </p:sp>
       <p:sp>
         <p:nvSpPr>
-          <p:cNvPr id="8" name="Content Placeholder 4"/>
+          <p:cNvPr id="5" name="Content Placeholder 4"/>
           <p:cNvSpPr>
             <a:spLocks noGrp="1"/>
           </p:cNvSpPr>
@@ -21773,28 +21803,21 @@
           <a:p>
             <a:r>
               <a:rPr lang="en-US" sz="2400" dirty="0" smtClean="0"/>
-              <a:t>Ever get a change request that the minute you read you realize the even though the change would require 10 minutes that the effected piece of code is touched by 10,000 other pieces of code and testing will take 6 months</a:t>
+              <a:t>Don’t deny it every company has at least 1 notorious app</a:t>
             </a:r>
           </a:p>
           <a:p>
             <a:r>
               <a:rPr lang="en-US" sz="2400" dirty="0" smtClean="0"/>
-              <a:t>Have fun explaining that to the business </a:t>
-            </a:r>
-            <a:r>
-              <a:rPr lang="en-US" sz="2400" dirty="0" smtClean="0">
-                <a:sym typeface="Wingdings" pitchFamily="2" charset="2"/>
-              </a:rPr>
-              <a:t></a:t>
-            </a:r>
-            <a:endParaRPr lang="en-US" sz="2400" dirty="0" smtClean="0"/>
+              <a:t>The one where you always eager to pass off to the new guy</a:t>
+            </a:r>
           </a:p>
         </p:txBody>
       </p:sp>
     </p:spTree>
     <p:extLst>
       <p:ext uri="{BB962C8B-B14F-4D97-AF65-F5344CB8AC3E}">
-        <p14:creationId xmlns:p14="http://schemas.microsoft.com/office/powerpoint/2010/main" val="423930323"/>
+        <p14:creationId xmlns:p14="http://schemas.microsoft.com/office/powerpoint/2010/main" val="2339163002"/>
       </p:ext>
     </p:extLst>
   </p:cSld>
@@ -21830,37 +21853,7 @@
       </p:grpSpPr>
       <p:sp>
         <p:nvSpPr>
-          <p:cNvPr id="6" name="Rectangle 2"/>
-          <p:cNvSpPr>
-            <a:spLocks noGrp="1" noChangeArrowheads="1"/>
-          </p:cNvSpPr>
-          <p:nvPr>
-            <p:ph type="title"/>
-          </p:nvPr>
-        </p:nvSpPr>
-        <p:spPr>
-          <a:xfrm>
-            <a:off x="377370" y="466725"/>
-            <a:ext cx="9463314" cy="941388"/>
-          </a:xfrm>
-        </p:spPr>
-        <p:txBody>
-          <a:bodyPr/>
-          <a:lstStyle/>
-          <a:p>
-            <a:pPr>
-              <a:defRPr/>
-            </a:pPr>
-            <a:r>
-              <a:rPr lang="en-US" dirty="0" smtClean="0"/>
-              <a:t>If you answered yes to any of those questions</a:t>
-            </a:r>
-          </a:p>
-        </p:txBody>
-      </p:sp>
-      <p:sp>
-        <p:nvSpPr>
-          <p:cNvPr id="9" name="TextBox 8"/>
+          <p:cNvPr id="7" name="TextBox 6"/>
           <p:cNvSpPr txBox="1"/>
           <p:nvPr/>
         </p:nvSpPr>
@@ -21923,7 +21916,229 @@
       </p:sp>
       <p:sp>
         <p:nvSpPr>
-          <p:cNvPr id="7" name="Content Placeholder 4"/>
+          <p:cNvPr id="4" name="Rectangle 3"/>
+          <p:cNvSpPr txBox="1">
+            <a:spLocks noChangeArrowheads="1"/>
+          </p:cNvSpPr>
+          <p:nvPr/>
+        </p:nvSpPr>
+        <p:spPr bwMode="auto">
+          <a:xfrm>
+            <a:off x="581025" y="5324475"/>
+            <a:ext cx="8620125" cy="739775"/>
+          </a:xfrm>
+          <a:prstGeom prst="rect">
+            <a:avLst/>
+          </a:prstGeom>
+          <a:noFill/>
+          <a:ln w="9525">
+            <a:noFill/>
+            <a:miter lim="800000"/>
+            <a:headEnd/>
+            <a:tailEnd/>
+          </a:ln>
+        </p:spPr>
+        <p:txBody>
+          <a:bodyPr vert="horz" wrap="square" lIns="96646" tIns="48323" rIns="96646" bIns="48323" numCol="1" anchor="t" anchorCtr="0" compatLnSpc="1">
+            <a:prstTxWarp prst="textNoShape">
+              <a:avLst/>
+            </a:prstTxWarp>
+          </a:bodyPr>
+          <a:lstStyle>
+            <a:lvl1pPr marL="363538" indent="-363538" algn="l" defTabSz="966788" rtl="0" eaLnBrk="1" fontAlgn="base" hangingPunct="1">
+              <a:spcBef>
+                <a:spcPct val="20000"/>
+              </a:spcBef>
+              <a:spcAft>
+                <a:spcPct val="0"/>
+              </a:spcAft>
+              <a:buChar char="•"/>
+              <a:defRPr sz="2900">
+                <a:solidFill>
+                  <a:schemeClr val="tx1"/>
+                </a:solidFill>
+                <a:latin typeface="+mn-lt"/>
+                <a:ea typeface="+mn-ea"/>
+                <a:cs typeface="+mn-cs"/>
+              </a:defRPr>
+            </a:lvl1pPr>
+            <a:lvl2pPr marL="784225" indent="-301625" algn="l" defTabSz="966788" rtl="0" eaLnBrk="1" fontAlgn="base" hangingPunct="1">
+              <a:spcBef>
+                <a:spcPct val="20000"/>
+              </a:spcBef>
+              <a:spcAft>
+                <a:spcPct val="0"/>
+              </a:spcAft>
+              <a:buChar char="–"/>
+              <a:defRPr sz="2600">
+                <a:solidFill>
+                  <a:schemeClr val="tx1"/>
+                </a:solidFill>
+                <a:latin typeface="+mn-lt"/>
+              </a:defRPr>
+            </a:lvl2pPr>
+            <a:lvl3pPr marL="1208088" indent="-241300" algn="l" defTabSz="966788" rtl="0" eaLnBrk="1" fontAlgn="base" hangingPunct="1">
+              <a:spcBef>
+                <a:spcPct val="20000"/>
+              </a:spcBef>
+              <a:spcAft>
+                <a:spcPct val="0"/>
+              </a:spcAft>
+              <a:buChar char="•"/>
+              <a:defRPr sz="2100">
+                <a:solidFill>
+                  <a:schemeClr val="tx1"/>
+                </a:solidFill>
+                <a:latin typeface="+mn-lt"/>
+              </a:defRPr>
+            </a:lvl3pPr>
+            <a:lvl4pPr marL="1689100" indent="-238125" algn="l" defTabSz="966788" rtl="0" eaLnBrk="1" fontAlgn="base" hangingPunct="1">
+              <a:spcBef>
+                <a:spcPct val="20000"/>
+              </a:spcBef>
+              <a:spcAft>
+                <a:spcPct val="0"/>
+              </a:spcAft>
+              <a:buChar char="–"/>
+              <a:defRPr sz="2100">
+                <a:solidFill>
+                  <a:schemeClr val="tx1"/>
+                </a:solidFill>
+                <a:latin typeface="+mn-lt"/>
+              </a:defRPr>
+            </a:lvl4pPr>
+            <a:lvl5pPr marL="2174875" indent="-241300" algn="l" defTabSz="966788" rtl="0" eaLnBrk="1" fontAlgn="base" hangingPunct="1">
+              <a:spcBef>
+                <a:spcPct val="20000"/>
+              </a:spcBef>
+              <a:spcAft>
+                <a:spcPct val="0"/>
+              </a:spcAft>
+              <a:buChar char="»"/>
+              <a:defRPr sz="2100">
+                <a:solidFill>
+                  <a:schemeClr val="tx1"/>
+                </a:solidFill>
+                <a:latin typeface="+mn-lt"/>
+              </a:defRPr>
+            </a:lvl5pPr>
+            <a:lvl6pPr marL="2632075" indent="-241300" algn="l" defTabSz="966788" rtl="0" eaLnBrk="1" fontAlgn="base" hangingPunct="1">
+              <a:spcBef>
+                <a:spcPct val="20000"/>
+              </a:spcBef>
+              <a:spcAft>
+                <a:spcPct val="0"/>
+              </a:spcAft>
+              <a:buChar char="»"/>
+              <a:defRPr sz="2100">
+                <a:solidFill>
+                  <a:schemeClr val="tx1"/>
+                </a:solidFill>
+                <a:latin typeface="+mn-lt"/>
+              </a:defRPr>
+            </a:lvl6pPr>
+            <a:lvl7pPr marL="3089275" indent="-241300" algn="l" defTabSz="966788" rtl="0" eaLnBrk="1" fontAlgn="base" hangingPunct="1">
+              <a:spcBef>
+                <a:spcPct val="20000"/>
+              </a:spcBef>
+              <a:spcAft>
+                <a:spcPct val="0"/>
+              </a:spcAft>
+              <a:buChar char="»"/>
+              <a:defRPr sz="2100">
+                <a:solidFill>
+                  <a:schemeClr val="tx1"/>
+                </a:solidFill>
+                <a:latin typeface="+mn-lt"/>
+              </a:defRPr>
+            </a:lvl7pPr>
+            <a:lvl8pPr marL="3546475" indent="-241300" algn="l" defTabSz="966788" rtl="0" eaLnBrk="1" fontAlgn="base" hangingPunct="1">
+              <a:spcBef>
+                <a:spcPct val="20000"/>
+              </a:spcBef>
+              <a:spcAft>
+                <a:spcPct val="0"/>
+              </a:spcAft>
+              <a:buChar char="»"/>
+              <a:defRPr sz="2100">
+                <a:solidFill>
+                  <a:schemeClr val="tx1"/>
+                </a:solidFill>
+                <a:latin typeface="+mn-lt"/>
+              </a:defRPr>
+            </a:lvl8pPr>
+            <a:lvl9pPr marL="4003675" indent="-241300" algn="l" defTabSz="966788" rtl="0" eaLnBrk="1" fontAlgn="base" hangingPunct="1">
+              <a:spcBef>
+                <a:spcPct val="20000"/>
+              </a:spcBef>
+              <a:spcAft>
+                <a:spcPct val="0"/>
+              </a:spcAft>
+              <a:buChar char="»"/>
+              <a:defRPr sz="2100">
+                <a:solidFill>
+                  <a:schemeClr val="tx1"/>
+                </a:solidFill>
+                <a:latin typeface="+mn-lt"/>
+              </a:defRPr>
+            </a:lvl9pPr>
+          </a:lstStyle>
+          <a:p>
+            <a:pPr marL="0" indent="0" algn="ctr">
+              <a:buNone/>
+            </a:pPr>
+            <a:endParaRPr lang="en-US" dirty="0" smtClean="0">
+              <a:sym typeface="Wingdings" pitchFamily="2" charset="2"/>
+            </a:endParaRPr>
+          </a:p>
+        </p:txBody>
+      </p:sp>
+      <p:sp>
+        <p:nvSpPr>
+          <p:cNvPr id="5" name="Rectangle 2"/>
+          <p:cNvSpPr>
+            <a:spLocks noGrp="1" noChangeArrowheads="1"/>
+          </p:cNvSpPr>
+          <p:nvPr>
+            <p:ph type="title"/>
+          </p:nvPr>
+        </p:nvSpPr>
+        <p:spPr>
+          <a:xfrm>
+            <a:off x="571500" y="685800"/>
+            <a:ext cx="8534399" cy="941388"/>
+          </a:xfrm>
+        </p:spPr>
+        <p:txBody>
+          <a:bodyPr/>
+          <a:lstStyle/>
+          <a:p>
+            <a:r>
+              <a:rPr lang="en-US" dirty="0" smtClean="0">
+                <a:sym typeface="Wingdings" pitchFamily="2" charset="2"/>
+              </a:rPr>
+              <a:t>Ever scared to make changes?</a:t>
+            </a:r>
+            <a:r>
+              <a:rPr lang="en-US" dirty="0">
+                <a:sym typeface="Wingdings" pitchFamily="2" charset="2"/>
+              </a:rPr>
+              <a:t/>
+            </a:r>
+            <a:br>
+              <a:rPr lang="en-US" dirty="0">
+                <a:sym typeface="Wingdings" pitchFamily="2" charset="2"/>
+              </a:rPr>
+            </a:br>
+            <a:endParaRPr lang="en-US" b="1" dirty="0">
+              <a:sym typeface="Wingdings" pitchFamily="2" charset="2"/>
+            </a:endParaRPr>
+          </a:p>
+        </p:txBody>
+      </p:sp>
+      <p:sp>
+        <p:nvSpPr>
+          <p:cNvPr id="8" name="Content Placeholder 4"/>
           <p:cNvSpPr>
             <a:spLocks noGrp="1"/>
           </p:cNvSpPr>
@@ -21943,23 +22158,28 @@
           <a:p>
             <a:r>
               <a:rPr lang="en-US" sz="2400" dirty="0" smtClean="0"/>
-              <a:t>If you didn’t answer yes to any of these questions I will give you my </a:t>
-            </a:r>
+              <a:t>Ever get a change request that the minute you read you realize the even though the change would require 10 minutes that the effected piece of code is touched by 10,000 other pieces of code and testing will take 6 months</a:t>
+            </a:r>
+          </a:p>
+          <a:p>
             <a:r>
               <a:rPr lang="en-US" sz="2400" dirty="0" smtClean="0"/>
-              <a:t>business card </a:t>
-            </a:r>
-            <a:r>
-              <a:rPr lang="en-US" sz="2400" dirty="0" smtClean="0"/>
-              <a:t>because I want to work where you work.</a:t>
-            </a:r>
+              <a:t>Have fun explaining that to the business </a:t>
+            </a:r>
+            <a:r>
+              <a:rPr lang="en-US" sz="2400" dirty="0" smtClean="0">
+                <a:sym typeface="Wingdings" pitchFamily="2" charset="2"/>
+              </a:rPr>
+              <a:t></a:t>
+            </a:r>
+            <a:endParaRPr lang="en-US" sz="2400" dirty="0" smtClean="0"/>
           </a:p>
         </p:txBody>
       </p:sp>
     </p:spTree>
     <p:extLst>
       <p:ext uri="{BB962C8B-B14F-4D97-AF65-F5344CB8AC3E}">
-        <p14:creationId xmlns:p14="http://schemas.microsoft.com/office/powerpoint/2010/main" val="2800553551"/>
+        <p14:creationId xmlns:p14="http://schemas.microsoft.com/office/powerpoint/2010/main" val="423930323"/>
       </p:ext>
     </p:extLst>
   </p:cSld>
@@ -21995,6 +22215,36 @@
       </p:grpSpPr>
       <p:sp>
         <p:nvSpPr>
+          <p:cNvPr id="6" name="Rectangle 2"/>
+          <p:cNvSpPr>
+            <a:spLocks noGrp="1" noChangeArrowheads="1"/>
+          </p:cNvSpPr>
+          <p:nvPr>
+            <p:ph type="title"/>
+          </p:nvPr>
+        </p:nvSpPr>
+        <p:spPr>
+          <a:xfrm>
+            <a:off x="377370" y="466725"/>
+            <a:ext cx="9463314" cy="941388"/>
+          </a:xfrm>
+        </p:spPr>
+        <p:txBody>
+          <a:bodyPr/>
+          <a:lstStyle/>
+          <a:p>
+            <a:pPr>
+              <a:defRPr/>
+            </a:pPr>
+            <a:r>
+              <a:rPr lang="en-US" dirty="0" smtClean="0"/>
+              <a:t>If you answered yes to any of those questions</a:t>
+            </a:r>
+          </a:p>
+        </p:txBody>
+      </p:sp>
+      <p:sp>
+        <p:nvSpPr>
           <p:cNvPr id="9" name="TextBox 8"/>
           <p:cNvSpPr txBox="1"/>
           <p:nvPr/>
@@ -22058,42 +22308,7 @@
       </p:sp>
       <p:sp>
         <p:nvSpPr>
-          <p:cNvPr id="4" name="Rectangle 2"/>
-          <p:cNvSpPr>
-            <a:spLocks noGrp="1" noChangeArrowheads="1"/>
-          </p:cNvSpPr>
-          <p:nvPr>
-            <p:ph type="title"/>
-          </p:nvPr>
-        </p:nvSpPr>
-        <p:spPr>
-          <a:xfrm>
-            <a:off x="377370" y="466725"/>
-            <a:ext cx="9463314" cy="941388"/>
-          </a:xfrm>
-        </p:spPr>
-        <p:txBody>
-          <a:bodyPr/>
-          <a:lstStyle/>
-          <a:p>
-            <a:pPr>
-              <a:defRPr/>
-            </a:pPr>
-            <a:r>
-              <a:rPr lang="en-US" dirty="0" smtClean="0"/>
-              <a:t>You needs some tests </a:t>
-            </a:r>
-            <a:r>
-              <a:rPr lang="en-US" dirty="0" err="1" smtClean="0"/>
-              <a:t>yo</a:t>
-            </a:r>
-            <a:endParaRPr lang="en-US" dirty="0" smtClean="0"/>
-          </a:p>
-        </p:txBody>
-      </p:sp>
-      <p:sp>
-        <p:nvSpPr>
-          <p:cNvPr id="5" name="Content Placeholder 4"/>
+          <p:cNvPr id="7" name="Content Placeholder 4"/>
           <p:cNvSpPr>
             <a:spLocks noGrp="1"/>
           </p:cNvSpPr>
@@ -22113,13 +22328,7 @@
           <a:p>
             <a:r>
               <a:rPr lang="en-US" sz="2400" dirty="0" smtClean="0"/>
-              <a:t>You need a way to alleviate the pain and hassle that comes with unmanageable overly complex poorly architected code</a:t>
-            </a:r>
-          </a:p>
-          <a:p>
-            <a:r>
-              <a:rPr lang="en-US" sz="2400" dirty="0" smtClean="0"/>
-              <a:t>More importantly you need a methodology or set of practices that encourages writing better, cleaner, and more concise code</a:t>
+              <a:t>If you didn’t answer yes to any of these questions I will give you my business card because I want to work where you work.</a:t>
             </a:r>
           </a:p>
         </p:txBody>
@@ -22127,7 +22336,7 @@
     </p:spTree>
     <p:extLst>
       <p:ext uri="{BB962C8B-B14F-4D97-AF65-F5344CB8AC3E}">
-        <p14:creationId xmlns:p14="http://schemas.microsoft.com/office/powerpoint/2010/main" val="1857054465"/>
+        <p14:creationId xmlns:p14="http://schemas.microsoft.com/office/powerpoint/2010/main" val="2800553551"/>
       </p:ext>
     </p:extLst>
   </p:cSld>
@@ -23550,6 +23759,65 @@
 </file>
 
 <file path=customXml/item1.xml><?xml version="1.0" encoding="utf-8"?>
+<?mso-contentType ?>
+<spe:Receivers xmlns:spe="http://schemas.microsoft.com/sharepoint/events">
+  <Receiver>
+    <Name>Document ID Generator</Name>
+    <Synchronization>Synchronous</Synchronization>
+    <Type>10001</Type>
+    <SequenceNumber>1000</SequenceNumber>
+    <Assembly>Microsoft.Office.DocumentManagement, Version=14.0.0.0, Culture=neutral, PublicKeyToken=71e9bce111e9429c</Assembly>
+    <Class>Microsoft.Office.DocumentManagement.Internal.DocIdHandler</Class>
+    <Data/>
+    <Filter/>
+  </Receiver>
+  <Receiver>
+    <Name>Document ID Generator</Name>
+    <Synchronization>Synchronous</Synchronization>
+    <Type>10002</Type>
+    <SequenceNumber>1001</SequenceNumber>
+    <Assembly>Microsoft.Office.DocumentManagement, Version=14.0.0.0, Culture=neutral, PublicKeyToken=71e9bce111e9429c</Assembly>
+    <Class>Microsoft.Office.DocumentManagement.Internal.DocIdHandler</Class>
+    <Data/>
+    <Filter/>
+  </Receiver>
+  <Receiver>
+    <Name>Document ID Generator</Name>
+    <Synchronization>Synchronous</Synchronization>
+    <Type>10004</Type>
+    <SequenceNumber>1002</SequenceNumber>
+    <Assembly>Microsoft.Office.DocumentManagement, Version=14.0.0.0, Culture=neutral, PublicKeyToken=71e9bce111e9429c</Assembly>
+    <Class>Microsoft.Office.DocumentManagement.Internal.DocIdHandler</Class>
+    <Data/>
+    <Filter/>
+  </Receiver>
+  <Receiver>
+    <Name>Document ID Generator</Name>
+    <Synchronization>Synchronous</Synchronization>
+    <Type>10006</Type>
+    <SequenceNumber>1003</SequenceNumber>
+    <Assembly>Microsoft.Office.DocumentManagement, Version=14.0.0.0, Culture=neutral, PublicKeyToken=71e9bce111e9429c</Assembly>
+    <Class>Microsoft.Office.DocumentManagement.Internal.DocIdHandler</Class>
+    <Data/>
+    <Filter/>
+  </Receiver>
+</spe:Receivers>
+</file>
+
+<file path=customXml/item2.xml><?xml version="1.0" encoding="utf-8"?>
+<p:properties xmlns:p="http://schemas.microsoft.com/office/2006/metadata/properties" xmlns:xsi="http://www.w3.org/2001/XMLSchema-instance" xmlns:pc="http://schemas.microsoft.com/office/infopath/2007/PartnerControls">
+  <documentManagement>
+    <Description0 xmlns="1e37aee8-73ad-441e-bced-8b530ad9291b">PowerPoint template with Microsoft Partner Network logo on it.</Description0>
+    <_dlc_DocId xmlns="52ad97b0-86c1-49b5-b544-c488bf38e7c0">SAZVWXQSR7YH-3011-7</_dlc_DocId>
+    <_dlc_DocIdUrl xmlns="52ad97b0-86c1-49b5-b544-c488bf38e7c0">
+      <Url>https://my.skylinetechnologies.com/Support/SalesMarketingCenter/branding/_layouts/DocIdRedir.aspx?ID=SAZVWXQSR7YH-3011-7</Url>
+      <Description>SAZVWXQSR7YH-3011-7</Description>
+    </_dlc_DocIdUrl>
+  </documentManagement>
+</p:properties>
+</file>
+
+<file path=customXml/item3.xml><?xml version="1.0" encoding="utf-8"?>
 <ct:contentTypeSchema xmlns:ct="http://schemas.microsoft.com/office/2006/metadata/contentType" xmlns:ma="http://schemas.microsoft.com/office/2006/metadata/properties/metaAttributes" ct:_="" ma:_="" ma:contentTypeName="Document" ma:contentTypeID="0x0101004D2E750987EE2543B234B3A674D6BE3D" ma:contentTypeVersion="105" ma:contentTypeDescription="Create a new document." ma:contentTypeScope="" ma:versionID="62fa037737ae31885dcb260bd5c7d1f2">
   <xsd:schema xmlns:xsd="http://www.w3.org/2001/XMLSchema" xmlns:xs="http://www.w3.org/2001/XMLSchema" xmlns:p="http://schemas.microsoft.com/office/2006/metadata/properties" xmlns:ns2="1e37aee8-73ad-441e-bced-8b530ad9291b" xmlns:ns3="52ad97b0-86c1-49b5-b544-c488bf38e7c0" targetNamespace="http://schemas.microsoft.com/office/2006/metadata/properties" ma:root="true" ma:fieldsID="ce0d2501b4c25830d7e1734de94951c7" ns2:_="" ns3:_="">
     <xsd:import namespace="1e37aee8-73ad-441e-bced-8b530ad9291b"/>
@@ -23707,65 +23975,6 @@
 </ct:contentTypeSchema>
 </file>
 
-<file path=customXml/item2.xml><?xml version="1.0" encoding="utf-8"?>
-<?mso-contentType ?>
-<spe:Receivers xmlns:spe="http://schemas.microsoft.com/sharepoint/events">
-  <Receiver>
-    <Name>Document ID Generator</Name>
-    <Synchronization>Synchronous</Synchronization>
-    <Type>10001</Type>
-    <SequenceNumber>1000</SequenceNumber>
-    <Assembly>Microsoft.Office.DocumentManagement, Version=14.0.0.0, Culture=neutral, PublicKeyToken=71e9bce111e9429c</Assembly>
-    <Class>Microsoft.Office.DocumentManagement.Internal.DocIdHandler</Class>
-    <Data/>
-    <Filter/>
-  </Receiver>
-  <Receiver>
-    <Name>Document ID Generator</Name>
-    <Synchronization>Synchronous</Synchronization>
-    <Type>10002</Type>
-    <SequenceNumber>1001</SequenceNumber>
-    <Assembly>Microsoft.Office.DocumentManagement, Version=14.0.0.0, Culture=neutral, PublicKeyToken=71e9bce111e9429c</Assembly>
-    <Class>Microsoft.Office.DocumentManagement.Internal.DocIdHandler</Class>
-    <Data/>
-    <Filter/>
-  </Receiver>
-  <Receiver>
-    <Name>Document ID Generator</Name>
-    <Synchronization>Synchronous</Synchronization>
-    <Type>10004</Type>
-    <SequenceNumber>1002</SequenceNumber>
-    <Assembly>Microsoft.Office.DocumentManagement, Version=14.0.0.0, Culture=neutral, PublicKeyToken=71e9bce111e9429c</Assembly>
-    <Class>Microsoft.Office.DocumentManagement.Internal.DocIdHandler</Class>
-    <Data/>
-    <Filter/>
-  </Receiver>
-  <Receiver>
-    <Name>Document ID Generator</Name>
-    <Synchronization>Synchronous</Synchronization>
-    <Type>10006</Type>
-    <SequenceNumber>1003</SequenceNumber>
-    <Assembly>Microsoft.Office.DocumentManagement, Version=14.0.0.0, Culture=neutral, PublicKeyToken=71e9bce111e9429c</Assembly>
-    <Class>Microsoft.Office.DocumentManagement.Internal.DocIdHandler</Class>
-    <Data/>
-    <Filter/>
-  </Receiver>
-</spe:Receivers>
-</file>
-
-<file path=customXml/item3.xml><?xml version="1.0" encoding="utf-8"?>
-<p:properties xmlns:p="http://schemas.microsoft.com/office/2006/metadata/properties" xmlns:xsi="http://www.w3.org/2001/XMLSchema-instance" xmlns:pc="http://schemas.microsoft.com/office/infopath/2007/PartnerControls">
-  <documentManagement>
-    <Description0 xmlns="1e37aee8-73ad-441e-bced-8b530ad9291b">PowerPoint template with Microsoft Partner Network logo on it.</Description0>
-    <_dlc_DocId xmlns="52ad97b0-86c1-49b5-b544-c488bf38e7c0">SAZVWXQSR7YH-3011-7</_dlc_DocId>
-    <_dlc_DocIdUrl xmlns="52ad97b0-86c1-49b5-b544-c488bf38e7c0">
-      <Url>https://my.skylinetechnologies.com/Support/SalesMarketingCenter/branding/_layouts/DocIdRedir.aspx?ID=SAZVWXQSR7YH-3011-7</Url>
-      <Description>SAZVWXQSR7YH-3011-7</Description>
-    </_dlc_DocIdUrl>
-  </documentManagement>
-</p:properties>
-</file>
-
 <file path=customXml/item4.xml><?xml version="1.0" encoding="utf-8"?>
 <?mso-contentType ?>
 <FormTemplates xmlns="http://schemas.microsoft.com/sharepoint/v3/contenttype/forms">
@@ -23776,6 +23985,31 @@
 </file>
 
 <file path=customXml/itemProps1.xml><?xml version="1.0" encoding="utf-8"?>
+<ds:datastoreItem xmlns:ds="http://schemas.openxmlformats.org/officeDocument/2006/customXml" ds:itemID="{0068A067-F354-4585-8169-FC99DA836E1C}">
+  <ds:schemaRefs>
+    <ds:schemaRef ds:uri="http://schemas.microsoft.com/sharepoint/events"/>
+  </ds:schemaRefs>
+</ds:datastoreItem>
+</file>
+
+<file path=customXml/itemProps2.xml><?xml version="1.0" encoding="utf-8"?>
+<ds:datastoreItem xmlns:ds="http://schemas.openxmlformats.org/officeDocument/2006/customXml" ds:itemID="{9F5040E5-4564-49C1-9147-56F1700A1C56}">
+  <ds:schemaRefs>
+    <ds:schemaRef ds:uri="http://schemas.microsoft.com/office/2006/documentManagement/types"/>
+    <ds:schemaRef ds:uri="http://www.w3.org/XML/1998/namespace"/>
+    <ds:schemaRef ds:uri="1e37aee8-73ad-441e-bced-8b530ad9291b"/>
+    <ds:schemaRef ds:uri="http://purl.org/dc/elements/1.1/"/>
+    <ds:schemaRef ds:uri="http://schemas.microsoft.com/office/2006/metadata/properties"/>
+    <ds:schemaRef ds:uri="http://schemas.microsoft.com/office/infopath/2007/PartnerControls"/>
+    <ds:schemaRef ds:uri="http://purl.org/dc/dcmitype/"/>
+    <ds:schemaRef ds:uri="http://purl.org/dc/terms/"/>
+    <ds:schemaRef ds:uri="52ad97b0-86c1-49b5-b544-c488bf38e7c0"/>
+    <ds:schemaRef ds:uri="http://schemas.openxmlformats.org/package/2006/metadata/core-properties"/>
+  </ds:schemaRefs>
+</ds:datastoreItem>
+</file>
+
+<file path=customXml/itemProps3.xml><?xml version="1.0" encoding="utf-8"?>
 <ds:datastoreItem xmlns:ds="http://schemas.openxmlformats.org/officeDocument/2006/customXml" ds:itemID="{B03FC495-EB61-4A2C-B8E7-345CEB92DF9F}">
   <ds:schemaRefs>
     <ds:schemaRef ds:uri="http://schemas.microsoft.com/office/2006/metadata/contentType"/>
@@ -23794,31 +24028,6 @@
 </ds:datastoreItem>
 </file>
 
-<file path=customXml/itemProps2.xml><?xml version="1.0" encoding="utf-8"?>
-<ds:datastoreItem xmlns:ds="http://schemas.openxmlformats.org/officeDocument/2006/customXml" ds:itemID="{0068A067-F354-4585-8169-FC99DA836E1C}">
-  <ds:schemaRefs>
-    <ds:schemaRef ds:uri="http://schemas.microsoft.com/sharepoint/events"/>
-  </ds:schemaRefs>
-</ds:datastoreItem>
-</file>
-
-<file path=customXml/itemProps3.xml><?xml version="1.0" encoding="utf-8"?>
-<ds:datastoreItem xmlns:ds="http://schemas.openxmlformats.org/officeDocument/2006/customXml" ds:itemID="{9F5040E5-4564-49C1-9147-56F1700A1C56}">
-  <ds:schemaRefs>
-    <ds:schemaRef ds:uri="http://schemas.microsoft.com/office/2006/documentManagement/types"/>
-    <ds:schemaRef ds:uri="http://www.w3.org/XML/1998/namespace"/>
-    <ds:schemaRef ds:uri="1e37aee8-73ad-441e-bced-8b530ad9291b"/>
-    <ds:schemaRef ds:uri="http://purl.org/dc/elements/1.1/"/>
-    <ds:schemaRef ds:uri="http://schemas.microsoft.com/office/2006/metadata/properties"/>
-    <ds:schemaRef ds:uri="http://schemas.microsoft.com/office/infopath/2007/PartnerControls"/>
-    <ds:schemaRef ds:uri="http://purl.org/dc/dcmitype/"/>
-    <ds:schemaRef ds:uri="http://purl.org/dc/terms/"/>
-    <ds:schemaRef ds:uri="52ad97b0-86c1-49b5-b544-c488bf38e7c0"/>
-    <ds:schemaRef ds:uri="http://schemas.openxmlformats.org/package/2006/metadata/core-properties"/>
-  </ds:schemaRefs>
-</ds:datastoreItem>
-</file>
-
 <file path=customXml/itemProps4.xml><?xml version="1.0" encoding="utf-8"?>
 <ds:datastoreItem xmlns:ds="http://schemas.openxmlformats.org/officeDocument/2006/customXml" ds:itemID="{B6DBE1C9-0895-41F8-89A3-98DC40E912B0}">
   <ds:schemaRefs>
